--- a/課題研究/2013/渡辺雄大/ポスター.pptx
+++ b/課題研究/2013/渡辺雄大/ポスター.pptx
@@ -3886,7 +3886,7 @@
         <p:spPr>
           <a:xfrm>
             <a:off x="612280" y="814956"/>
-            <a:ext cx="20098830" cy="1323423"/>
+            <a:ext cx="20098830" cy="3046972"/>
           </a:xfrm>
           <a:prstGeom prst="rect">
             <a:avLst/>
@@ -3908,23 +3908,31 @@
           <a:p>
             <a:pPr algn="ctr"/>
             <a:r>
-              <a:rPr lang="ja-JP" altLang="en-US" sz="8000" b="1" dirty="0" smtClean="0">
+              <a:rPr lang="ja-JP" altLang="en-US" sz="9600" b="1" dirty="0" smtClean="0">
                 <a:solidFill>
                   <a:schemeClr val="bg1"/>
                 </a:solidFill>
               </a:rPr>
-              <a:t>クライドソーシングのプロジェクトへ</a:t>
-            </a:r>
-            <a:r>
-              <a:rPr lang="ja-JP" altLang="en-US" sz="8000" b="1" dirty="0" smtClean="0">
+              <a:t>クライドソーシングの</a:t>
+            </a:r>
+            <a:endParaRPr lang="en-US" altLang="ja-JP" sz="9600" b="1" dirty="0" smtClean="0">
+              <a:solidFill>
+                <a:schemeClr val="bg1"/>
+              </a:solidFill>
+            </a:endParaRPr>
+          </a:p>
+          <a:p>
+            <a:pPr algn="ctr"/>
+            <a:r>
+              <a:rPr lang="ja-JP" altLang="en-US" sz="9600" b="1" dirty="0" smtClean="0">
                 <a:solidFill>
                   <a:schemeClr val="bg1"/>
                 </a:solidFill>
               </a:rPr>
-              <a:t>の</a:t>
-            </a:r>
-            <a:r>
-              <a:rPr lang="ja-JP" altLang="en-US" sz="8000" b="1" dirty="0">
+              <a:t>プロジェクトへの</a:t>
+            </a:r>
+            <a:r>
+              <a:rPr lang="ja-JP" altLang="en-US" sz="9600" b="1" dirty="0">
                 <a:solidFill>
                   <a:schemeClr val="bg1"/>
                 </a:solidFill>
@@ -3932,14 +3940,14 @@
               <a:t>活用</a:t>
             </a:r>
             <a:r>
-              <a:rPr lang="ja-JP" altLang="en-US" sz="8000" b="1" dirty="0" smtClean="0">
+              <a:rPr lang="ja-JP" altLang="en-US" sz="9600" b="1" dirty="0" smtClean="0">
                 <a:solidFill>
                   <a:schemeClr val="bg1"/>
                 </a:solidFill>
               </a:rPr>
               <a:t>研究</a:t>
             </a:r>
-            <a:endParaRPr lang="ja-JP" altLang="en-US" sz="8000" b="1" dirty="0">
+            <a:endParaRPr lang="ja-JP" altLang="en-US" sz="9600" b="1" dirty="0">
               <a:solidFill>
                 <a:schemeClr val="bg1"/>
               </a:solidFill>
@@ -3955,7 +3963,7 @@
         </p:nvSpPr>
         <p:spPr>
           <a:xfrm>
-            <a:off x="10592867" y="2967889"/>
+            <a:off x="10318316" y="4338787"/>
             <a:ext cx="10436880" cy="984855"/>
           </a:xfrm>
           <a:prstGeom prst="rect">
@@ -3987,156 +3995,13 @@
       </p:sp>
       <p:sp>
         <p:nvSpPr>
-          <p:cNvPr id="10" name="円/楕円 9"/>
-          <p:cNvSpPr/>
-          <p:nvPr/>
-        </p:nvSpPr>
-        <p:spPr>
-          <a:xfrm>
-            <a:off x="-1475952" y="8251226"/>
-            <a:ext cx="24266696" cy="4675675"/>
-          </a:xfrm>
-          <a:prstGeom prst="ellipse">
-            <a:avLst/>
-          </a:prstGeom>
-          <a:noFill/>
-          <a:ln>
-            <a:solidFill>
-              <a:schemeClr val="tx1"/>
-            </a:solidFill>
-          </a:ln>
-        </p:spPr>
-        <p:style>
-          <a:lnRef idx="2">
-            <a:schemeClr val="accent1">
-              <a:shade val="50000"/>
-            </a:schemeClr>
-          </a:lnRef>
-          <a:fillRef idx="1">
-            <a:schemeClr val="accent1"/>
-          </a:fillRef>
-          <a:effectRef idx="0">
-            <a:schemeClr val="accent1"/>
-          </a:effectRef>
-          <a:fontRef idx="minor">
-            <a:schemeClr val="lt1"/>
-          </a:fontRef>
-        </p:style>
-        <p:txBody>
-          <a:bodyPr rtlCol="0" anchor="ctr"/>
-          <a:lstStyle/>
-          <a:p>
-            <a:pPr algn="ctr"/>
-            <a:endParaRPr kumimoji="1" lang="ja-JP" altLang="en-US" dirty="0">
-              <a:solidFill>
-                <a:schemeClr val="tx1"/>
-              </a:solidFill>
-            </a:endParaRPr>
-          </a:p>
-        </p:txBody>
-      </p:sp>
-      <p:sp>
-        <p:nvSpPr>
-          <p:cNvPr id="19" name="テキスト ボックス 18"/>
-          <p:cNvSpPr txBox="1"/>
-          <p:nvPr/>
-        </p:nvSpPr>
-        <p:spPr>
-          <a:xfrm>
-            <a:off x="900311" y="6534176"/>
-            <a:ext cx="7344817" cy="1107965"/>
-          </a:xfrm>
-          <a:prstGeom prst="rect">
-            <a:avLst/>
-          </a:prstGeom>
-          <a:noFill/>
-          <a:ln>
-            <a:solidFill>
-              <a:schemeClr val="accent1"/>
-            </a:solidFill>
-          </a:ln>
-        </p:spPr>
-        <p:txBody>
-          <a:bodyPr wrap="square" lIns="91414" tIns="45705" rIns="91414" bIns="45705" rtlCol="0">
-            <a:spAutoFit/>
-          </a:bodyPr>
-          <a:lstStyle/>
-          <a:p>
-            <a:r>
-              <a:rPr lang="ja-JP" altLang="en-US" sz="6600" dirty="0" smtClean="0">
-                <a:latin typeface="HGPｺﾞｼｯｸE" panose="020B0900000000000000" pitchFamily="50" charset="-128"/>
-                <a:ea typeface="HGPｺﾞｼｯｸE" panose="020B0900000000000000" pitchFamily="50" charset="-128"/>
-              </a:rPr>
-              <a:t>クラウドソーシング</a:t>
-            </a:r>
-            <a:endParaRPr lang="en-US" altLang="ja-JP" sz="6600" dirty="0" smtClean="0">
-              <a:latin typeface="HGPｺﾞｼｯｸE" panose="020B0900000000000000" pitchFamily="50" charset="-128"/>
-              <a:ea typeface="HGPｺﾞｼｯｸE" panose="020B0900000000000000" pitchFamily="50" charset="-128"/>
-            </a:endParaRPr>
-          </a:p>
-        </p:txBody>
-      </p:sp>
-      <p:sp>
-        <p:nvSpPr>
-          <p:cNvPr id="2" name="正方形/長方形 1"/>
-          <p:cNvSpPr/>
-          <p:nvPr/>
-        </p:nvSpPr>
-        <p:spPr>
-          <a:xfrm>
-            <a:off x="900312" y="4447577"/>
-            <a:ext cx="8653122" cy="1115346"/>
-          </a:xfrm>
-          <a:prstGeom prst="rect">
-            <a:avLst/>
-          </a:prstGeom>
-          <a:solidFill>
-            <a:srgbClr val="B25444"/>
-          </a:solidFill>
-          <a:ln>
-            <a:solidFill>
-              <a:schemeClr val="tx1"/>
-            </a:solidFill>
-          </a:ln>
-        </p:spPr>
-        <p:style>
-          <a:lnRef idx="2">
-            <a:schemeClr val="accent1">
-              <a:shade val="50000"/>
-            </a:schemeClr>
-          </a:lnRef>
-          <a:fillRef idx="1">
-            <a:schemeClr val="accent1"/>
-          </a:fillRef>
-          <a:effectRef idx="0">
-            <a:schemeClr val="accent1"/>
-          </a:effectRef>
-          <a:fontRef idx="minor">
-            <a:schemeClr val="lt1"/>
-          </a:fontRef>
-        </p:style>
-        <p:txBody>
-          <a:bodyPr lIns="91414" tIns="45705" rIns="91414" bIns="45705" spcCol="0" rtlCol="0" anchor="ctr"/>
-          <a:lstStyle/>
-          <a:p>
-            <a:pPr algn="ctr"/>
-            <a:endParaRPr kumimoji="1" lang="ja-JP" altLang="en-US" dirty="0">
-              <a:solidFill>
-                <a:schemeClr val="bg1"/>
-              </a:solidFill>
-            </a:endParaRPr>
-          </a:p>
-        </p:txBody>
-      </p:sp>
-      <p:sp>
-        <p:nvSpPr>
           <p:cNvPr id="14" name="テキスト ボックス 13"/>
           <p:cNvSpPr txBox="1"/>
           <p:nvPr/>
         </p:nvSpPr>
         <p:spPr>
           <a:xfrm>
-            <a:off x="612280" y="3955137"/>
+            <a:off x="612280" y="4626819"/>
             <a:ext cx="9145016" cy="2215991"/>
           </a:xfrm>
           <a:prstGeom prst="rect">
@@ -4193,42 +4058,33 @@
       </p:sp>
       <p:grpSp>
         <p:nvGrpSpPr>
-          <p:cNvPr id="36" name="グループ化 35"/>
+          <p:cNvPr id="15" name="グループ化 14"/>
           <p:cNvGrpSpPr/>
           <p:nvPr/>
         </p:nvGrpSpPr>
         <p:grpSpPr>
           <a:xfrm>
-            <a:off x="747343" y="8048789"/>
-            <a:ext cx="10692275" cy="4650541"/>
-            <a:chOff x="612279" y="9332554"/>
-            <a:chExt cx="10692275" cy="4650541"/>
+            <a:off x="-1443891" y="7146121"/>
+            <a:ext cx="24266696" cy="6597168"/>
+            <a:chOff x="-1475952" y="6534176"/>
+            <a:chExt cx="24266696" cy="6597168"/>
           </a:xfrm>
-          <a:solidFill>
-            <a:schemeClr val="accent4">
-              <a:lumMod val="20000"/>
-              <a:lumOff val="80000"/>
-            </a:schemeClr>
-          </a:solidFill>
         </p:grpSpPr>
         <p:sp>
           <p:nvSpPr>
-            <p:cNvPr id="12" name="雲形吹き出し 11"/>
+            <p:cNvPr id="10" name="円/楕円 9"/>
             <p:cNvSpPr/>
             <p:nvPr/>
           </p:nvSpPr>
           <p:spPr>
             <a:xfrm>
-              <a:off x="612279" y="9650007"/>
-              <a:ext cx="10692275" cy="4333088"/>
+              <a:off x="-1475952" y="8251226"/>
+              <a:ext cx="24266696" cy="4675675"/>
             </a:xfrm>
-            <a:prstGeom prst="cloudCallout">
-              <a:avLst>
-                <a:gd name="adj1" fmla="val 41690"/>
-                <a:gd name="adj2" fmla="val 32725"/>
-              </a:avLst>
+            <a:prstGeom prst="ellipse">
+              <a:avLst/>
             </a:prstGeom>
-            <a:grpFill/>
+            <a:noFill/>
             <a:ln>
               <a:solidFill>
                 <a:schemeClr val="tx1"/>
@@ -4256,548 +4112,6 @@
             <a:lstStyle/>
             <a:p>
               <a:pPr algn="ctr"/>
-              <a:r>
-                <a:rPr lang="ja-JP" altLang="en-US" dirty="0">
-                  <a:solidFill>
-                    <a:schemeClr val="tx1"/>
-                  </a:solidFill>
-                  <a:latin typeface="HGPｺﾞｼｯｸE" panose="020B0900000000000000" pitchFamily="50" charset="-128"/>
-                  <a:ea typeface="HGPｺﾞｼｯｸE" panose="020B0900000000000000" pitchFamily="50" charset="-128"/>
-                </a:rPr>
-                <a:t>不特定</a:t>
-              </a:r>
-              <a:r>
-                <a:rPr lang="ja-JP" altLang="en-US" dirty="0" smtClean="0">
-                  <a:solidFill>
-                    <a:schemeClr val="tx1"/>
-                  </a:solidFill>
-                  <a:latin typeface="HGPｺﾞｼｯｸE" panose="020B0900000000000000" pitchFamily="50" charset="-128"/>
-                  <a:ea typeface="HGPｺﾞｼｯｸE" panose="020B0900000000000000" pitchFamily="50" charset="-128"/>
-                </a:rPr>
-                <a:t>多数の受注者</a:t>
-              </a:r>
-              <a:endParaRPr kumimoji="1" lang="ja-JP" altLang="en-US" dirty="0">
-                <a:solidFill>
-                  <a:schemeClr val="tx1"/>
-                </a:solidFill>
-                <a:latin typeface="HGPｺﾞｼｯｸE" panose="020B0900000000000000" pitchFamily="50" charset="-128"/>
-                <a:ea typeface="HGPｺﾞｼｯｸE" panose="020B0900000000000000" pitchFamily="50" charset="-128"/>
-              </a:endParaRPr>
-            </a:p>
-          </p:txBody>
-        </p:sp>
-        <p:pic>
-          <p:nvPicPr>
-            <p:cNvPr id="22" name="Picture 3"/>
-            <p:cNvPicPr>
-              <a:picLocks noChangeAspect="1" noChangeArrowheads="1"/>
-            </p:cNvPicPr>
-            <p:nvPr/>
-          </p:nvPicPr>
-          <p:blipFill>
-            <a:blip r:embed="rId3">
-              <a:extLst>
-                <a:ext uri="{28A0092B-C50C-407E-A947-70E740481C1C}">
-                  <a14:useLocalDpi xmlns:a14="http://schemas.microsoft.com/office/drawing/2010/main" val="0"/>
-                </a:ext>
-              </a:extLst>
-            </a:blip>
-            <a:srcRect/>
-            <a:stretch>
-              <a:fillRect/>
-            </a:stretch>
-          </p:blipFill>
-          <p:spPr bwMode="auto">
-            <a:xfrm>
-              <a:off x="3302011" y="12588832"/>
-              <a:ext cx="1014405" cy="1014405"/>
-            </a:xfrm>
-            <a:prstGeom prst="rect">
-              <a:avLst/>
-            </a:prstGeom>
-            <a:ln>
-              <a:noFill/>
-            </a:ln>
-            <a:effectLst>
-              <a:softEdge rad="112500"/>
-            </a:effectLst>
-            <a:extLst>
-              <a:ext uri="{909E8E84-426E-40DD-AFC4-6F175D3DCCD1}">
-                <a14:hiddenFill xmlns:a14="http://schemas.microsoft.com/office/drawing/2010/main">
-                  <a:solidFill>
-                    <a:schemeClr val="accent1"/>
-                  </a:solidFill>
-                </a14:hiddenFill>
-              </a:ext>
-              <a:ext uri="{91240B29-F687-4F45-9708-019B960494DF}">
-                <a14:hiddenLine xmlns:a14="http://schemas.microsoft.com/office/drawing/2010/main" w="9525">
-                  <a:solidFill>
-                    <a:schemeClr val="tx1"/>
-                  </a:solidFill>
-                  <a:miter lim="800000"/>
-                  <a:headEnd/>
-                  <a:tailEnd/>
-                </a14:hiddenLine>
-              </a:ext>
-            </a:extLst>
-          </p:spPr>
-        </p:pic>
-        <p:pic>
-          <p:nvPicPr>
-            <p:cNvPr id="23" name="Picture 3"/>
-            <p:cNvPicPr>
-              <a:picLocks noChangeAspect="1" noChangeArrowheads="1"/>
-            </p:cNvPicPr>
-            <p:nvPr/>
-          </p:nvPicPr>
-          <p:blipFill>
-            <a:blip r:embed="rId4" cstate="print">
-              <a:extLst>
-                <a:ext uri="{28A0092B-C50C-407E-A947-70E740481C1C}">
-                  <a14:useLocalDpi xmlns:a14="http://schemas.microsoft.com/office/drawing/2010/main" val="0"/>
-                </a:ext>
-              </a:extLst>
-            </a:blip>
-            <a:srcRect/>
-            <a:stretch>
-              <a:fillRect/>
-            </a:stretch>
-          </p:blipFill>
-          <p:spPr bwMode="auto">
-            <a:xfrm>
-              <a:off x="6341194" y="9332554"/>
-              <a:ext cx="859818" cy="859818"/>
-            </a:xfrm>
-            <a:prstGeom prst="rect">
-              <a:avLst/>
-            </a:prstGeom>
-            <a:ln>
-              <a:noFill/>
-            </a:ln>
-            <a:effectLst>
-              <a:softEdge rad="112500"/>
-            </a:effectLst>
-            <a:extLst>
-              <a:ext uri="{909E8E84-426E-40DD-AFC4-6F175D3DCCD1}">
-                <a14:hiddenFill xmlns:a14="http://schemas.microsoft.com/office/drawing/2010/main">
-                  <a:solidFill>
-                    <a:schemeClr val="accent1"/>
-                  </a:solidFill>
-                </a14:hiddenFill>
-              </a:ext>
-              <a:ext uri="{91240B29-F687-4F45-9708-019B960494DF}">
-                <a14:hiddenLine xmlns:a14="http://schemas.microsoft.com/office/drawing/2010/main" w="9525">
-                  <a:solidFill>
-                    <a:schemeClr val="tx1"/>
-                  </a:solidFill>
-                  <a:miter lim="800000"/>
-                  <a:headEnd/>
-                  <a:tailEnd/>
-                </a14:hiddenLine>
-              </a:ext>
-            </a:extLst>
-          </p:spPr>
-        </p:pic>
-        <p:pic>
-          <p:nvPicPr>
-            <p:cNvPr id="24" name="Picture 3"/>
-            <p:cNvPicPr>
-              <a:picLocks noChangeAspect="1" noChangeArrowheads="1"/>
-            </p:cNvPicPr>
-            <p:nvPr/>
-          </p:nvPicPr>
-          <p:blipFill>
-            <a:blip r:embed="rId4" cstate="print">
-              <a:extLst>
-                <a:ext uri="{28A0092B-C50C-407E-A947-70E740481C1C}">
-                  <a14:useLocalDpi xmlns:a14="http://schemas.microsoft.com/office/drawing/2010/main" val="0"/>
-                </a:ext>
-              </a:extLst>
-            </a:blip>
-            <a:srcRect/>
-            <a:stretch>
-              <a:fillRect/>
-            </a:stretch>
-          </p:blipFill>
-          <p:spPr bwMode="auto">
-            <a:xfrm>
-              <a:off x="3276576" y="9667379"/>
-              <a:ext cx="859818" cy="859818"/>
-            </a:xfrm>
-            <a:prstGeom prst="rect">
-              <a:avLst/>
-            </a:prstGeom>
-            <a:ln>
-              <a:noFill/>
-            </a:ln>
-            <a:effectLst>
-              <a:softEdge rad="112500"/>
-            </a:effectLst>
-            <a:extLst>
-              <a:ext uri="{909E8E84-426E-40DD-AFC4-6F175D3DCCD1}">
-                <a14:hiddenFill xmlns:a14="http://schemas.microsoft.com/office/drawing/2010/main">
-                  <a:solidFill>
-                    <a:schemeClr val="accent1"/>
-                  </a:solidFill>
-                </a14:hiddenFill>
-              </a:ext>
-              <a:ext uri="{91240B29-F687-4F45-9708-019B960494DF}">
-                <a14:hiddenLine xmlns:a14="http://schemas.microsoft.com/office/drawing/2010/main" w="9525">
-                  <a:solidFill>
-                    <a:schemeClr val="tx1"/>
-                  </a:solidFill>
-                  <a:miter lim="800000"/>
-                  <a:headEnd/>
-                  <a:tailEnd/>
-                </a14:hiddenLine>
-              </a:ext>
-            </a:extLst>
-          </p:spPr>
-        </p:pic>
-        <p:pic>
-          <p:nvPicPr>
-            <p:cNvPr id="25" name="Picture 3"/>
-            <p:cNvPicPr>
-              <a:picLocks noChangeAspect="1" noChangeArrowheads="1"/>
-            </p:cNvPicPr>
-            <p:nvPr/>
-          </p:nvPicPr>
-          <p:blipFill>
-            <a:blip r:embed="rId5" cstate="print">
-              <a:extLst>
-                <a:ext uri="{28A0092B-C50C-407E-A947-70E740481C1C}">
-                  <a14:useLocalDpi xmlns:a14="http://schemas.microsoft.com/office/drawing/2010/main" val="0"/>
-                </a:ext>
-              </a:extLst>
-            </a:blip>
-            <a:srcRect/>
-            <a:stretch>
-              <a:fillRect/>
-            </a:stretch>
-          </p:blipFill>
-          <p:spPr bwMode="auto">
-            <a:xfrm>
-              <a:off x="975245" y="11361654"/>
-              <a:ext cx="764590" cy="764590"/>
-            </a:xfrm>
-            <a:prstGeom prst="rect">
-              <a:avLst/>
-            </a:prstGeom>
-            <a:ln>
-              <a:noFill/>
-            </a:ln>
-            <a:effectLst>
-              <a:softEdge rad="112500"/>
-            </a:effectLst>
-            <a:extLst>
-              <a:ext uri="{909E8E84-426E-40DD-AFC4-6F175D3DCCD1}">
-                <a14:hiddenFill xmlns:a14="http://schemas.microsoft.com/office/drawing/2010/main">
-                  <a:solidFill>
-                    <a:schemeClr val="accent1"/>
-                  </a:solidFill>
-                </a14:hiddenFill>
-              </a:ext>
-              <a:ext uri="{91240B29-F687-4F45-9708-019B960494DF}">
-                <a14:hiddenLine xmlns:a14="http://schemas.microsoft.com/office/drawing/2010/main" w="9525">
-                  <a:solidFill>
-                    <a:schemeClr val="tx1"/>
-                  </a:solidFill>
-                  <a:miter lim="800000"/>
-                  <a:headEnd/>
-                  <a:tailEnd/>
-                </a14:hiddenLine>
-              </a:ext>
-            </a:extLst>
-          </p:spPr>
-        </p:pic>
-        <p:pic>
-          <p:nvPicPr>
-            <p:cNvPr id="26" name="Picture 3"/>
-            <p:cNvPicPr>
-              <a:picLocks noChangeAspect="1" noChangeArrowheads="1"/>
-            </p:cNvPicPr>
-            <p:nvPr/>
-          </p:nvPicPr>
-          <p:blipFill>
-            <a:blip r:embed="rId3">
-              <a:extLst>
-                <a:ext uri="{28A0092B-C50C-407E-A947-70E740481C1C}">
-                  <a14:useLocalDpi xmlns:a14="http://schemas.microsoft.com/office/drawing/2010/main" val="0"/>
-                </a:ext>
-              </a:extLst>
-            </a:blip>
-            <a:srcRect/>
-            <a:stretch>
-              <a:fillRect/>
-            </a:stretch>
-          </p:blipFill>
-          <p:spPr bwMode="auto">
-            <a:xfrm>
-              <a:off x="5851067" y="12901548"/>
-              <a:ext cx="1014405" cy="1014405"/>
-            </a:xfrm>
-            <a:prstGeom prst="rect">
-              <a:avLst/>
-            </a:prstGeom>
-            <a:ln>
-              <a:noFill/>
-            </a:ln>
-            <a:effectLst>
-              <a:softEdge rad="112500"/>
-            </a:effectLst>
-            <a:extLst>
-              <a:ext uri="{909E8E84-426E-40DD-AFC4-6F175D3DCCD1}">
-                <a14:hiddenFill xmlns:a14="http://schemas.microsoft.com/office/drawing/2010/main">
-                  <a:solidFill>
-                    <a:schemeClr val="accent1"/>
-                  </a:solidFill>
-                </a14:hiddenFill>
-              </a:ext>
-              <a:ext uri="{91240B29-F687-4F45-9708-019B960494DF}">
-                <a14:hiddenLine xmlns:a14="http://schemas.microsoft.com/office/drawing/2010/main" w="9525">
-                  <a:solidFill>
-                    <a:schemeClr val="tx1"/>
-                  </a:solidFill>
-                  <a:miter lim="800000"/>
-                  <a:headEnd/>
-                  <a:tailEnd/>
-                </a14:hiddenLine>
-              </a:ext>
-            </a:extLst>
-          </p:spPr>
-        </p:pic>
-        <p:pic>
-          <p:nvPicPr>
-            <p:cNvPr id="27" name="Picture 3"/>
-            <p:cNvPicPr>
-              <a:picLocks noChangeAspect="1" noChangeArrowheads="1"/>
-            </p:cNvPicPr>
-            <p:nvPr/>
-          </p:nvPicPr>
-          <p:blipFill>
-            <a:blip r:embed="rId3">
-              <a:extLst>
-                <a:ext uri="{28A0092B-C50C-407E-A947-70E740481C1C}">
-                  <a14:useLocalDpi xmlns:a14="http://schemas.microsoft.com/office/drawing/2010/main" val="0"/>
-                </a:ext>
-              </a:extLst>
-            </a:blip>
-            <a:srcRect/>
-            <a:stretch>
-              <a:fillRect/>
-            </a:stretch>
-          </p:blipFill>
-          <p:spPr bwMode="auto">
-            <a:xfrm>
-              <a:off x="8460734" y="12126244"/>
-              <a:ext cx="1014405" cy="1014405"/>
-            </a:xfrm>
-            <a:prstGeom prst="rect">
-              <a:avLst/>
-            </a:prstGeom>
-            <a:ln>
-              <a:noFill/>
-            </a:ln>
-            <a:effectLst>
-              <a:softEdge rad="112500"/>
-            </a:effectLst>
-            <a:extLst>
-              <a:ext uri="{909E8E84-426E-40DD-AFC4-6F175D3DCCD1}">
-                <a14:hiddenFill xmlns:a14="http://schemas.microsoft.com/office/drawing/2010/main">
-                  <a:solidFill>
-                    <a:schemeClr val="accent1"/>
-                  </a:solidFill>
-                </a14:hiddenFill>
-              </a:ext>
-              <a:ext uri="{91240B29-F687-4F45-9708-019B960494DF}">
-                <a14:hiddenLine xmlns:a14="http://schemas.microsoft.com/office/drawing/2010/main" w="9525">
-                  <a:solidFill>
-                    <a:schemeClr val="tx1"/>
-                  </a:solidFill>
-                  <a:miter lim="800000"/>
-                  <a:headEnd/>
-                  <a:tailEnd/>
-                </a14:hiddenLine>
-              </a:ext>
-            </a:extLst>
-          </p:spPr>
-        </p:pic>
-        <p:pic>
-          <p:nvPicPr>
-            <p:cNvPr id="28" name="Picture 3"/>
-            <p:cNvPicPr>
-              <a:picLocks noChangeAspect="1" noChangeArrowheads="1"/>
-            </p:cNvPicPr>
-            <p:nvPr/>
-          </p:nvPicPr>
-          <p:blipFill>
-            <a:blip r:embed="rId3">
-              <a:extLst>
-                <a:ext uri="{28A0092B-C50C-407E-A947-70E740481C1C}">
-                  <a14:useLocalDpi xmlns:a14="http://schemas.microsoft.com/office/drawing/2010/main" val="0"/>
-                </a:ext>
-              </a:extLst>
-            </a:blip>
-            <a:srcRect/>
-            <a:stretch>
-              <a:fillRect/>
-            </a:stretch>
-          </p:blipFill>
-          <p:spPr bwMode="auto">
-            <a:xfrm>
-              <a:off x="8859472" y="9385297"/>
-              <a:ext cx="1014405" cy="1014405"/>
-            </a:xfrm>
-            <a:prstGeom prst="rect">
-              <a:avLst/>
-            </a:prstGeom>
-            <a:ln>
-              <a:noFill/>
-            </a:ln>
-            <a:effectLst>
-              <a:softEdge rad="112500"/>
-            </a:effectLst>
-            <a:extLst>
-              <a:ext uri="{909E8E84-426E-40DD-AFC4-6F175D3DCCD1}">
-                <a14:hiddenFill xmlns:a14="http://schemas.microsoft.com/office/drawing/2010/main">
-                  <a:solidFill>
-                    <a:schemeClr val="accent1"/>
-                  </a:solidFill>
-                </a14:hiddenFill>
-              </a:ext>
-              <a:ext uri="{91240B29-F687-4F45-9708-019B960494DF}">
-                <a14:hiddenLine xmlns:a14="http://schemas.microsoft.com/office/drawing/2010/main" w="9525">
-                  <a:solidFill>
-                    <a:schemeClr val="tx1"/>
-                  </a:solidFill>
-                  <a:miter lim="800000"/>
-                  <a:headEnd/>
-                  <a:tailEnd/>
-                </a14:hiddenLine>
-              </a:ext>
-            </a:extLst>
-          </p:spPr>
-        </p:pic>
-        <p:pic>
-          <p:nvPicPr>
-            <p:cNvPr id="29" name="Picture 3"/>
-            <p:cNvPicPr>
-              <a:picLocks noChangeAspect="1" noChangeArrowheads="1"/>
-            </p:cNvPicPr>
-            <p:nvPr/>
-          </p:nvPicPr>
-          <p:blipFill>
-            <a:blip r:embed="rId3">
-              <a:extLst>
-                <a:ext uri="{28A0092B-C50C-407E-A947-70E740481C1C}">
-                  <a14:useLocalDpi xmlns:a14="http://schemas.microsoft.com/office/drawing/2010/main" val="0"/>
-                </a:ext>
-              </a:extLst>
-            </a:blip>
-            <a:srcRect/>
-            <a:stretch>
-              <a:fillRect/>
-            </a:stretch>
-          </p:blipFill>
-          <p:spPr bwMode="auto">
-            <a:xfrm>
-              <a:off x="9923169" y="10802146"/>
-              <a:ext cx="1014405" cy="1014405"/>
-            </a:xfrm>
-            <a:prstGeom prst="rect">
-              <a:avLst/>
-            </a:prstGeom>
-            <a:ln>
-              <a:noFill/>
-            </a:ln>
-            <a:effectLst>
-              <a:softEdge rad="112500"/>
-            </a:effectLst>
-            <a:extLst>
-              <a:ext uri="{909E8E84-426E-40DD-AFC4-6F175D3DCCD1}">
-                <a14:hiddenFill xmlns:a14="http://schemas.microsoft.com/office/drawing/2010/main">
-                  <a:solidFill>
-                    <a:schemeClr val="accent1"/>
-                  </a:solidFill>
-                </a14:hiddenFill>
-              </a:ext>
-              <a:ext uri="{91240B29-F687-4F45-9708-019B960494DF}">
-                <a14:hiddenLine xmlns:a14="http://schemas.microsoft.com/office/drawing/2010/main" w="9525">
-                  <a:solidFill>
-                    <a:schemeClr val="tx1"/>
-                  </a:solidFill>
-                  <a:miter lim="800000"/>
-                  <a:headEnd/>
-                  <a:tailEnd/>
-                </a14:hiddenLine>
-              </a:ext>
-            </a:extLst>
-          </p:spPr>
-        </p:pic>
-      </p:grpSp>
-      <p:grpSp>
-        <p:nvGrpSpPr>
-          <p:cNvPr id="5" name="グループ化 4"/>
-          <p:cNvGrpSpPr/>
-          <p:nvPr/>
-        </p:nvGrpSpPr>
-        <p:grpSpPr>
-          <a:xfrm>
-            <a:off x="15504695" y="7733581"/>
-            <a:ext cx="4789891" cy="5397763"/>
-            <a:chOff x="15399532" y="8834098"/>
-            <a:chExt cx="4789891" cy="5397763"/>
-          </a:xfrm>
-        </p:grpSpPr>
-        <p:sp>
-          <p:nvSpPr>
-            <p:cNvPr id="35" name="正方形/長方形 34"/>
-            <p:cNvSpPr/>
-            <p:nvPr/>
-          </p:nvSpPr>
-          <p:spPr>
-            <a:xfrm>
-              <a:off x="15399532" y="8834098"/>
-              <a:ext cx="4789891" cy="5397763"/>
-            </a:xfrm>
-            <a:prstGeom prst="rect">
-              <a:avLst/>
-            </a:prstGeom>
-            <a:solidFill>
-              <a:schemeClr val="bg1"/>
-            </a:solidFill>
-            <a:ln>
-              <a:solidFill>
-                <a:srgbClr val="B25444"/>
-              </a:solidFill>
-            </a:ln>
-          </p:spPr>
-          <p:style>
-            <a:lnRef idx="2">
-              <a:schemeClr val="accent1">
-                <a:shade val="50000"/>
-              </a:schemeClr>
-            </a:lnRef>
-            <a:fillRef idx="1">
-              <a:schemeClr val="accent1"/>
-            </a:fillRef>
-            <a:effectRef idx="0">
-              <a:schemeClr val="accent1"/>
-            </a:effectRef>
-            <a:fontRef idx="minor">
-              <a:schemeClr val="lt1"/>
-            </a:fontRef>
-          </p:style>
-          <p:txBody>
-            <a:bodyPr rot="0" spcFirstLastPara="0" vertOverflow="overflow" horzOverflow="overflow" vert="horz" wrap="square" lIns="91414" tIns="45705" rIns="91414" bIns="45705" numCol="1" spcCol="0" rtlCol="0" fromWordArt="0" anchor="ctr" anchorCtr="0" forceAA="0" compatLnSpc="1">
-              <a:prstTxWarp prst="textNoShape">
-                <a:avLst/>
-              </a:prstTxWarp>
-              <a:noAutofit/>
-            </a:bodyPr>
-            <a:lstStyle/>
-            <a:p>
-              <a:pPr algn="ctr"/>
               <a:endParaRPr kumimoji="1" lang="ja-JP" altLang="en-US" dirty="0">
                 <a:solidFill>
                   <a:schemeClr val="tx1"/>
@@ -4806,73 +4120,807 @@
             </a:p>
           </p:txBody>
         </p:sp>
-        <p:pic>
-          <p:nvPicPr>
-            <p:cNvPr id="1027" name="Picture 3"/>
-            <p:cNvPicPr>
-              <a:picLocks noChangeAspect="1" noChangeArrowheads="1"/>
-            </p:cNvPicPr>
+        <p:sp>
+          <p:nvSpPr>
+            <p:cNvPr id="19" name="テキスト ボックス 18"/>
+            <p:cNvSpPr txBox="1"/>
             <p:nvPr/>
-          </p:nvPicPr>
-          <p:blipFill rotWithShape="1">
-            <a:blip r:embed="rId6">
-              <a:extLst>
-                <a:ext uri="{28A0092B-C50C-407E-A947-70E740481C1C}">
-                  <a14:useLocalDpi xmlns:a14="http://schemas.microsoft.com/office/drawing/2010/main" val="0"/>
-                </a:ext>
-              </a:extLst>
-            </a:blip>
-            <a:srcRect l="7425" t="17993" r="6691" b="15096"/>
-            <a:stretch/>
-          </p:blipFill>
-          <p:spPr bwMode="auto">
+          </p:nvSpPr>
+          <p:spPr>
             <a:xfrm>
-              <a:off x="15590117" y="10282910"/>
-              <a:ext cx="4408720" cy="3948951"/>
+              <a:off x="900311" y="6534176"/>
+              <a:ext cx="7344817" cy="1107965"/>
             </a:xfrm>
             <a:prstGeom prst="rect">
               <a:avLst/>
             </a:prstGeom>
             <a:noFill/>
             <a:ln>
-              <a:noFill/>
+              <a:solidFill>
+                <a:schemeClr val="accent1"/>
+              </a:solidFill>
             </a:ln>
-            <a:extLst>
-              <a:ext uri="{909E8E84-426E-40DD-AFC4-6F175D3DCCD1}">
-                <a14:hiddenFill xmlns:a14="http://schemas.microsoft.com/office/drawing/2010/main">
-                  <a:solidFill>
-                    <a:schemeClr val="accent1"/>
-                  </a:solidFill>
-                </a14:hiddenFill>
-              </a:ext>
-              <a:ext uri="{91240B29-F687-4F45-9708-019B960494DF}">
-                <a14:hiddenLine xmlns:a14="http://schemas.microsoft.com/office/drawing/2010/main" w="9525">
+          </p:spPr>
+          <p:txBody>
+            <a:bodyPr wrap="square" lIns="91414" tIns="45705" rIns="91414" bIns="45705" rtlCol="0">
+              <a:spAutoFit/>
+            </a:bodyPr>
+            <a:lstStyle/>
+            <a:p>
+              <a:r>
+                <a:rPr lang="ja-JP" altLang="en-US" sz="6600" dirty="0" smtClean="0">
+                  <a:latin typeface="HGPｺﾞｼｯｸE" panose="020B0900000000000000" pitchFamily="50" charset="-128"/>
+                  <a:ea typeface="HGPｺﾞｼｯｸE" panose="020B0900000000000000" pitchFamily="50" charset="-128"/>
+                </a:rPr>
+                <a:t>クラウドソーシング</a:t>
+              </a:r>
+              <a:endParaRPr lang="en-US" altLang="ja-JP" sz="6600" dirty="0" smtClean="0">
+                <a:latin typeface="HGPｺﾞｼｯｸE" panose="020B0900000000000000" pitchFamily="50" charset="-128"/>
+                <a:ea typeface="HGPｺﾞｼｯｸE" panose="020B0900000000000000" pitchFamily="50" charset="-128"/>
+              </a:endParaRPr>
+            </a:p>
+          </p:txBody>
+        </p:sp>
+        <p:grpSp>
+          <p:nvGrpSpPr>
+            <p:cNvPr id="36" name="グループ化 35"/>
+            <p:cNvGrpSpPr/>
+            <p:nvPr/>
+          </p:nvGrpSpPr>
+          <p:grpSpPr>
+            <a:xfrm>
+              <a:off x="747343" y="8048789"/>
+              <a:ext cx="10692275" cy="4650541"/>
+              <a:chOff x="612279" y="9332554"/>
+              <a:chExt cx="10692275" cy="4650541"/>
+            </a:xfrm>
+            <a:solidFill>
+              <a:schemeClr val="accent4">
+                <a:lumMod val="20000"/>
+                <a:lumOff val="80000"/>
+              </a:schemeClr>
+            </a:solidFill>
+          </p:grpSpPr>
+          <p:sp>
+            <p:nvSpPr>
+              <p:cNvPr id="12" name="雲形吹き出し 11"/>
+              <p:cNvSpPr/>
+              <p:nvPr/>
+            </p:nvSpPr>
+            <p:spPr>
+              <a:xfrm>
+                <a:off x="612279" y="9650007"/>
+                <a:ext cx="10692275" cy="4333088"/>
+              </a:xfrm>
+              <a:prstGeom prst="cloudCallout">
+                <a:avLst>
+                  <a:gd name="adj1" fmla="val 41690"/>
+                  <a:gd name="adj2" fmla="val 32725"/>
+                </a:avLst>
+              </a:prstGeom>
+              <a:grpFill/>
+              <a:ln>
+                <a:solidFill>
+                  <a:schemeClr val="tx1"/>
+                </a:solidFill>
+              </a:ln>
+            </p:spPr>
+            <p:style>
+              <a:lnRef idx="2">
+                <a:schemeClr val="accent1">
+                  <a:shade val="50000"/>
+                </a:schemeClr>
+              </a:lnRef>
+              <a:fillRef idx="1">
+                <a:schemeClr val="accent1"/>
+              </a:fillRef>
+              <a:effectRef idx="0">
+                <a:schemeClr val="accent1"/>
+              </a:effectRef>
+              <a:fontRef idx="minor">
+                <a:schemeClr val="lt1"/>
+              </a:fontRef>
+            </p:style>
+            <p:txBody>
+              <a:bodyPr rtlCol="0" anchor="ctr"/>
+              <a:lstStyle/>
+              <a:p>
+                <a:pPr algn="ctr"/>
+                <a:r>
+                  <a:rPr lang="ja-JP" altLang="en-US" dirty="0">
+                    <a:solidFill>
+                      <a:schemeClr val="tx1"/>
+                    </a:solidFill>
+                    <a:latin typeface="HGPｺﾞｼｯｸE" panose="020B0900000000000000" pitchFamily="50" charset="-128"/>
+                    <a:ea typeface="HGPｺﾞｼｯｸE" panose="020B0900000000000000" pitchFamily="50" charset="-128"/>
+                  </a:rPr>
+                  <a:t>不特定</a:t>
+                </a:r>
+                <a:r>
+                  <a:rPr lang="ja-JP" altLang="en-US" dirty="0" smtClean="0">
+                    <a:solidFill>
+                      <a:schemeClr val="tx1"/>
+                    </a:solidFill>
+                    <a:latin typeface="HGPｺﾞｼｯｸE" panose="020B0900000000000000" pitchFamily="50" charset="-128"/>
+                    <a:ea typeface="HGPｺﾞｼｯｸE" panose="020B0900000000000000" pitchFamily="50" charset="-128"/>
+                  </a:rPr>
+                  <a:t>多数の受注者</a:t>
+                </a:r>
+                <a:endParaRPr kumimoji="1" lang="ja-JP" altLang="en-US" dirty="0">
                   <a:solidFill>
                     <a:schemeClr val="tx1"/>
                   </a:solidFill>
-                  <a:miter lim="800000"/>
-                  <a:headEnd/>
-                  <a:tailEnd/>
-                </a14:hiddenLine>
-              </a:ext>
-            </a:extLst>
+                  <a:latin typeface="HGPｺﾞｼｯｸE" panose="020B0900000000000000" pitchFamily="50" charset="-128"/>
+                  <a:ea typeface="HGPｺﾞｼｯｸE" panose="020B0900000000000000" pitchFamily="50" charset="-128"/>
+                </a:endParaRPr>
+              </a:p>
+            </p:txBody>
+          </p:sp>
+          <p:pic>
+            <p:nvPicPr>
+              <p:cNvPr id="22" name="Picture 3"/>
+              <p:cNvPicPr>
+                <a:picLocks noChangeAspect="1" noChangeArrowheads="1"/>
+              </p:cNvPicPr>
+              <p:nvPr/>
+            </p:nvPicPr>
+            <p:blipFill>
+              <a:blip r:embed="rId3">
+                <a:extLst>
+                  <a:ext uri="{28A0092B-C50C-407E-A947-70E740481C1C}">
+                    <a14:useLocalDpi xmlns:a14="http://schemas.microsoft.com/office/drawing/2010/main" val="0"/>
+                  </a:ext>
+                </a:extLst>
+              </a:blip>
+              <a:srcRect/>
+              <a:stretch>
+                <a:fillRect/>
+              </a:stretch>
+            </p:blipFill>
+            <p:spPr bwMode="auto">
+              <a:xfrm>
+                <a:off x="3302011" y="12588832"/>
+                <a:ext cx="1014405" cy="1014405"/>
+              </a:xfrm>
+              <a:prstGeom prst="rect">
+                <a:avLst/>
+              </a:prstGeom>
+              <a:ln>
+                <a:noFill/>
+              </a:ln>
+              <a:effectLst>
+                <a:softEdge rad="112500"/>
+              </a:effectLst>
+              <a:extLst>
+                <a:ext uri="{909E8E84-426E-40DD-AFC4-6F175D3DCCD1}">
+                  <a14:hiddenFill xmlns:a14="http://schemas.microsoft.com/office/drawing/2010/main">
+                    <a:solidFill>
+                      <a:schemeClr val="accent1"/>
+                    </a:solidFill>
+                  </a14:hiddenFill>
+                </a:ext>
+                <a:ext uri="{91240B29-F687-4F45-9708-019B960494DF}">
+                  <a14:hiddenLine xmlns:a14="http://schemas.microsoft.com/office/drawing/2010/main" w="9525">
+                    <a:solidFill>
+                      <a:schemeClr val="tx1"/>
+                    </a:solidFill>
+                    <a:miter lim="800000"/>
+                    <a:headEnd/>
+                    <a:tailEnd/>
+                  </a14:hiddenLine>
+                </a:ext>
+              </a:extLst>
+            </p:spPr>
+          </p:pic>
+          <p:pic>
+            <p:nvPicPr>
+              <p:cNvPr id="23" name="Picture 3"/>
+              <p:cNvPicPr>
+                <a:picLocks noChangeAspect="1" noChangeArrowheads="1"/>
+              </p:cNvPicPr>
+              <p:nvPr/>
+            </p:nvPicPr>
+            <p:blipFill>
+              <a:blip r:embed="rId4" cstate="print">
+                <a:extLst>
+                  <a:ext uri="{28A0092B-C50C-407E-A947-70E740481C1C}">
+                    <a14:useLocalDpi xmlns:a14="http://schemas.microsoft.com/office/drawing/2010/main" val="0"/>
+                  </a:ext>
+                </a:extLst>
+              </a:blip>
+              <a:srcRect/>
+              <a:stretch>
+                <a:fillRect/>
+              </a:stretch>
+            </p:blipFill>
+            <p:spPr bwMode="auto">
+              <a:xfrm>
+                <a:off x="6341194" y="9332554"/>
+                <a:ext cx="859818" cy="859818"/>
+              </a:xfrm>
+              <a:prstGeom prst="rect">
+                <a:avLst/>
+              </a:prstGeom>
+              <a:ln>
+                <a:noFill/>
+              </a:ln>
+              <a:effectLst>
+                <a:softEdge rad="112500"/>
+              </a:effectLst>
+              <a:extLst>
+                <a:ext uri="{909E8E84-426E-40DD-AFC4-6F175D3DCCD1}">
+                  <a14:hiddenFill xmlns:a14="http://schemas.microsoft.com/office/drawing/2010/main">
+                    <a:solidFill>
+                      <a:schemeClr val="accent1"/>
+                    </a:solidFill>
+                  </a14:hiddenFill>
+                </a:ext>
+                <a:ext uri="{91240B29-F687-4F45-9708-019B960494DF}">
+                  <a14:hiddenLine xmlns:a14="http://schemas.microsoft.com/office/drawing/2010/main" w="9525">
+                    <a:solidFill>
+                      <a:schemeClr val="tx1"/>
+                    </a:solidFill>
+                    <a:miter lim="800000"/>
+                    <a:headEnd/>
+                    <a:tailEnd/>
+                  </a14:hiddenLine>
+                </a:ext>
+              </a:extLst>
+            </p:spPr>
+          </p:pic>
+          <p:pic>
+            <p:nvPicPr>
+              <p:cNvPr id="24" name="Picture 3"/>
+              <p:cNvPicPr>
+                <a:picLocks noChangeAspect="1" noChangeArrowheads="1"/>
+              </p:cNvPicPr>
+              <p:nvPr/>
+            </p:nvPicPr>
+            <p:blipFill>
+              <a:blip r:embed="rId4" cstate="print">
+                <a:extLst>
+                  <a:ext uri="{28A0092B-C50C-407E-A947-70E740481C1C}">
+                    <a14:useLocalDpi xmlns:a14="http://schemas.microsoft.com/office/drawing/2010/main" val="0"/>
+                  </a:ext>
+                </a:extLst>
+              </a:blip>
+              <a:srcRect/>
+              <a:stretch>
+                <a:fillRect/>
+              </a:stretch>
+            </p:blipFill>
+            <p:spPr bwMode="auto">
+              <a:xfrm>
+                <a:off x="3276576" y="9667379"/>
+                <a:ext cx="859818" cy="859818"/>
+              </a:xfrm>
+              <a:prstGeom prst="rect">
+                <a:avLst/>
+              </a:prstGeom>
+              <a:ln>
+                <a:noFill/>
+              </a:ln>
+              <a:effectLst>
+                <a:softEdge rad="112500"/>
+              </a:effectLst>
+              <a:extLst>
+                <a:ext uri="{909E8E84-426E-40DD-AFC4-6F175D3DCCD1}">
+                  <a14:hiddenFill xmlns:a14="http://schemas.microsoft.com/office/drawing/2010/main">
+                    <a:solidFill>
+                      <a:schemeClr val="accent1"/>
+                    </a:solidFill>
+                  </a14:hiddenFill>
+                </a:ext>
+                <a:ext uri="{91240B29-F687-4F45-9708-019B960494DF}">
+                  <a14:hiddenLine xmlns:a14="http://schemas.microsoft.com/office/drawing/2010/main" w="9525">
+                    <a:solidFill>
+                      <a:schemeClr val="tx1"/>
+                    </a:solidFill>
+                    <a:miter lim="800000"/>
+                    <a:headEnd/>
+                    <a:tailEnd/>
+                  </a14:hiddenLine>
+                </a:ext>
+              </a:extLst>
+            </p:spPr>
+          </p:pic>
+          <p:pic>
+            <p:nvPicPr>
+              <p:cNvPr id="25" name="Picture 3"/>
+              <p:cNvPicPr>
+                <a:picLocks noChangeAspect="1" noChangeArrowheads="1"/>
+              </p:cNvPicPr>
+              <p:nvPr/>
+            </p:nvPicPr>
+            <p:blipFill>
+              <a:blip r:embed="rId5" cstate="print">
+                <a:extLst>
+                  <a:ext uri="{28A0092B-C50C-407E-A947-70E740481C1C}">
+                    <a14:useLocalDpi xmlns:a14="http://schemas.microsoft.com/office/drawing/2010/main" val="0"/>
+                  </a:ext>
+                </a:extLst>
+              </a:blip>
+              <a:srcRect/>
+              <a:stretch>
+                <a:fillRect/>
+              </a:stretch>
+            </p:blipFill>
+            <p:spPr bwMode="auto">
+              <a:xfrm>
+                <a:off x="975245" y="11361654"/>
+                <a:ext cx="764590" cy="764590"/>
+              </a:xfrm>
+              <a:prstGeom prst="rect">
+                <a:avLst/>
+              </a:prstGeom>
+              <a:ln>
+                <a:noFill/>
+              </a:ln>
+              <a:effectLst>
+                <a:softEdge rad="112500"/>
+              </a:effectLst>
+              <a:extLst>
+                <a:ext uri="{909E8E84-426E-40DD-AFC4-6F175D3DCCD1}">
+                  <a14:hiddenFill xmlns:a14="http://schemas.microsoft.com/office/drawing/2010/main">
+                    <a:solidFill>
+                      <a:schemeClr val="accent1"/>
+                    </a:solidFill>
+                  </a14:hiddenFill>
+                </a:ext>
+                <a:ext uri="{91240B29-F687-4F45-9708-019B960494DF}">
+                  <a14:hiddenLine xmlns:a14="http://schemas.microsoft.com/office/drawing/2010/main" w="9525">
+                    <a:solidFill>
+                      <a:schemeClr val="tx1"/>
+                    </a:solidFill>
+                    <a:miter lim="800000"/>
+                    <a:headEnd/>
+                    <a:tailEnd/>
+                  </a14:hiddenLine>
+                </a:ext>
+              </a:extLst>
+            </p:spPr>
+          </p:pic>
+          <p:pic>
+            <p:nvPicPr>
+              <p:cNvPr id="26" name="Picture 3"/>
+              <p:cNvPicPr>
+                <a:picLocks noChangeAspect="1" noChangeArrowheads="1"/>
+              </p:cNvPicPr>
+              <p:nvPr/>
+            </p:nvPicPr>
+            <p:blipFill>
+              <a:blip r:embed="rId3">
+                <a:extLst>
+                  <a:ext uri="{28A0092B-C50C-407E-A947-70E740481C1C}">
+                    <a14:useLocalDpi xmlns:a14="http://schemas.microsoft.com/office/drawing/2010/main" val="0"/>
+                  </a:ext>
+                </a:extLst>
+              </a:blip>
+              <a:srcRect/>
+              <a:stretch>
+                <a:fillRect/>
+              </a:stretch>
+            </p:blipFill>
+            <p:spPr bwMode="auto">
+              <a:xfrm>
+                <a:off x="5851067" y="12901548"/>
+                <a:ext cx="1014405" cy="1014405"/>
+              </a:xfrm>
+              <a:prstGeom prst="rect">
+                <a:avLst/>
+              </a:prstGeom>
+              <a:ln>
+                <a:noFill/>
+              </a:ln>
+              <a:effectLst>
+                <a:softEdge rad="112500"/>
+              </a:effectLst>
+              <a:extLst>
+                <a:ext uri="{909E8E84-426E-40DD-AFC4-6F175D3DCCD1}">
+                  <a14:hiddenFill xmlns:a14="http://schemas.microsoft.com/office/drawing/2010/main">
+                    <a:solidFill>
+                      <a:schemeClr val="accent1"/>
+                    </a:solidFill>
+                  </a14:hiddenFill>
+                </a:ext>
+                <a:ext uri="{91240B29-F687-4F45-9708-019B960494DF}">
+                  <a14:hiddenLine xmlns:a14="http://schemas.microsoft.com/office/drawing/2010/main" w="9525">
+                    <a:solidFill>
+                      <a:schemeClr val="tx1"/>
+                    </a:solidFill>
+                    <a:miter lim="800000"/>
+                    <a:headEnd/>
+                    <a:tailEnd/>
+                  </a14:hiddenLine>
+                </a:ext>
+              </a:extLst>
+            </p:spPr>
+          </p:pic>
+          <p:pic>
+            <p:nvPicPr>
+              <p:cNvPr id="27" name="Picture 3"/>
+              <p:cNvPicPr>
+                <a:picLocks noChangeAspect="1" noChangeArrowheads="1"/>
+              </p:cNvPicPr>
+              <p:nvPr/>
+            </p:nvPicPr>
+            <p:blipFill>
+              <a:blip r:embed="rId3">
+                <a:extLst>
+                  <a:ext uri="{28A0092B-C50C-407E-A947-70E740481C1C}">
+                    <a14:useLocalDpi xmlns:a14="http://schemas.microsoft.com/office/drawing/2010/main" val="0"/>
+                  </a:ext>
+                </a:extLst>
+              </a:blip>
+              <a:srcRect/>
+              <a:stretch>
+                <a:fillRect/>
+              </a:stretch>
+            </p:blipFill>
+            <p:spPr bwMode="auto">
+              <a:xfrm>
+                <a:off x="8460734" y="12126244"/>
+                <a:ext cx="1014405" cy="1014405"/>
+              </a:xfrm>
+              <a:prstGeom prst="rect">
+                <a:avLst/>
+              </a:prstGeom>
+              <a:ln>
+                <a:noFill/>
+              </a:ln>
+              <a:effectLst>
+                <a:softEdge rad="112500"/>
+              </a:effectLst>
+              <a:extLst>
+                <a:ext uri="{909E8E84-426E-40DD-AFC4-6F175D3DCCD1}">
+                  <a14:hiddenFill xmlns:a14="http://schemas.microsoft.com/office/drawing/2010/main">
+                    <a:solidFill>
+                      <a:schemeClr val="accent1"/>
+                    </a:solidFill>
+                  </a14:hiddenFill>
+                </a:ext>
+                <a:ext uri="{91240B29-F687-4F45-9708-019B960494DF}">
+                  <a14:hiddenLine xmlns:a14="http://schemas.microsoft.com/office/drawing/2010/main" w="9525">
+                    <a:solidFill>
+                      <a:schemeClr val="tx1"/>
+                    </a:solidFill>
+                    <a:miter lim="800000"/>
+                    <a:headEnd/>
+                    <a:tailEnd/>
+                  </a14:hiddenLine>
+                </a:ext>
+              </a:extLst>
+            </p:spPr>
+          </p:pic>
+          <p:pic>
+            <p:nvPicPr>
+              <p:cNvPr id="28" name="Picture 3"/>
+              <p:cNvPicPr>
+                <a:picLocks noChangeAspect="1" noChangeArrowheads="1"/>
+              </p:cNvPicPr>
+              <p:nvPr/>
+            </p:nvPicPr>
+            <p:blipFill>
+              <a:blip r:embed="rId3">
+                <a:extLst>
+                  <a:ext uri="{28A0092B-C50C-407E-A947-70E740481C1C}">
+                    <a14:useLocalDpi xmlns:a14="http://schemas.microsoft.com/office/drawing/2010/main" val="0"/>
+                  </a:ext>
+                </a:extLst>
+              </a:blip>
+              <a:srcRect/>
+              <a:stretch>
+                <a:fillRect/>
+              </a:stretch>
+            </p:blipFill>
+            <p:spPr bwMode="auto">
+              <a:xfrm>
+                <a:off x="8859472" y="9385297"/>
+                <a:ext cx="1014405" cy="1014405"/>
+              </a:xfrm>
+              <a:prstGeom prst="rect">
+                <a:avLst/>
+              </a:prstGeom>
+              <a:ln>
+                <a:noFill/>
+              </a:ln>
+              <a:effectLst>
+                <a:softEdge rad="112500"/>
+              </a:effectLst>
+              <a:extLst>
+                <a:ext uri="{909E8E84-426E-40DD-AFC4-6F175D3DCCD1}">
+                  <a14:hiddenFill xmlns:a14="http://schemas.microsoft.com/office/drawing/2010/main">
+                    <a:solidFill>
+                      <a:schemeClr val="accent1"/>
+                    </a:solidFill>
+                  </a14:hiddenFill>
+                </a:ext>
+                <a:ext uri="{91240B29-F687-4F45-9708-019B960494DF}">
+                  <a14:hiddenLine xmlns:a14="http://schemas.microsoft.com/office/drawing/2010/main" w="9525">
+                    <a:solidFill>
+                      <a:schemeClr val="tx1"/>
+                    </a:solidFill>
+                    <a:miter lim="800000"/>
+                    <a:headEnd/>
+                    <a:tailEnd/>
+                  </a14:hiddenLine>
+                </a:ext>
+              </a:extLst>
+            </p:spPr>
+          </p:pic>
+          <p:pic>
+            <p:nvPicPr>
+              <p:cNvPr id="29" name="Picture 3"/>
+              <p:cNvPicPr>
+                <a:picLocks noChangeAspect="1" noChangeArrowheads="1"/>
+              </p:cNvPicPr>
+              <p:nvPr/>
+            </p:nvPicPr>
+            <p:blipFill>
+              <a:blip r:embed="rId3">
+                <a:extLst>
+                  <a:ext uri="{28A0092B-C50C-407E-A947-70E740481C1C}">
+                    <a14:useLocalDpi xmlns:a14="http://schemas.microsoft.com/office/drawing/2010/main" val="0"/>
+                  </a:ext>
+                </a:extLst>
+              </a:blip>
+              <a:srcRect/>
+              <a:stretch>
+                <a:fillRect/>
+              </a:stretch>
+            </p:blipFill>
+            <p:spPr bwMode="auto">
+              <a:xfrm>
+                <a:off x="9923169" y="10802146"/>
+                <a:ext cx="1014405" cy="1014405"/>
+              </a:xfrm>
+              <a:prstGeom prst="rect">
+                <a:avLst/>
+              </a:prstGeom>
+              <a:ln>
+                <a:noFill/>
+              </a:ln>
+              <a:effectLst>
+                <a:softEdge rad="112500"/>
+              </a:effectLst>
+              <a:extLst>
+                <a:ext uri="{909E8E84-426E-40DD-AFC4-6F175D3DCCD1}">
+                  <a14:hiddenFill xmlns:a14="http://schemas.microsoft.com/office/drawing/2010/main">
+                    <a:solidFill>
+                      <a:schemeClr val="accent1"/>
+                    </a:solidFill>
+                  </a14:hiddenFill>
+                </a:ext>
+                <a:ext uri="{91240B29-F687-4F45-9708-019B960494DF}">
+                  <a14:hiddenLine xmlns:a14="http://schemas.microsoft.com/office/drawing/2010/main" w="9525">
+                    <a:solidFill>
+                      <a:schemeClr val="tx1"/>
+                    </a:solidFill>
+                    <a:miter lim="800000"/>
+                    <a:headEnd/>
+                    <a:tailEnd/>
+                  </a14:hiddenLine>
+                </a:ext>
+              </a:extLst>
+            </p:spPr>
+          </p:pic>
+        </p:grpSp>
+        <p:grpSp>
+          <p:nvGrpSpPr>
+            <p:cNvPr id="5" name="グループ化 4"/>
+            <p:cNvGrpSpPr/>
+            <p:nvPr/>
+          </p:nvGrpSpPr>
+          <p:grpSpPr>
+            <a:xfrm>
+              <a:off x="15504695" y="7733581"/>
+              <a:ext cx="4789891" cy="5397763"/>
+              <a:chOff x="15399532" y="8834098"/>
+              <a:chExt cx="4789891" cy="5397763"/>
+            </a:xfrm>
+          </p:grpSpPr>
+          <p:sp>
+            <p:nvSpPr>
+              <p:cNvPr id="35" name="正方形/長方形 34"/>
+              <p:cNvSpPr/>
+              <p:nvPr/>
+            </p:nvSpPr>
+            <p:spPr>
+              <a:xfrm>
+                <a:off x="15399532" y="8834098"/>
+                <a:ext cx="4789891" cy="5397763"/>
+              </a:xfrm>
+              <a:prstGeom prst="rect">
+                <a:avLst/>
+              </a:prstGeom>
+              <a:solidFill>
+                <a:schemeClr val="bg1"/>
+              </a:solidFill>
+              <a:ln>
+                <a:solidFill>
+                  <a:srgbClr val="B25444"/>
+                </a:solidFill>
+              </a:ln>
+            </p:spPr>
+            <p:style>
+              <a:lnRef idx="2">
+                <a:schemeClr val="accent1">
+                  <a:shade val="50000"/>
+                </a:schemeClr>
+              </a:lnRef>
+              <a:fillRef idx="1">
+                <a:schemeClr val="accent1"/>
+              </a:fillRef>
+              <a:effectRef idx="0">
+                <a:schemeClr val="accent1"/>
+              </a:effectRef>
+              <a:fontRef idx="minor">
+                <a:schemeClr val="lt1"/>
+              </a:fontRef>
+            </p:style>
+            <p:txBody>
+              <a:bodyPr rot="0" spcFirstLastPara="0" vertOverflow="overflow" horzOverflow="overflow" vert="horz" wrap="square" lIns="91414" tIns="45705" rIns="91414" bIns="45705" numCol="1" spcCol="0" rtlCol="0" fromWordArt="0" anchor="ctr" anchorCtr="0" forceAA="0" compatLnSpc="1">
+                <a:prstTxWarp prst="textNoShape">
+                  <a:avLst/>
+                </a:prstTxWarp>
+                <a:noAutofit/>
+              </a:bodyPr>
+              <a:lstStyle/>
+              <a:p>
+                <a:pPr algn="ctr"/>
+                <a:endParaRPr kumimoji="1" lang="ja-JP" altLang="en-US" dirty="0">
+                  <a:solidFill>
+                    <a:schemeClr val="tx1"/>
+                  </a:solidFill>
+                </a:endParaRPr>
+              </a:p>
+            </p:txBody>
+          </p:sp>
+          <p:pic>
+            <p:nvPicPr>
+              <p:cNvPr id="1027" name="Picture 3"/>
+              <p:cNvPicPr>
+                <a:picLocks noChangeAspect="1" noChangeArrowheads="1"/>
+              </p:cNvPicPr>
+              <p:nvPr/>
+            </p:nvPicPr>
+            <p:blipFill rotWithShape="1">
+              <a:blip r:embed="rId6">
+                <a:extLst>
+                  <a:ext uri="{28A0092B-C50C-407E-A947-70E740481C1C}">
+                    <a14:useLocalDpi xmlns:a14="http://schemas.microsoft.com/office/drawing/2010/main" val="0"/>
+                  </a:ext>
+                </a:extLst>
+              </a:blip>
+              <a:srcRect l="7425" t="17993" r="6691" b="15096"/>
+              <a:stretch/>
+            </p:blipFill>
+            <p:spPr bwMode="auto">
+              <a:xfrm>
+                <a:off x="15590117" y="10282910"/>
+                <a:ext cx="4408720" cy="3948951"/>
+              </a:xfrm>
+              <a:prstGeom prst="rect">
+                <a:avLst/>
+              </a:prstGeom>
+              <a:noFill/>
+              <a:ln>
+                <a:noFill/>
+              </a:ln>
+              <a:extLst>
+                <a:ext uri="{909E8E84-426E-40DD-AFC4-6F175D3DCCD1}">
+                  <a14:hiddenFill xmlns:a14="http://schemas.microsoft.com/office/drawing/2010/main">
+                    <a:solidFill>
+                      <a:schemeClr val="accent1"/>
+                    </a:solidFill>
+                  </a14:hiddenFill>
+                </a:ext>
+                <a:ext uri="{91240B29-F687-4F45-9708-019B960494DF}">
+                  <a14:hiddenLine xmlns:a14="http://schemas.microsoft.com/office/drawing/2010/main" w="9525">
+                    <a:solidFill>
+                      <a:schemeClr val="tx1"/>
+                    </a:solidFill>
+                    <a:miter lim="800000"/>
+                    <a:headEnd/>
+                    <a:tailEnd/>
+                  </a14:hiddenLine>
+                </a:ext>
+              </a:extLst>
+            </p:spPr>
+          </p:pic>
+          <p:sp>
+            <p:nvSpPr>
+              <p:cNvPr id="13" name="テキスト ボックス 12"/>
+              <p:cNvSpPr txBox="1"/>
+              <p:nvPr/>
+            </p:nvSpPr>
+            <p:spPr>
+              <a:xfrm>
+                <a:off x="16670063" y="9381284"/>
+                <a:ext cx="2592289" cy="984855"/>
+              </a:xfrm>
+              <a:prstGeom prst="rect">
+                <a:avLst/>
+              </a:prstGeom>
+              <a:noFill/>
+            </p:spPr>
+            <p:txBody>
+              <a:bodyPr wrap="square" lIns="91414" tIns="45705" rIns="91414" bIns="45705" rtlCol="0">
+                <a:spAutoFit/>
+              </a:bodyPr>
+              <a:lstStyle/>
+              <a:p>
+                <a:r>
+                  <a:rPr kumimoji="1" lang="ja-JP" altLang="en-US" dirty="0" smtClean="0">
+                    <a:latin typeface="HGPｺﾞｼｯｸE" panose="020B0900000000000000" pitchFamily="50" charset="-128"/>
+                    <a:ea typeface="HGPｺﾞｼｯｸE" panose="020B0900000000000000" pitchFamily="50" charset="-128"/>
+                  </a:rPr>
+                  <a:t>依頼者</a:t>
+                </a:r>
+                <a:endParaRPr kumimoji="1" lang="ja-JP" altLang="en-US" dirty="0">
+                  <a:latin typeface="HGPｺﾞｼｯｸE" panose="020B0900000000000000" pitchFamily="50" charset="-128"/>
+                  <a:ea typeface="HGPｺﾞｼｯｸE" panose="020B0900000000000000" pitchFamily="50" charset="-128"/>
+                </a:endParaRPr>
+              </a:p>
+            </p:txBody>
+          </p:sp>
+        </p:grpSp>
+        <p:cxnSp>
+          <p:nvCxnSpPr>
+            <p:cNvPr id="30" name="直線矢印コネクタ 29"/>
+            <p:cNvCxnSpPr/>
+            <p:nvPr/>
+          </p:nvCxnSpPr>
+          <p:spPr>
+            <a:xfrm flipH="1">
+              <a:off x="10164079" y="10917369"/>
+              <a:ext cx="5616624" cy="0"/>
+            </a:xfrm>
+            <a:prstGeom prst="straightConnector1">
+              <a:avLst/>
+            </a:prstGeom>
+            <a:ln w="76200">
+              <a:solidFill>
+                <a:schemeClr val="tx1"/>
+              </a:solidFill>
+              <a:tailEnd type="arrow"/>
+            </a:ln>
           </p:spPr>
-        </p:pic>
+          <p:style>
+            <a:lnRef idx="1">
+              <a:schemeClr val="accent1"/>
+            </a:lnRef>
+            <a:fillRef idx="0">
+              <a:schemeClr val="accent1"/>
+            </a:fillRef>
+            <a:effectRef idx="0">
+              <a:schemeClr val="accent1"/>
+            </a:effectRef>
+            <a:fontRef idx="minor">
+              <a:schemeClr val="tx1"/>
+            </a:fontRef>
+          </p:style>
+        </p:cxnSp>
         <p:sp>
           <p:nvSpPr>
-            <p:cNvPr id="13" name="テキスト ボックス 12"/>
+            <p:cNvPr id="31" name="テキスト ボックス 30"/>
             <p:cNvSpPr txBox="1"/>
             <p:nvPr/>
           </p:nvSpPr>
           <p:spPr>
             <a:xfrm>
-              <a:off x="16670063" y="9381284"/>
-              <a:ext cx="2592289" cy="984855"/>
+              <a:off x="12238010" y="9265622"/>
+              <a:ext cx="1663308" cy="984855"/>
             </a:xfrm>
             <a:prstGeom prst="rect">
               <a:avLst/>
             </a:prstGeom>
             <a:noFill/>
+            <a:ln>
+              <a:solidFill>
+                <a:schemeClr val="tx1"/>
+              </a:solidFill>
+            </a:ln>
           </p:spPr>
           <p:txBody>
             <a:bodyPr wrap="square" lIns="91414" tIns="45705" rIns="91414" bIns="45705" rtlCol="0">
@@ -4885,7 +4933,7 @@
                   <a:latin typeface="HGPｺﾞｼｯｸE" panose="020B0900000000000000" pitchFamily="50" charset="-128"/>
                   <a:ea typeface="HGPｺﾞｼｯｸE" panose="020B0900000000000000" pitchFamily="50" charset="-128"/>
                 </a:rPr>
-                <a:t>依頼者</a:t>
+                <a:t>業務</a:t>
               </a:r>
               <a:endParaRPr kumimoji="1" lang="ja-JP" altLang="en-US" dirty="0">
                 <a:latin typeface="HGPｺﾞｼｯｸE" panose="020B0900000000000000" pitchFamily="50" charset="-128"/>
@@ -4895,83 +4943,6 @@
           </p:txBody>
         </p:sp>
       </p:grpSp>
-      <p:cxnSp>
-        <p:nvCxnSpPr>
-          <p:cNvPr id="30" name="直線矢印コネクタ 29"/>
-          <p:cNvCxnSpPr/>
-          <p:nvPr/>
-        </p:nvCxnSpPr>
-        <p:spPr>
-          <a:xfrm flipH="1">
-            <a:off x="10164079" y="10917369"/>
-            <a:ext cx="5616624" cy="0"/>
-          </a:xfrm>
-          <a:prstGeom prst="straightConnector1">
-            <a:avLst/>
-          </a:prstGeom>
-          <a:ln w="76200">
-            <a:solidFill>
-              <a:schemeClr val="tx1"/>
-            </a:solidFill>
-            <a:tailEnd type="arrow"/>
-          </a:ln>
-        </p:spPr>
-        <p:style>
-          <a:lnRef idx="1">
-            <a:schemeClr val="accent1"/>
-          </a:lnRef>
-          <a:fillRef idx="0">
-            <a:schemeClr val="accent1"/>
-          </a:fillRef>
-          <a:effectRef idx="0">
-            <a:schemeClr val="accent1"/>
-          </a:effectRef>
-          <a:fontRef idx="minor">
-            <a:schemeClr val="tx1"/>
-          </a:fontRef>
-        </p:style>
-      </p:cxnSp>
-      <p:sp>
-        <p:nvSpPr>
-          <p:cNvPr id="31" name="テキスト ボックス 30"/>
-          <p:cNvSpPr txBox="1"/>
-          <p:nvPr/>
-        </p:nvSpPr>
-        <p:spPr>
-          <a:xfrm>
-            <a:off x="12238010" y="9265622"/>
-            <a:ext cx="1663308" cy="984855"/>
-          </a:xfrm>
-          <a:prstGeom prst="rect">
-            <a:avLst/>
-          </a:prstGeom>
-          <a:noFill/>
-          <a:ln>
-            <a:solidFill>
-              <a:schemeClr val="tx1"/>
-            </a:solidFill>
-          </a:ln>
-        </p:spPr>
-        <p:txBody>
-          <a:bodyPr wrap="square" lIns="91414" tIns="45705" rIns="91414" bIns="45705" rtlCol="0">
-            <a:spAutoFit/>
-          </a:bodyPr>
-          <a:lstStyle/>
-          <a:p>
-            <a:r>
-              <a:rPr kumimoji="1" lang="ja-JP" altLang="en-US" dirty="0" smtClean="0">
-                <a:latin typeface="HGPｺﾞｼｯｸE" panose="020B0900000000000000" pitchFamily="50" charset="-128"/>
-                <a:ea typeface="HGPｺﾞｼｯｸE" panose="020B0900000000000000" pitchFamily="50" charset="-128"/>
-              </a:rPr>
-              <a:t>業務</a:t>
-            </a:r>
-            <a:endParaRPr kumimoji="1" lang="ja-JP" altLang="en-US" dirty="0">
-              <a:latin typeface="HGPｺﾞｼｯｸE" panose="020B0900000000000000" pitchFamily="50" charset="-128"/>
-              <a:ea typeface="HGPｺﾞｼｯｸE" panose="020B0900000000000000" pitchFamily="50" charset="-128"/>
-            </a:endParaRPr>
-          </a:p>
-        </p:txBody>
-      </p:sp>
       <p:sp>
         <p:nvSpPr>
           <p:cNvPr id="34" name="テキスト ボックス 33"/>
@@ -4980,7 +4951,7 @@
         </p:nvSpPr>
         <p:spPr>
           <a:xfrm>
-            <a:off x="615205" y="24008884"/>
+            <a:off x="520882" y="24717949"/>
             <a:ext cx="6232042" cy="2231350"/>
           </a:xfrm>
           <a:prstGeom prst="rect">
@@ -5016,7 +4987,7 @@
           <a:lstStyle/>
           <a:p>
             <a:r>
-              <a:rPr lang="en-US" altLang="ja-JP" sz="13900" dirty="0">
+              <a:rPr lang="en-US" altLang="ja-JP" sz="13900" dirty="0" smtClean="0">
                 <a:latin typeface="HGSｺﾞｼｯｸE" panose="020B0900000000000000" pitchFamily="50" charset="-128"/>
                 <a:ea typeface="HGSｺﾞｼｯｸE" panose="020B0900000000000000" pitchFamily="50" charset="-128"/>
               </a:rPr>
@@ -5037,8 +5008,8 @@
         </p:nvSpPr>
         <p:spPr>
           <a:xfrm>
-            <a:off x="612280" y="26517628"/>
-            <a:ext cx="19154127" cy="2123628"/>
+            <a:off x="612281" y="27694958"/>
+            <a:ext cx="19154127" cy="1846629"/>
           </a:xfrm>
           <a:prstGeom prst="rect">
             <a:avLst/>
@@ -5052,20 +5023,40 @@
           <a:lstStyle/>
           <a:p>
             <a:r>
-              <a:rPr lang="ja-JP" altLang="en-US" sz="6600" dirty="0" smtClean="0">
+              <a:rPr lang="ja-JP" altLang="en-US" sz="5400" dirty="0" smtClean="0">
                 <a:latin typeface="HGPｺﾞｼｯｸE" panose="020B0900000000000000" pitchFamily="50" charset="-128"/>
                 <a:ea typeface="HGPｺﾞｼｯｸE" panose="020B0900000000000000" pitchFamily="50" charset="-128"/>
               </a:rPr>
-              <a:t>クラウドソーシングのサイトからデータを集め</a:t>
-            </a:r>
-            <a:r>
-              <a:rPr kumimoji="1" lang="ja-JP" altLang="en-US" sz="6600" dirty="0" smtClean="0">
+              <a:t>クラウドソーシングの活用事例を集めて解析し，</a:t>
+            </a:r>
+            <a:endParaRPr lang="en-US" altLang="ja-JP" sz="5400" dirty="0" smtClean="0">
+              <a:latin typeface="HGPｺﾞｼｯｸE" panose="020B0900000000000000" pitchFamily="50" charset="-128"/>
+              <a:ea typeface="HGPｺﾞｼｯｸE" panose="020B0900000000000000" pitchFamily="50" charset="-128"/>
+            </a:endParaRPr>
+          </a:p>
+          <a:p>
+            <a:r>
+              <a:rPr kumimoji="1" lang="ja-JP" altLang="en-US" sz="5400" dirty="0" smtClean="0">
                 <a:latin typeface="HGPｺﾞｼｯｸE" panose="020B0900000000000000" pitchFamily="50" charset="-128"/>
                 <a:ea typeface="HGPｺﾞｼｯｸE" panose="020B0900000000000000" pitchFamily="50" charset="-128"/>
               </a:rPr>
-              <a:t>データマイニングを行い，ＰＭに活用できるか検討する．</a:t>
-            </a:r>
-            <a:endParaRPr kumimoji="1" lang="ja-JP" altLang="en-US" sz="6600" dirty="0">
+              <a:t>クラウドソーシングを</a:t>
+            </a:r>
+            <a:r>
+              <a:rPr kumimoji="1" lang="ja-JP" altLang="en-US" sz="6000" dirty="0" smtClean="0">
+                <a:latin typeface="HGPｺﾞｼｯｸE" panose="020B0900000000000000" pitchFamily="50" charset="-128"/>
+                <a:ea typeface="HGPｺﾞｼｯｸE" panose="020B0900000000000000" pitchFamily="50" charset="-128"/>
+              </a:rPr>
+              <a:t>プロジェクト</a:t>
+            </a:r>
+            <a:r>
+              <a:rPr kumimoji="1" lang="ja-JP" altLang="en-US" sz="5400" dirty="0" smtClean="0">
+                <a:latin typeface="HGPｺﾞｼｯｸE" panose="020B0900000000000000" pitchFamily="50" charset="-128"/>
+                <a:ea typeface="HGPｺﾞｼｯｸE" panose="020B0900000000000000" pitchFamily="50" charset="-128"/>
+              </a:rPr>
+              <a:t>活用する方法について考察する．</a:t>
+            </a:r>
+            <a:endParaRPr kumimoji="1" lang="ja-JP" altLang="en-US" sz="5400" dirty="0">
               <a:latin typeface="HGPｺﾞｼｯｸE" panose="020B0900000000000000" pitchFamily="50" charset="-128"/>
               <a:ea typeface="HGPｺﾞｼｯｸE" panose="020B0900000000000000" pitchFamily="50" charset="-128"/>
             </a:endParaRPr>
@@ -5081,20 +5072,20 @@
           <p:nvPr>
             <p:extLst>
               <p:ext uri="{D42A27DB-BD31-4B8C-83A1-F6EECF244321}">
-                <p14:modId xmlns:p14="http://schemas.microsoft.com/office/powerpoint/2010/main" val="3668586036"/>
+                <p14:modId xmlns:p14="http://schemas.microsoft.com/office/powerpoint/2010/main" val="1166541966"/>
               </p:ext>
             </p:extLst>
           </p:nvPr>
         </p:nvGraphicFramePr>
         <p:xfrm>
-          <a:off x="4781047" y="14802273"/>
-          <a:ext cx="11824706" cy="5258784"/>
+          <a:off x="615778" y="15007431"/>
+          <a:ext cx="11824706" cy="6260796"/>
         </p:xfrm>
         <a:graphic>
           <a:graphicData uri="http://schemas.openxmlformats.org/drawingml/2006/table">
             <a:tbl>
               <a:tblPr firstRow="1" firstCol="1" bandRow="1">
-                <a:tableStyleId>{616DA210-FB5B-4158-B5E0-FEB733F419BA}</a:tableStyleId>
+                <a:tableStyleId>{5940675A-B579-460E-94D1-54222C63F5DA}</a:tableStyleId>
               </a:tblPr>
               <a:tblGrid>
                 <a:gridCol w="2672879"/>
@@ -5102,7 +5093,7 @@
                 <a:gridCol w="3203391"/>
                 <a:gridCol w="2669701"/>
               </a:tblGrid>
-              <a:tr h="550754">
+              <a:tr h="655695">
                 <a:tc>
                   <a:txBody>
                     <a:bodyPr/>
@@ -5121,8 +5112,8 @@
                       </a:r>
                       <a:endParaRPr lang="ja-JP" sz="2800" kern="100" dirty="0">
                         <a:effectLst/>
-                        <a:latin typeface="Century"/>
-                        <a:ea typeface="ＭＳ 明朝"/>
+                        <a:latin typeface="HGPｺﾞｼｯｸE" panose="020B0900000000000000" pitchFamily="50" charset="-128"/>
+                        <a:ea typeface="HGPｺﾞｼｯｸE" panose="020B0900000000000000" pitchFamily="50" charset="-128"/>
                         <a:cs typeface="Times New Roman"/>
                       </a:endParaRPr>
                     </a:p>
@@ -5147,8 +5138,8 @@
                       </a:r>
                       <a:endParaRPr lang="ja-JP" sz="2800" kern="100">
                         <a:effectLst/>
-                        <a:latin typeface="Century"/>
-                        <a:ea typeface="ＭＳ 明朝"/>
+                        <a:latin typeface="HGPｺﾞｼｯｸE" panose="020B0900000000000000" pitchFamily="50" charset="-128"/>
+                        <a:ea typeface="HGPｺﾞｼｯｸE" panose="020B0900000000000000" pitchFamily="50" charset="-128"/>
                         <a:cs typeface="Times New Roman"/>
                       </a:endParaRPr>
                     </a:p>
@@ -5173,8 +5164,8 @@
                       </a:r>
                       <a:endParaRPr lang="ja-JP" sz="2800" kern="100">
                         <a:effectLst/>
-                        <a:latin typeface="Century"/>
-                        <a:ea typeface="ＭＳ 明朝"/>
+                        <a:latin typeface="HGPｺﾞｼｯｸE" panose="020B0900000000000000" pitchFamily="50" charset="-128"/>
+                        <a:ea typeface="HGPｺﾞｼｯｸE" panose="020B0900000000000000" pitchFamily="50" charset="-128"/>
                         <a:cs typeface="Times New Roman"/>
                       </a:endParaRPr>
                     </a:p>
@@ -5192,15 +5183,15 @@
                         </a:spcAft>
                       </a:pPr>
                       <a:r>
-                        <a:rPr lang="ja-JP" sz="2800" kern="0" dirty="0">
+                        <a:rPr lang="ja-JP" altLang="en-US" sz="2800" kern="100" dirty="0" smtClean="0">
                           <a:effectLst/>
                         </a:rPr>
-                        <a:t>プラットフォーム</a:t>
+                        <a:t>利用事例</a:t>
                       </a:r>
                       <a:endParaRPr lang="ja-JP" sz="2800" kern="100" dirty="0">
                         <a:effectLst/>
-                        <a:latin typeface="Century"/>
-                        <a:ea typeface="ＭＳ 明朝"/>
+                        <a:latin typeface="HGPｺﾞｼｯｸE" panose="020B0900000000000000" pitchFamily="50" charset="-128"/>
+                        <a:ea typeface="HGPｺﾞｼｯｸE" panose="020B0900000000000000" pitchFamily="50" charset="-128"/>
                         <a:cs typeface="Times New Roman"/>
                       </a:endParaRPr>
                     </a:p>
@@ -5208,7 +5199,7 @@
                   <a:tcPr marL="68580" marR="68580" marT="0" marB="0" anchor="ctr"/>
                 </a:tc>
               </a:tr>
-              <a:tr h="1487034">
+              <a:tr h="2032110">
                 <a:tc>
                   <a:txBody>
                     <a:bodyPr/>
@@ -5249,8 +5240,8 @@
                       </a:r>
                       <a:endParaRPr lang="ja-JP" sz="2800" kern="100" dirty="0">
                         <a:effectLst/>
-                        <a:latin typeface="Century"/>
-                        <a:ea typeface="ＭＳ 明朝"/>
+                        <a:latin typeface="HGPｺﾞｼｯｸE" panose="020B0900000000000000" pitchFamily="50" charset="-128"/>
+                        <a:ea typeface="HGPｺﾞｼｯｸE" panose="020B0900000000000000" pitchFamily="50" charset="-128"/>
                         <a:cs typeface="Times New Roman"/>
                       </a:endParaRPr>
                     </a:p>
@@ -5291,8 +5282,8 @@
                       </a:r>
                       <a:endParaRPr lang="ja-JP" sz="2800" kern="100" dirty="0">
                         <a:effectLst/>
-                        <a:latin typeface="Century"/>
-                        <a:ea typeface="ＭＳ 明朝"/>
+                        <a:latin typeface="HGPｺﾞｼｯｸE" panose="020B0900000000000000" pitchFamily="50" charset="-128"/>
+                        <a:ea typeface="HGPｺﾞｼｯｸE" panose="020B0900000000000000" pitchFamily="50" charset="-128"/>
                         <a:cs typeface="Times New Roman"/>
                       </a:endParaRPr>
                     </a:p>
@@ -5317,8 +5308,8 @@
                       </a:r>
                       <a:endParaRPr lang="ja-JP" sz="2800" kern="100" dirty="0">
                         <a:effectLst/>
-                        <a:latin typeface="Century"/>
-                        <a:ea typeface="ＭＳ 明朝"/>
+                        <a:latin typeface="HGPｺﾞｼｯｸE" panose="020B0900000000000000" pitchFamily="50" charset="-128"/>
+                        <a:ea typeface="HGPｺﾞｼｯｸE" panose="020B0900000000000000" pitchFamily="50" charset="-128"/>
                         <a:cs typeface="Times New Roman"/>
                       </a:endParaRPr>
                     </a:p>
@@ -5335,18 +5326,6 @@
                           <a:spcPts val="0"/>
                         </a:spcAft>
                       </a:pPr>
-                      <a:r>
-                        <a:rPr lang="en-US" sz="2800" kern="0" dirty="0" err="1">
-                          <a:effectLst/>
-                        </a:rPr>
-                        <a:t>i</a:t>
-                      </a:r>
-                      <a:r>
-                        <a:rPr lang="en-US" sz="2800" kern="0" dirty="0">
-                          <a:effectLst/>
-                        </a:rPr>
-                        <a:t> Stock</a:t>
-                      </a:r>
                       <a:endParaRPr lang="ja-JP" sz="2800" kern="100" dirty="0">
                         <a:effectLst/>
                       </a:endParaRPr>
@@ -5357,12 +5336,6 @@
                           <a:spcPts val="0"/>
                         </a:spcAft>
                       </a:pPr>
-                      <a:r>
-                        <a:rPr lang="en-US" sz="2800" kern="0" dirty="0">
-                          <a:effectLst/>
-                        </a:rPr>
-                        <a:t>Thredless.com</a:t>
-                      </a:r>
                       <a:endParaRPr lang="ja-JP" sz="2800" kern="100" dirty="0">
                         <a:effectLst/>
                       </a:endParaRPr>
@@ -5373,16 +5346,10 @@
                           <a:spcPts val="0"/>
                         </a:spcAft>
                       </a:pPr>
-                      <a:r>
-                        <a:rPr lang="en-US" sz="2800" kern="0" dirty="0">
-                          <a:effectLst/>
-                        </a:rPr>
-                        <a:t>Lancers</a:t>
-                      </a:r>
                       <a:endParaRPr lang="ja-JP" sz="2800" kern="100" dirty="0">
                         <a:effectLst/>
-                        <a:latin typeface="Century"/>
-                        <a:ea typeface="ＭＳ 明朝"/>
+                        <a:latin typeface="HGPｺﾞｼｯｸE" panose="020B0900000000000000" pitchFamily="50" charset="-128"/>
+                        <a:ea typeface="HGPｺﾞｼｯｸE" panose="020B0900000000000000" pitchFamily="50" charset="-128"/>
                         <a:cs typeface="Times New Roman"/>
                       </a:endParaRPr>
                     </a:p>
@@ -5390,7 +5357,7 @@
                   <a:tcPr marL="68580" marR="68580" marT="0" marB="0" anchor="ctr"/>
                 </a:tc>
               </a:tr>
-              <a:tr h="1294270">
+              <a:tr h="1540881">
                 <a:tc>
                   <a:txBody>
                     <a:bodyPr/>
@@ -5409,8 +5376,8 @@
                       </a:r>
                       <a:endParaRPr lang="ja-JP" sz="2800" kern="100">
                         <a:effectLst/>
-                        <a:latin typeface="Century"/>
-                        <a:ea typeface="ＭＳ 明朝"/>
+                        <a:latin typeface="HGPｺﾞｼｯｸE" panose="020B0900000000000000" pitchFamily="50" charset="-128"/>
+                        <a:ea typeface="HGPｺﾞｼｯｸE" panose="020B0900000000000000" pitchFamily="50" charset="-128"/>
                         <a:cs typeface="Times New Roman"/>
                       </a:endParaRPr>
                     </a:p>
@@ -5435,8 +5402,8 @@
                       </a:r>
                       <a:endParaRPr lang="ja-JP" sz="2800" kern="100" dirty="0">
                         <a:effectLst/>
-                        <a:latin typeface="Century"/>
-                        <a:ea typeface="ＭＳ 明朝"/>
+                        <a:latin typeface="HGPｺﾞｼｯｸE" panose="020B0900000000000000" pitchFamily="50" charset="-128"/>
+                        <a:ea typeface="HGPｺﾞｼｯｸE" panose="020B0900000000000000" pitchFamily="50" charset="-128"/>
                         <a:cs typeface="Times New Roman"/>
                       </a:endParaRPr>
                     </a:p>
@@ -5461,8 +5428,8 @@
                       </a:r>
                       <a:endParaRPr lang="ja-JP" sz="2800" kern="100" dirty="0">
                         <a:effectLst/>
-                        <a:latin typeface="Century"/>
-                        <a:ea typeface="ＭＳ 明朝"/>
+                        <a:latin typeface="HGPｺﾞｼｯｸE" panose="020B0900000000000000" pitchFamily="50" charset="-128"/>
+                        <a:ea typeface="HGPｺﾞｼｯｸE" panose="020B0900000000000000" pitchFamily="50" charset="-128"/>
                         <a:cs typeface="Times New Roman"/>
                       </a:endParaRPr>
                     </a:p>
@@ -5479,32 +5446,10 @@
                           <a:spcPts val="0"/>
                         </a:spcAft>
                       </a:pPr>
-                      <a:r>
-                        <a:rPr lang="en-US" sz="2800" kern="0" dirty="0" err="1">
-                          <a:effectLst/>
-                        </a:rPr>
-                        <a:t>Elance</a:t>
-                      </a:r>
                       <a:endParaRPr lang="ja-JP" sz="2800" kern="100" dirty="0">
                         <a:effectLst/>
-                      </a:endParaRPr>
-                    </a:p>
-                    <a:p>
-                      <a:pPr algn="just">
-                        <a:spcAft>
-                          <a:spcPts val="0"/>
-                        </a:spcAft>
-                      </a:pPr>
-                      <a:r>
-                        <a:rPr lang="en-US" sz="2800" kern="0" dirty="0">
-                          <a:effectLst/>
-                        </a:rPr>
-                        <a:t>Lancers</a:t>
-                      </a:r>
-                      <a:endParaRPr lang="ja-JP" sz="2800" kern="100" dirty="0">
-                        <a:effectLst/>
-                        <a:latin typeface="Century"/>
-                        <a:ea typeface="ＭＳ 明朝"/>
+                        <a:latin typeface="HGPｺﾞｼｯｸE" panose="020B0900000000000000" pitchFamily="50" charset="-128"/>
+                        <a:ea typeface="HGPｺﾞｼｯｸE" panose="020B0900000000000000" pitchFamily="50" charset="-128"/>
                         <a:cs typeface="Times New Roman"/>
                       </a:endParaRPr>
                     </a:p>
@@ -5512,7 +5457,7 @@
                   <a:tcPr marL="68580" marR="68580" marT="0" marB="0" anchor="ctr"/>
                 </a:tc>
               </a:tr>
-              <a:tr h="1632672">
+              <a:tr h="2032110">
                 <a:tc>
                   <a:txBody>
                     <a:bodyPr/>
@@ -5531,8 +5476,8 @@
                       </a:r>
                       <a:endParaRPr lang="ja-JP" sz="2800" kern="100" dirty="0">
                         <a:effectLst/>
-                        <a:latin typeface="Century"/>
-                        <a:ea typeface="ＭＳ 明朝"/>
+                        <a:latin typeface="HGPｺﾞｼｯｸE" panose="020B0900000000000000" pitchFamily="50" charset="-128"/>
+                        <a:ea typeface="HGPｺﾞｼｯｸE" panose="020B0900000000000000" pitchFamily="50" charset="-128"/>
                         <a:cs typeface="Times New Roman"/>
                       </a:endParaRPr>
                     </a:p>
@@ -5557,40 +5502,8 @@
                       </a:r>
                       <a:endParaRPr lang="ja-JP" sz="2800" kern="100">
                         <a:effectLst/>
-                        <a:latin typeface="Century"/>
-                        <a:ea typeface="ＭＳ 明朝"/>
-                        <a:cs typeface="Times New Roman"/>
-                      </a:endParaRPr>
-                    </a:p>
-                  </a:txBody>
-                  <a:tcPr marL="68580" marR="68580" marT="0" marB="0" anchor="ctr"/>
-                </a:tc>
-                <a:tc>
-                  <a:txBody>
-                    <a:bodyPr/>
-                    <a:lstStyle/>
-                    <a:p>
-                      <a:pPr algn="just">
-                        <a:spcAft>
-                          <a:spcPts val="0"/>
-                        </a:spcAft>
-                      </a:pPr>
-                      <a:r>
-                        <a:rPr lang="en-US" sz="2800" kern="0">
-                          <a:effectLst/>
-                        </a:rPr>
-                        <a:t>10</a:t>
-                      </a:r>
-                      <a:r>
-                        <a:rPr lang="ja-JP" sz="2800" kern="0">
-                          <a:effectLst/>
-                        </a:rPr>
-                        <a:t>秒の音声書き取り，画像のタグ付け，名刺の入力等の単純作業</a:t>
-                      </a:r>
-                      <a:endParaRPr lang="ja-JP" sz="2800" kern="100">
-                        <a:effectLst/>
-                        <a:latin typeface="Century"/>
-                        <a:ea typeface="ＭＳ 明朝"/>
+                        <a:latin typeface="HGPｺﾞｼｯｸE" panose="020B0900000000000000" pitchFamily="50" charset="-128"/>
+                        <a:ea typeface="HGPｺﾞｼｯｸE" panose="020B0900000000000000" pitchFamily="50" charset="-128"/>
                         <a:cs typeface="Times New Roman"/>
                       </a:endParaRPr>
                     </a:p>
@@ -5611,28 +5524,38 @@
                         <a:rPr lang="en-US" sz="2800" kern="0" dirty="0">
                           <a:effectLst/>
                         </a:rPr>
-                        <a:t>Amazon Mechanical Turk</a:t>
+                        <a:t>10</a:t>
+                      </a:r>
+                      <a:r>
+                        <a:rPr lang="ja-JP" sz="2800" kern="0" dirty="0">
+                          <a:effectLst/>
+                        </a:rPr>
+                        <a:t>秒の音声書き取り，画像のタグ付け，名刺の入力等の単純作業</a:t>
                       </a:r>
                       <a:endParaRPr lang="ja-JP" sz="2800" kern="100" dirty="0">
                         <a:effectLst/>
+                        <a:latin typeface="HGPｺﾞｼｯｸE" panose="020B0900000000000000" pitchFamily="50" charset="-128"/>
+                        <a:ea typeface="HGPｺﾞｼｯｸE" panose="020B0900000000000000" pitchFamily="50" charset="-128"/>
+                        <a:cs typeface="Times New Roman"/>
                       </a:endParaRPr>
                     </a:p>
+                  </a:txBody>
+                  <a:tcPr marL="68580" marR="68580" marT="0" marB="0" anchor="ctr"/>
+                </a:tc>
+                <a:tc>
+                  <a:txBody>
+                    <a:bodyPr/>
+                    <a:lstStyle/>
                     <a:p>
                       <a:pPr algn="just">
                         <a:spcAft>
                           <a:spcPts val="0"/>
                         </a:spcAft>
                       </a:pPr>
-                      <a:r>
-                        <a:rPr lang="en-US" sz="2800" kern="0" dirty="0">
-                          <a:effectLst/>
-                        </a:rPr>
-                        <a:t>Lancers</a:t>
-                      </a:r>
                       <a:endParaRPr lang="ja-JP" sz="2800" kern="100" dirty="0">
                         <a:effectLst/>
-                        <a:latin typeface="Century"/>
-                        <a:ea typeface="ＭＳ 明朝"/>
+                        <a:latin typeface="HGPｺﾞｼｯｸE" panose="020B0900000000000000" pitchFamily="50" charset="-128"/>
+                        <a:ea typeface="HGPｺﾞｼｯｸE" panose="020B0900000000000000" pitchFamily="50" charset="-128"/>
                         <a:cs typeface="Times New Roman"/>
                       </a:endParaRPr>
                     </a:p>
@@ -5652,8 +5575,8 @@
         </p:nvSpPr>
         <p:spPr>
           <a:xfrm>
-            <a:off x="4378808" y="13662506"/>
-            <a:ext cx="12579288" cy="6518041"/>
+            <a:off x="218675" y="13919189"/>
+            <a:ext cx="12579288" cy="7349038"/>
           </a:xfrm>
           <a:prstGeom prst="rect">
             <a:avLst/>
@@ -5702,7 +5625,7 @@
         </p:nvSpPr>
         <p:spPr>
           <a:xfrm>
-            <a:off x="6211884" y="13656240"/>
+            <a:off x="2160400" y="14022546"/>
             <a:ext cx="8729988" cy="984885"/>
           </a:xfrm>
           <a:prstGeom prst="rect">
@@ -5716,6 +5639,7 @@
           </a:bodyPr>
           <a:lstStyle/>
           <a:p>
+            <a:pPr algn="ctr"/>
             <a:r>
               <a:rPr lang="ja-JP" altLang="en-US" dirty="0" smtClean="0">
                 <a:latin typeface="HGPｺﾞｼｯｸE" panose="020B0900000000000000" pitchFamily="50" charset="-128"/>
@@ -5738,7 +5662,7 @@
         </p:nvGrpSpPr>
         <p:grpSpPr>
           <a:xfrm>
-            <a:off x="1683802" y="20679374"/>
+            <a:off x="1652707" y="21533010"/>
             <a:ext cx="18154614" cy="2736304"/>
             <a:chOff x="1683802" y="20252556"/>
             <a:chExt cx="18154614" cy="2736304"/>
@@ -5837,7 +5761,14 @@
                   <a:latin typeface="HGPｺﾞｼｯｸE" panose="020B0900000000000000" pitchFamily="50" charset="-128"/>
                   <a:ea typeface="HGPｺﾞｼｯｸE" panose="020B0900000000000000" pitchFamily="50" charset="-128"/>
                 </a:rPr>
-                <a:t>調達として</a:t>
+                <a:t>調達</a:t>
+              </a:r>
+              <a:r>
+                <a:rPr lang="ja-JP" altLang="en-US" dirty="0" smtClean="0">
+                  <a:latin typeface="HGPｺﾞｼｯｸE" panose="020B0900000000000000" pitchFamily="50" charset="-128"/>
+                  <a:ea typeface="HGPｺﾞｼｯｸE" panose="020B0900000000000000" pitchFamily="50" charset="-128"/>
+                </a:rPr>
+                <a:t>に</a:t>
               </a:r>
               <a:endParaRPr kumimoji="1" lang="en-US" altLang="ja-JP" dirty="0" smtClean="0">
                 <a:latin typeface="HGPｺﾞｼｯｸE" panose="020B0900000000000000" pitchFamily="50" charset="-128"/>
@@ -5850,7 +5781,7 @@
                   <a:latin typeface="HGPｺﾞｼｯｸE" panose="020B0900000000000000" pitchFamily="50" charset="-128"/>
                   <a:ea typeface="HGPｺﾞｼｯｸE" panose="020B0900000000000000" pitchFamily="50" charset="-128"/>
                 </a:rPr>
-                <a:t>このクラウドソーシングが活かせるのではないか？</a:t>
+                <a:t>クラウドソーシングが活かせるのではないか？</a:t>
               </a:r>
               <a:endParaRPr kumimoji="1" lang="ja-JP" altLang="en-US" dirty="0">
                 <a:latin typeface="HGPｺﾞｼｯｸE" panose="020B0900000000000000" pitchFamily="50" charset="-128"/>
@@ -5860,6 +5791,440 @@
           </p:txBody>
         </p:sp>
       </p:grpSp>
+      <p:sp>
+        <p:nvSpPr>
+          <p:cNvPr id="18" name="角丸四角形 17"/>
+          <p:cNvSpPr/>
+          <p:nvPr/>
+        </p:nvSpPr>
+        <p:spPr>
+          <a:xfrm>
+            <a:off x="562122" y="27165323"/>
+            <a:ext cx="19268035" cy="2880320"/>
+          </a:xfrm>
+          <a:prstGeom prst="roundRect">
+            <a:avLst/>
+          </a:prstGeom>
+          <a:noFill/>
+          <a:ln>
+            <a:solidFill>
+              <a:schemeClr val="tx1"/>
+            </a:solidFill>
+          </a:ln>
+        </p:spPr>
+        <p:style>
+          <a:lnRef idx="2">
+            <a:schemeClr val="accent1">
+              <a:shade val="50000"/>
+            </a:schemeClr>
+          </a:lnRef>
+          <a:fillRef idx="1">
+            <a:schemeClr val="accent1"/>
+          </a:fillRef>
+          <a:effectRef idx="0">
+            <a:schemeClr val="accent1"/>
+          </a:effectRef>
+          <a:fontRef idx="minor">
+            <a:schemeClr val="lt1"/>
+          </a:fontRef>
+        </p:style>
+        <p:txBody>
+          <a:bodyPr rtlCol="0" anchor="ctr"/>
+          <a:lstStyle/>
+          <a:p>
+            <a:pPr algn="ctr"/>
+            <a:endParaRPr kumimoji="1" lang="ja-JP" altLang="en-US" dirty="0">
+              <a:solidFill>
+                <a:schemeClr val="tx1"/>
+              </a:solidFill>
+            </a:endParaRPr>
+          </a:p>
+        </p:txBody>
+      </p:sp>
+      <p:pic>
+        <p:nvPicPr>
+          <p:cNvPr id="1026" name="Picture 2"/>
+          <p:cNvPicPr>
+            <a:picLocks noChangeAspect="1" noChangeArrowheads="1"/>
+          </p:cNvPicPr>
+          <p:nvPr/>
+        </p:nvPicPr>
+        <p:blipFill rotWithShape="1">
+          <a:blip r:embed="rId7">
+            <a:extLst>
+              <a:ext uri="{BEBA8EAE-BF5A-486C-A8C5-ECC9F3942E4B}">
+                <a14:imgProps xmlns:a14="http://schemas.microsoft.com/office/drawing/2010/main">
+                  <a14:imgLayer r:embed="rId8">
+                    <a14:imgEffect>
+                      <a14:saturation sat="400000"/>
+                    </a14:imgEffect>
+                  </a14:imgLayer>
+                </a14:imgProps>
+              </a:ext>
+              <a:ext uri="{28A0092B-C50C-407E-A947-70E740481C1C}">
+                <a14:useLocalDpi xmlns:a14="http://schemas.microsoft.com/office/drawing/2010/main" val="0"/>
+              </a:ext>
+            </a:extLst>
+          </a:blip>
+          <a:srcRect l="7773" t="3285" r="3179" b="728"/>
+          <a:stretch/>
+        </p:blipFill>
+        <p:spPr bwMode="auto">
+          <a:xfrm>
+            <a:off x="12961440" y="14707939"/>
+            <a:ext cx="8317136" cy="5720613"/>
+          </a:xfrm>
+          <a:prstGeom prst="rect">
+            <a:avLst/>
+          </a:prstGeom>
+          <a:noFill/>
+          <a:ln w="9525">
+            <a:solidFill>
+              <a:schemeClr val="tx1">
+                <a:lumMod val="85000"/>
+                <a:lumOff val="15000"/>
+              </a:schemeClr>
+            </a:solidFill>
+            <a:miter lim="800000"/>
+            <a:headEnd/>
+            <a:tailEnd/>
+          </a:ln>
+          <a:extLst>
+            <a:ext uri="{909E8E84-426E-40DD-AFC4-6F175D3DCCD1}">
+              <a14:hiddenFill xmlns:a14="http://schemas.microsoft.com/office/drawing/2010/main">
+                <a:solidFill>
+                  <a:schemeClr val="accent1"/>
+                </a:solidFill>
+              </a14:hiddenFill>
+            </a:ext>
+          </a:extLst>
+        </p:spPr>
+      </p:pic>
+      <p:sp>
+        <p:nvSpPr>
+          <p:cNvPr id="20" name="テキスト ボックス 19"/>
+          <p:cNvSpPr txBox="1"/>
+          <p:nvPr/>
+        </p:nvSpPr>
+        <p:spPr>
+          <a:xfrm>
+            <a:off x="13475054" y="20437230"/>
+            <a:ext cx="7493845" cy="830997"/>
+          </a:xfrm>
+          <a:prstGeom prst="rect">
+            <a:avLst/>
+          </a:prstGeom>
+          <a:noFill/>
+        </p:spPr>
+        <p:txBody>
+          <a:bodyPr wrap="square" rtlCol="0">
+            <a:spAutoFit/>
+          </a:bodyPr>
+          <a:lstStyle/>
+          <a:p>
+            <a:pPr algn="ctr"/>
+            <a:r>
+              <a:rPr lang="ja-JP" altLang="en-US" sz="2400" dirty="0">
+                <a:latin typeface="HGPｺﾞｼｯｸE" panose="020B0900000000000000" pitchFamily="50" charset="-128"/>
+                <a:ea typeface="HGPｺﾞｼｯｸE" panose="020B0900000000000000" pitchFamily="50" charset="-128"/>
+              </a:rPr>
+              <a:t>クラウドソーシングの利用度</a:t>
+            </a:r>
+            <a:r>
+              <a:rPr lang="ja-JP" altLang="en-US" sz="2400" dirty="0" smtClean="0">
+                <a:latin typeface="HGPｺﾞｼｯｸE" panose="020B0900000000000000" pitchFamily="50" charset="-128"/>
+                <a:ea typeface="HGPｺﾞｼｯｸE" panose="020B0900000000000000" pitchFamily="50" charset="-128"/>
+              </a:rPr>
+              <a:t>グラフ</a:t>
+            </a:r>
+            <a:endParaRPr lang="en-US" altLang="ja-JP" sz="2400" dirty="0" smtClean="0">
+              <a:latin typeface="HGPｺﾞｼｯｸE" panose="020B0900000000000000" pitchFamily="50" charset="-128"/>
+              <a:ea typeface="HGPｺﾞｼｯｸE" panose="020B0900000000000000" pitchFamily="50" charset="-128"/>
+            </a:endParaRPr>
+          </a:p>
+          <a:p>
+            <a:r>
+              <a:rPr lang="ja-JP" altLang="en-US" sz="2400" dirty="0" smtClean="0">
+                <a:latin typeface="HGPｺﾞｼｯｸE" panose="020B0900000000000000" pitchFamily="50" charset="-128"/>
+                <a:ea typeface="HGPｺﾞｼｯｸE" panose="020B0900000000000000" pitchFamily="50" charset="-128"/>
+              </a:rPr>
+              <a:t>株式</a:t>
+            </a:r>
+            <a:r>
+              <a:rPr lang="ja-JP" altLang="en-US" sz="2400" dirty="0">
+                <a:latin typeface="HGPｺﾞｼｯｸE" panose="020B0900000000000000" pitchFamily="50" charset="-128"/>
+                <a:ea typeface="HGPｺﾞｼｯｸE" panose="020B0900000000000000" pitchFamily="50" charset="-128"/>
+              </a:rPr>
+              <a:t>会社ゲイン　クラウドソーシングに関する</a:t>
+            </a:r>
+            <a:r>
+              <a:rPr lang="ja-JP" altLang="en-US" sz="2400" dirty="0" smtClean="0">
+                <a:latin typeface="HGPｺﾞｼｯｸE" panose="020B0900000000000000" pitchFamily="50" charset="-128"/>
+                <a:ea typeface="HGPｺﾞｼｯｸE" panose="020B0900000000000000" pitchFamily="50" charset="-128"/>
+              </a:rPr>
+              <a:t>調査　参照</a:t>
+            </a:r>
+            <a:endParaRPr lang="en-US" altLang="ja-JP" sz="2400" dirty="0">
+              <a:latin typeface="HGPｺﾞｼｯｸE" panose="020B0900000000000000" pitchFamily="50" charset="-128"/>
+              <a:ea typeface="HGPｺﾞｼｯｸE" panose="020B0900000000000000" pitchFamily="50" charset="-128"/>
+            </a:endParaRPr>
+          </a:p>
+        </p:txBody>
+      </p:sp>
+      <p:pic>
+        <p:nvPicPr>
+          <p:cNvPr id="2" name="図 1"/>
+          <p:cNvPicPr>
+            <a:picLocks noChangeAspect="1"/>
+          </p:cNvPicPr>
+          <p:nvPr/>
+        </p:nvPicPr>
+        <p:blipFill>
+          <a:blip r:embed="rId9">
+            <a:extLst>
+              <a:ext uri="{28A0092B-C50C-407E-A947-70E740481C1C}">
+                <a14:useLocalDpi xmlns:a14="http://schemas.microsoft.com/office/drawing/2010/main" val="0"/>
+              </a:ext>
+            </a:extLst>
+          </a:blip>
+          <a:stretch>
+            <a:fillRect/>
+          </a:stretch>
+        </p:blipFill>
+        <p:spPr>
+          <a:xfrm>
+            <a:off x="9857664" y="15788059"/>
+            <a:ext cx="1614015" cy="655694"/>
+          </a:xfrm>
+          <a:prstGeom prst="rect">
+            <a:avLst/>
+          </a:prstGeom>
+          <a:ln>
+            <a:solidFill>
+              <a:schemeClr val="tx1"/>
+            </a:solidFill>
+          </a:ln>
+        </p:spPr>
+      </p:pic>
+      <p:pic>
+        <p:nvPicPr>
+          <p:cNvPr id="21" name="図 20"/>
+          <p:cNvPicPr>
+            <a:picLocks noChangeAspect="1"/>
+          </p:cNvPicPr>
+          <p:nvPr/>
+        </p:nvPicPr>
+        <p:blipFill>
+          <a:blip r:embed="rId10">
+            <a:extLst>
+              <a:ext uri="{BEBA8EAE-BF5A-486C-A8C5-ECC9F3942E4B}">
+                <a14:imgProps xmlns:a14="http://schemas.microsoft.com/office/drawing/2010/main">
+                  <a14:imgLayer r:embed="rId11">
+                    <a14:imgEffect>
+                      <a14:saturation sat="400000"/>
+                    </a14:imgEffect>
+                  </a14:imgLayer>
+                </a14:imgProps>
+              </a:ext>
+              <a:ext uri="{28A0092B-C50C-407E-A947-70E740481C1C}">
+                <a14:useLocalDpi xmlns:a14="http://schemas.microsoft.com/office/drawing/2010/main" val="0"/>
+              </a:ext>
+            </a:extLst>
+          </a:blip>
+          <a:stretch>
+            <a:fillRect/>
+          </a:stretch>
+        </p:blipFill>
+        <p:spPr>
+          <a:xfrm>
+            <a:off x="9857663" y="16495775"/>
+            <a:ext cx="1614016" cy="607876"/>
+          </a:xfrm>
+          <a:prstGeom prst="rect">
+            <a:avLst/>
+          </a:prstGeom>
+          <a:ln>
+            <a:solidFill>
+              <a:schemeClr val="tx1"/>
+            </a:solidFill>
+          </a:ln>
+        </p:spPr>
+      </p:pic>
+      <p:pic>
+        <p:nvPicPr>
+          <p:cNvPr id="32" name="図 31"/>
+          <p:cNvPicPr>
+            <a:picLocks noChangeAspect="1"/>
+          </p:cNvPicPr>
+          <p:nvPr/>
+        </p:nvPicPr>
+        <p:blipFill>
+          <a:blip r:embed="rId12">
+            <a:extLst>
+              <a:ext uri="{28A0092B-C50C-407E-A947-70E740481C1C}">
+                <a14:useLocalDpi xmlns:a14="http://schemas.microsoft.com/office/drawing/2010/main" val="0"/>
+              </a:ext>
+            </a:extLst>
+          </a:blip>
+          <a:stretch>
+            <a:fillRect/>
+          </a:stretch>
+        </p:blipFill>
+        <p:spPr>
+          <a:xfrm>
+            <a:off x="9857663" y="17153492"/>
+            <a:ext cx="1915857" cy="506775"/>
+          </a:xfrm>
+          <a:prstGeom prst="rect">
+            <a:avLst/>
+          </a:prstGeom>
+          <a:ln>
+            <a:solidFill>
+              <a:schemeClr val="tx1"/>
+            </a:solidFill>
+          </a:ln>
+        </p:spPr>
+      </p:pic>
+      <p:pic>
+        <p:nvPicPr>
+          <p:cNvPr id="38" name="図 37"/>
+          <p:cNvPicPr>
+            <a:picLocks noChangeAspect="1"/>
+          </p:cNvPicPr>
+          <p:nvPr/>
+        </p:nvPicPr>
+        <p:blipFill>
+          <a:blip r:embed="rId12">
+            <a:extLst>
+              <a:ext uri="{28A0092B-C50C-407E-A947-70E740481C1C}">
+                <a14:useLocalDpi xmlns:a14="http://schemas.microsoft.com/office/drawing/2010/main" val="0"/>
+              </a:ext>
+            </a:extLst>
+          </a:blip>
+          <a:stretch>
+            <a:fillRect/>
+          </a:stretch>
+        </p:blipFill>
+        <p:spPr>
+          <a:xfrm>
+            <a:off x="9808810" y="18524363"/>
+            <a:ext cx="1915857" cy="506775"/>
+          </a:xfrm>
+          <a:prstGeom prst="rect">
+            <a:avLst/>
+          </a:prstGeom>
+          <a:ln>
+            <a:solidFill>
+              <a:schemeClr val="tx1"/>
+            </a:solidFill>
+          </a:ln>
+        </p:spPr>
+      </p:pic>
+      <p:pic>
+        <p:nvPicPr>
+          <p:cNvPr id="33" name="図 32"/>
+          <p:cNvPicPr>
+            <a:picLocks noChangeAspect="1"/>
+          </p:cNvPicPr>
+          <p:nvPr/>
+        </p:nvPicPr>
+        <p:blipFill>
+          <a:blip r:embed="rId13">
+            <a:extLst>
+              <a:ext uri="{28A0092B-C50C-407E-A947-70E740481C1C}">
+                <a14:useLocalDpi xmlns:a14="http://schemas.microsoft.com/office/drawing/2010/main" val="0"/>
+              </a:ext>
+            </a:extLst>
+          </a:blip>
+          <a:stretch>
+            <a:fillRect/>
+          </a:stretch>
+        </p:blipFill>
+        <p:spPr>
+          <a:xfrm>
+            <a:off x="9857664" y="17948299"/>
+            <a:ext cx="1266825" cy="523875"/>
+          </a:xfrm>
+          <a:prstGeom prst="rect">
+            <a:avLst/>
+          </a:prstGeom>
+          <a:ln>
+            <a:solidFill>
+              <a:schemeClr val="tx1"/>
+            </a:solidFill>
+          </a:ln>
+        </p:spPr>
+      </p:pic>
+      <p:pic>
+        <p:nvPicPr>
+          <p:cNvPr id="37" name="図 36"/>
+          <p:cNvPicPr>
+            <a:picLocks noChangeAspect="1"/>
+          </p:cNvPicPr>
+          <p:nvPr/>
+        </p:nvPicPr>
+        <p:blipFill>
+          <a:blip r:embed="rId14">
+            <a:extLst>
+              <a:ext uri="{28A0092B-C50C-407E-A947-70E740481C1C}">
+                <a14:useLocalDpi xmlns:a14="http://schemas.microsoft.com/office/drawing/2010/main" val="0"/>
+              </a:ext>
+            </a:extLst>
+          </a:blip>
+          <a:stretch>
+            <a:fillRect/>
+          </a:stretch>
+        </p:blipFill>
+        <p:spPr>
+          <a:xfrm>
+            <a:off x="9891814" y="19460467"/>
+            <a:ext cx="1676400" cy="752475"/>
+          </a:xfrm>
+          <a:prstGeom prst="rect">
+            <a:avLst/>
+          </a:prstGeom>
+          <a:ln>
+            <a:solidFill>
+              <a:schemeClr val="tx1"/>
+            </a:solidFill>
+          </a:ln>
+        </p:spPr>
+      </p:pic>
+      <p:pic>
+        <p:nvPicPr>
+          <p:cNvPr id="41" name="図 40"/>
+          <p:cNvPicPr>
+            <a:picLocks noChangeAspect="1"/>
+          </p:cNvPicPr>
+          <p:nvPr/>
+        </p:nvPicPr>
+        <p:blipFill>
+          <a:blip r:embed="rId12">
+            <a:extLst>
+              <a:ext uri="{28A0092B-C50C-407E-A947-70E740481C1C}">
+                <a14:useLocalDpi xmlns:a14="http://schemas.microsoft.com/office/drawing/2010/main" val="0"/>
+              </a:ext>
+            </a:extLst>
+          </a:blip>
+          <a:stretch>
+            <a:fillRect/>
+          </a:stretch>
+        </p:blipFill>
+        <p:spPr>
+          <a:xfrm>
+            <a:off x="9874886" y="20390886"/>
+            <a:ext cx="1915857" cy="506775"/>
+          </a:xfrm>
+          <a:prstGeom prst="rect">
+            <a:avLst/>
+          </a:prstGeom>
+          <a:ln>
+            <a:solidFill>
+              <a:schemeClr val="tx1"/>
+            </a:solidFill>
+          </a:ln>
+        </p:spPr>
+      </p:pic>
     </p:spTree>
     <p:extLst>
       <p:ext uri="{BB962C8B-B14F-4D97-AF65-F5344CB8AC3E}">
@@ -5913,8 +6278,8 @@
         </p:nvSpPr>
         <p:spPr>
           <a:xfrm>
-            <a:off x="547533" y="6427917"/>
-            <a:ext cx="9289033" cy="2231350"/>
+            <a:off x="547534" y="6427917"/>
+            <a:ext cx="8489682" cy="2231350"/>
           </a:xfrm>
           <a:prstGeom prst="rect">
             <a:avLst/>
@@ -5935,14 +6300,34 @@
           <a:lstStyle/>
           <a:p>
             <a:r>
-              <a:rPr lang="en-US" altLang="ja-JP" sz="13900" dirty="0">
+              <a:rPr lang="en-US" altLang="ja-JP" sz="13900" dirty="0" smtClean="0">
                 <a:solidFill>
                   <a:schemeClr val="bg1"/>
                 </a:solidFill>
                 <a:latin typeface="HGPｺﾞｼｯｸE" panose="020B0900000000000000" pitchFamily="50" charset="-128"/>
                 <a:ea typeface="HGPｺﾞｼｯｸE" panose="020B0900000000000000" pitchFamily="50" charset="-128"/>
               </a:rPr>
-              <a:t>How To Do</a:t>
+              <a:t>How </a:t>
+            </a:r>
+            <a:r>
+              <a:rPr lang="ja-JP" altLang="en-US" sz="13900" dirty="0">
+                <a:solidFill>
+                  <a:schemeClr val="bg1"/>
+                </a:solidFill>
+                <a:latin typeface="HGPｺﾞｼｯｸE" panose="020B0900000000000000" pitchFamily="50" charset="-128"/>
+                <a:ea typeface="HGPｺﾞｼｯｸE" panose="020B0900000000000000" pitchFamily="50" charset="-128"/>
+              </a:rPr>
+              <a:t>ｔ</a:t>
+            </a:r>
+            <a:r>
+              <a:rPr lang="en-US" altLang="ja-JP" sz="13900" dirty="0" smtClean="0">
+                <a:solidFill>
+                  <a:schemeClr val="bg1"/>
+                </a:solidFill>
+                <a:latin typeface="HGPｺﾞｼｯｸE" panose="020B0900000000000000" pitchFamily="50" charset="-128"/>
+                <a:ea typeface="HGPｺﾞｼｯｸE" panose="020B0900000000000000" pitchFamily="50" charset="-128"/>
+              </a:rPr>
+              <a:t>o do</a:t>
             </a:r>
             <a:endParaRPr lang="ja-JP" altLang="en-US" sz="13900" dirty="0">
               <a:solidFill>
@@ -5962,7 +6347,7 @@
         </p:nvGrpSpPr>
         <p:grpSpPr>
           <a:xfrm>
-            <a:off x="470956" y="17039536"/>
+            <a:off x="470956" y="16926189"/>
             <a:ext cx="19874208" cy="6480718"/>
             <a:chOff x="373020" y="6244682"/>
             <a:chExt cx="19874208" cy="6480718"/>
@@ -6234,49 +6619,88 @@
                 <a:lstStyle/>
                 <a:p>
                   <a:r>
-                    <a:rPr lang="ja-JP" altLang="en-US" sz="3600" dirty="0"/>
+                    <a:rPr lang="ja-JP" altLang="en-US" sz="3600" dirty="0">
+                      <a:latin typeface="HGPｺﾞｼｯｸE" panose="020B0900000000000000" pitchFamily="50" charset="-128"/>
+                      <a:ea typeface="HGPｺﾞｼｯｸE" panose="020B0900000000000000" pitchFamily="50" charset="-128"/>
+                    </a:rPr>
                     <a:t>・カテゴリ１</a:t>
                   </a:r>
-                  <a:endParaRPr lang="en-US" altLang="ja-JP" sz="3600" dirty="0"/>
+                  <a:endParaRPr lang="en-US" altLang="ja-JP" sz="3600" dirty="0">
+                    <a:latin typeface="HGPｺﾞｼｯｸE" panose="020B0900000000000000" pitchFamily="50" charset="-128"/>
+                    <a:ea typeface="HGPｺﾞｼｯｸE" panose="020B0900000000000000" pitchFamily="50" charset="-128"/>
+                  </a:endParaRPr>
                 </a:p>
                 <a:p>
                   <a:r>
-                    <a:rPr lang="ja-JP" altLang="en-US" sz="3600" dirty="0"/>
+                    <a:rPr lang="ja-JP" altLang="en-US" sz="3600" dirty="0">
+                      <a:latin typeface="HGPｺﾞｼｯｸE" panose="020B0900000000000000" pitchFamily="50" charset="-128"/>
+                      <a:ea typeface="HGPｺﾞｼｯｸE" panose="020B0900000000000000" pitchFamily="50" charset="-128"/>
+                    </a:rPr>
                     <a:t>・カテゴリ２</a:t>
                   </a:r>
-                  <a:endParaRPr lang="en-US" altLang="ja-JP" sz="3600" dirty="0"/>
+                  <a:endParaRPr lang="en-US" altLang="ja-JP" sz="3600" dirty="0">
+                    <a:latin typeface="HGPｺﾞｼｯｸE" panose="020B0900000000000000" pitchFamily="50" charset="-128"/>
+                    <a:ea typeface="HGPｺﾞｼｯｸE" panose="020B0900000000000000" pitchFamily="50" charset="-128"/>
+                  </a:endParaRPr>
                 </a:p>
                 <a:p>
                   <a:r>
-                    <a:rPr lang="ja-JP" altLang="en-US" sz="3600" dirty="0"/>
+                    <a:rPr lang="ja-JP" altLang="en-US" sz="3600" dirty="0">
+                      <a:latin typeface="HGPｺﾞｼｯｸE" panose="020B0900000000000000" pitchFamily="50" charset="-128"/>
+                      <a:ea typeface="HGPｺﾞｼｯｸE" panose="020B0900000000000000" pitchFamily="50" charset="-128"/>
+                    </a:rPr>
                     <a:t>・閲覧された回数</a:t>
                   </a:r>
-                  <a:endParaRPr lang="en-US" altLang="ja-JP" sz="3600" dirty="0"/>
+                  <a:endParaRPr lang="en-US" altLang="ja-JP" sz="3600" dirty="0">
+                    <a:latin typeface="HGPｺﾞｼｯｸE" panose="020B0900000000000000" pitchFamily="50" charset="-128"/>
+                    <a:ea typeface="HGPｺﾞｼｯｸE" panose="020B0900000000000000" pitchFamily="50" charset="-128"/>
+                  </a:endParaRPr>
                 </a:p>
                 <a:p>
                   <a:r>
-                    <a:rPr lang="ja-JP" altLang="en-US" sz="3600" dirty="0"/>
+                    <a:rPr lang="ja-JP" altLang="en-US" sz="3600" dirty="0">
+                      <a:latin typeface="HGPｺﾞｼｯｸE" panose="020B0900000000000000" pitchFamily="50" charset="-128"/>
+                      <a:ea typeface="HGPｺﾞｼｯｸE" panose="020B0900000000000000" pitchFamily="50" charset="-128"/>
+                    </a:rPr>
                     <a:t>・お気に入りの登録数</a:t>
                   </a:r>
-                  <a:endParaRPr lang="en-US" altLang="ja-JP" sz="3600" dirty="0"/>
+                  <a:endParaRPr lang="en-US" altLang="ja-JP" sz="3600" dirty="0">
+                    <a:latin typeface="HGPｺﾞｼｯｸE" panose="020B0900000000000000" pitchFamily="50" charset="-128"/>
+                    <a:ea typeface="HGPｺﾞｼｯｸE" panose="020B0900000000000000" pitchFamily="50" charset="-128"/>
+                  </a:endParaRPr>
                 </a:p>
                 <a:p>
                   <a:r>
-                    <a:rPr lang="ja-JP" altLang="en-US" sz="3600" dirty="0"/>
+                    <a:rPr lang="ja-JP" altLang="en-US" sz="3600" dirty="0">
+                      <a:latin typeface="HGPｺﾞｼｯｸE" panose="020B0900000000000000" pitchFamily="50" charset="-128"/>
+                      <a:ea typeface="HGPｺﾞｼｯｸE" panose="020B0900000000000000" pitchFamily="50" charset="-128"/>
+                    </a:rPr>
                     <a:t>・提案の人数</a:t>
                   </a:r>
-                  <a:endParaRPr lang="en-US" altLang="ja-JP" sz="3600" dirty="0"/>
+                  <a:endParaRPr lang="en-US" altLang="ja-JP" sz="3600" dirty="0">
+                    <a:latin typeface="HGPｺﾞｼｯｸE" panose="020B0900000000000000" pitchFamily="50" charset="-128"/>
+                    <a:ea typeface="HGPｺﾞｼｯｸE" panose="020B0900000000000000" pitchFamily="50" charset="-128"/>
+                  </a:endParaRPr>
                 </a:p>
                 <a:p>
                   <a:r>
-                    <a:rPr lang="ja-JP" altLang="en-US" sz="3600" dirty="0"/>
+                    <a:rPr lang="ja-JP" altLang="en-US" sz="3600" dirty="0">
+                      <a:latin typeface="HGPｺﾞｼｯｸE" panose="020B0900000000000000" pitchFamily="50" charset="-128"/>
+                      <a:ea typeface="HGPｺﾞｼｯｸE" panose="020B0900000000000000" pitchFamily="50" charset="-128"/>
+                    </a:rPr>
                     <a:t>・提案の件数</a:t>
                   </a:r>
-                  <a:endParaRPr lang="en-US" altLang="ja-JP" sz="3600" dirty="0"/>
+                  <a:endParaRPr lang="en-US" altLang="ja-JP" sz="3600" dirty="0">
+                    <a:latin typeface="HGPｺﾞｼｯｸE" panose="020B0900000000000000" pitchFamily="50" charset="-128"/>
+                    <a:ea typeface="HGPｺﾞｼｯｸE" panose="020B0900000000000000" pitchFamily="50" charset="-128"/>
+                  </a:endParaRPr>
                 </a:p>
                 <a:p>
                   <a:r>
-                    <a:rPr lang="ja-JP" altLang="en-US" sz="3600" dirty="0"/>
+                    <a:rPr lang="ja-JP" altLang="en-US" sz="3600" dirty="0">
+                      <a:latin typeface="HGPｺﾞｼｯｸE" panose="020B0900000000000000" pitchFamily="50" charset="-128"/>
+                      <a:ea typeface="HGPｺﾞｼｯｸE" panose="020B0900000000000000" pitchFamily="50" charset="-128"/>
+                    </a:rPr>
                     <a:t>・依頼方法</a:t>
                   </a:r>
                 </a:p>
@@ -6305,14 +6729,23 @@
                 <a:lstStyle/>
                 <a:p>
                   <a:r>
-                    <a:rPr lang="ja-JP" altLang="en-US" sz="3600" dirty="0"/>
+                    <a:rPr lang="ja-JP" altLang="en-US" sz="3600" dirty="0">
+                      <a:latin typeface="HGPｺﾞｼｯｸE" panose="020B0900000000000000" pitchFamily="50" charset="-128"/>
+                      <a:ea typeface="HGPｺﾞｼｯｸE" panose="020B0900000000000000" pitchFamily="50" charset="-128"/>
+                    </a:rPr>
                     <a:t>・募集期間（日）</a:t>
                   </a:r>
-                  <a:endParaRPr lang="en-US" altLang="ja-JP" sz="3600" dirty="0"/>
+                  <a:endParaRPr lang="en-US" altLang="ja-JP" sz="3600" dirty="0">
+                    <a:latin typeface="HGPｺﾞｼｯｸE" panose="020B0900000000000000" pitchFamily="50" charset="-128"/>
+                    <a:ea typeface="HGPｺﾞｼｯｸE" panose="020B0900000000000000" pitchFamily="50" charset="-128"/>
+                  </a:endParaRPr>
                 </a:p>
                 <a:p>
                   <a:r>
-                    <a:rPr lang="ja-JP" altLang="en-US" sz="3600" dirty="0"/>
+                    <a:rPr lang="ja-JP" altLang="en-US" sz="3600" dirty="0">
+                      <a:latin typeface="HGPｺﾞｼｯｸE" panose="020B0900000000000000" pitchFamily="50" charset="-128"/>
+                      <a:ea typeface="HGPｺﾞｼｯｸE" panose="020B0900000000000000" pitchFamily="50" charset="-128"/>
+                    </a:rPr>
                     <a:t>・依頼金額</a:t>
                   </a:r>
                 </a:p>
@@ -6450,7 +6883,7 @@
                   <a:latin typeface="HGPｺﾞｼｯｸE" panose="020B0900000000000000" pitchFamily="50" charset="-128"/>
                   <a:ea typeface="HGPｺﾞｼｯｸE" panose="020B0900000000000000" pitchFamily="50" charset="-128"/>
                 </a:rPr>
-                <a:t>③</a:t>
+                <a:t>②</a:t>
               </a:r>
             </a:p>
           </p:txBody>
@@ -6481,7 +6914,7 @@
                   <a:latin typeface="HGPｺﾞｼｯｸE" panose="020B0900000000000000" pitchFamily="50" charset="-128"/>
                   <a:ea typeface="HGPｺﾞｼｯｸE" panose="020B0900000000000000" pitchFamily="50" charset="-128"/>
                 </a:rPr>
-                <a:t>④</a:t>
+                <a:t>③</a:t>
               </a:r>
             </a:p>
           </p:txBody>
@@ -6552,7 +6985,7 @@
         </p:nvSpPr>
         <p:spPr>
           <a:xfrm>
-            <a:off x="404823" y="8961229"/>
+            <a:off x="468264" y="8803283"/>
             <a:ext cx="20643592" cy="5170646"/>
           </a:xfrm>
           <a:prstGeom prst="rect">
@@ -6580,61 +7013,168 @@
           <a:lstStyle/>
           <a:p>
             <a:r>
+              <a:rPr lang="ja-JP" altLang="en-US" sz="6600" dirty="0" smtClean="0">
+                <a:latin typeface="HGPｺﾞｼｯｸE" panose="020B0900000000000000" pitchFamily="50" charset="-128"/>
+                <a:ea typeface="HGPｺﾞｼｯｸE" panose="020B0900000000000000" pitchFamily="50" charset="-128"/>
+              </a:rPr>
+              <a:t>①</a:t>
+            </a:r>
+            <a:r>
+              <a:rPr lang="ja-JP" altLang="ja-JP" sz="6600" dirty="0" smtClean="0">
+                <a:latin typeface="HGPｺﾞｼｯｸE" panose="020B0900000000000000" pitchFamily="50" charset="-128"/>
+                <a:ea typeface="HGPｺﾞｼｯｸE" panose="020B0900000000000000" pitchFamily="50" charset="-128"/>
+              </a:rPr>
+              <a:t>クラウドソーシング</a:t>
+            </a:r>
+            <a:r>
               <a:rPr lang="ja-JP" altLang="ja-JP" sz="6600" dirty="0">
                 <a:latin typeface="HGPｺﾞｼｯｸE" panose="020B0900000000000000" pitchFamily="50" charset="-128"/>
                 <a:ea typeface="HGPｺﾞｼｯｸE" panose="020B0900000000000000" pitchFamily="50" charset="-128"/>
               </a:rPr>
-              <a:t>①クラウドソーシングについての調査をする</a:t>
-            </a:r>
-          </a:p>
-          <a:p>
+              <a:t>の利用されて</a:t>
+            </a:r>
+            <a:r>
+              <a:rPr lang="ja-JP" altLang="ja-JP" sz="6600" dirty="0" smtClean="0">
+                <a:latin typeface="HGPｺﾞｼｯｸE" panose="020B0900000000000000" pitchFamily="50" charset="-128"/>
+                <a:ea typeface="HGPｺﾞｼｯｸE" panose="020B0900000000000000" pitchFamily="50" charset="-128"/>
+              </a:rPr>
+              <a:t>いる</a:t>
+            </a:r>
+            <a:r>
+              <a:rPr lang="ja-JP" altLang="en-US" sz="6600" dirty="0">
+                <a:latin typeface="HGPｺﾞｼｯｸE" panose="020B0900000000000000" pitchFamily="50" charset="-128"/>
+                <a:ea typeface="HGPｺﾞｼｯｸE" panose="020B0900000000000000" pitchFamily="50" charset="-128"/>
+              </a:rPr>
+              <a:t>文献</a:t>
+            </a:r>
+            <a:r>
+              <a:rPr lang="ja-JP" altLang="ja-JP" sz="6600" dirty="0" smtClean="0">
+                <a:latin typeface="HGPｺﾞｼｯｸE" panose="020B0900000000000000" pitchFamily="50" charset="-128"/>
+                <a:ea typeface="HGPｺﾞｼｯｸE" panose="020B0900000000000000" pitchFamily="50" charset="-128"/>
+              </a:rPr>
+              <a:t>を</a:t>
+            </a:r>
             <a:r>
               <a:rPr lang="ja-JP" altLang="ja-JP" sz="6600" dirty="0">
                 <a:latin typeface="HGPｺﾞｼｯｸE" panose="020B0900000000000000" pitchFamily="50" charset="-128"/>
                 <a:ea typeface="HGPｺﾞｼｯｸE" panose="020B0900000000000000" pitchFamily="50" charset="-128"/>
               </a:rPr>
-              <a:t>②クラウドソーシングの利用されているツールを調査する</a:t>
-            </a:r>
-          </a:p>
-          <a:p>
+              <a:t>調査する</a:t>
+            </a:r>
+          </a:p>
+          <a:p>
+            <a:r>
+              <a:rPr lang="ja-JP" altLang="en-US" sz="6600" dirty="0" smtClean="0">
+                <a:latin typeface="HGPｺﾞｼｯｸE" panose="020B0900000000000000" pitchFamily="50" charset="-128"/>
+                <a:ea typeface="HGPｺﾞｼｯｸE" panose="020B0900000000000000" pitchFamily="50" charset="-128"/>
+              </a:rPr>
+              <a:t>②</a:t>
+            </a:r>
+            <a:r>
+              <a:rPr lang="en-US" altLang="ja-JP" sz="6600" dirty="0" smtClean="0">
+                <a:latin typeface="HGPｺﾞｼｯｸE" panose="020B0900000000000000" pitchFamily="50" charset="-128"/>
+                <a:ea typeface="HGPｺﾞｼｯｸE" panose="020B0900000000000000" pitchFamily="50" charset="-128"/>
+              </a:rPr>
+              <a:t>Lancers</a:t>
+            </a:r>
             <a:r>
               <a:rPr lang="ja-JP" altLang="ja-JP" sz="6600" dirty="0">
                 <a:latin typeface="HGPｺﾞｼｯｸE" panose="020B0900000000000000" pitchFamily="50" charset="-128"/>
                 <a:ea typeface="HGPｺﾞｼｯｸE" panose="020B0900000000000000" pitchFamily="50" charset="-128"/>
               </a:rPr>
-              <a:t>③</a:t>
-            </a:r>
-            <a:r>
-              <a:rPr lang="en-US" altLang="ja-JP" sz="6600" dirty="0">
+              <a:t>の中</a:t>
+            </a:r>
+            <a:r>
+              <a:rPr lang="ja-JP" altLang="ja-JP" sz="6600" dirty="0" smtClean="0">
                 <a:latin typeface="HGPｺﾞｼｯｸE" panose="020B0900000000000000" pitchFamily="50" charset="-128"/>
                 <a:ea typeface="HGPｺﾞｼｯｸE" panose="020B0900000000000000" pitchFamily="50" charset="-128"/>
               </a:rPr>
-              <a:t>Lancers</a:t>
+              <a:t>から過去</a:t>
             </a:r>
             <a:r>
               <a:rPr lang="ja-JP" altLang="ja-JP" sz="6600" dirty="0">
                 <a:latin typeface="HGPｺﾞｼｯｸE" panose="020B0900000000000000" pitchFamily="50" charset="-128"/>
                 <a:ea typeface="HGPｺﾞｼｯｸE" panose="020B0900000000000000" pitchFamily="50" charset="-128"/>
               </a:rPr>
-              <a:t>の中から有効な過去の発注データを集める</a:t>
-            </a:r>
-          </a:p>
-          <a:p>
+              <a:t>の発注データを集める</a:t>
+            </a:r>
+          </a:p>
+          <a:p>
+            <a:r>
+              <a:rPr lang="ja-JP" altLang="en-US" sz="6600" dirty="0" smtClean="0">
+                <a:latin typeface="HGPｺﾞｼｯｸE" panose="020B0900000000000000" pitchFamily="50" charset="-128"/>
+                <a:ea typeface="HGPｺﾞｼｯｸE" panose="020B0900000000000000" pitchFamily="50" charset="-128"/>
+              </a:rPr>
+              <a:t>③</a:t>
+            </a:r>
+            <a:r>
+              <a:rPr lang="ja-JP" altLang="ja-JP" sz="6600" dirty="0" smtClean="0">
+                <a:latin typeface="HGPｺﾞｼｯｸE" panose="020B0900000000000000" pitchFamily="50" charset="-128"/>
+                <a:ea typeface="HGPｺﾞｼｯｸE" panose="020B0900000000000000" pitchFamily="50" charset="-128"/>
+              </a:rPr>
+              <a:t>集めた</a:t>
+            </a:r>
             <a:r>
               <a:rPr lang="ja-JP" altLang="ja-JP" sz="6600" dirty="0">
                 <a:latin typeface="HGPｺﾞｼｯｸE" panose="020B0900000000000000" pitchFamily="50" charset="-128"/>
                 <a:ea typeface="HGPｺﾞｼｯｸE" panose="020B0900000000000000" pitchFamily="50" charset="-128"/>
               </a:rPr>
-              <a:t>④集めたデータからデータマイニングを行う</a:t>
-            </a:r>
-          </a:p>
-          <a:p>
+              <a:t>データから</a:t>
+            </a:r>
+            <a:r>
+              <a:rPr lang="ja-JP" altLang="ja-JP" sz="6600" dirty="0" smtClean="0">
+                <a:latin typeface="HGPｺﾞｼｯｸE" panose="020B0900000000000000" pitchFamily="50" charset="-128"/>
+                <a:ea typeface="HGPｺﾞｼｯｸE" panose="020B0900000000000000" pitchFamily="50" charset="-128"/>
+              </a:rPr>
+              <a:t>データマイニング</a:t>
+            </a:r>
+            <a:r>
+              <a:rPr lang="ja-JP" altLang="en-US" sz="6600" dirty="0" smtClean="0">
+                <a:latin typeface="HGPｺﾞｼｯｸE" panose="020B0900000000000000" pitchFamily="50" charset="-128"/>
+                <a:ea typeface="HGPｺﾞｼｯｸE" panose="020B0900000000000000" pitchFamily="50" charset="-128"/>
+              </a:rPr>
+              <a:t>手法を適用する</a:t>
+            </a:r>
+            <a:endParaRPr lang="ja-JP" altLang="ja-JP" sz="6600" dirty="0">
+              <a:latin typeface="HGPｺﾞｼｯｸE" panose="020B0900000000000000" pitchFamily="50" charset="-128"/>
+              <a:ea typeface="HGPｺﾞｼｯｸE" panose="020B0900000000000000" pitchFamily="50" charset="-128"/>
+            </a:endParaRPr>
+          </a:p>
+          <a:p>
+            <a:r>
+              <a:rPr lang="ja-JP" altLang="en-US" sz="6600" dirty="0" smtClean="0">
+                <a:latin typeface="HGPｺﾞｼｯｸE" panose="020B0900000000000000" pitchFamily="50" charset="-128"/>
+                <a:ea typeface="HGPｺﾞｼｯｸE" panose="020B0900000000000000" pitchFamily="50" charset="-128"/>
+              </a:rPr>
+              <a:t>④</a:t>
+            </a:r>
+            <a:r>
+              <a:rPr lang="ja-JP" altLang="ja-JP" sz="6600" dirty="0" smtClean="0">
+                <a:latin typeface="HGPｺﾞｼｯｸE" panose="020B0900000000000000" pitchFamily="50" charset="-128"/>
+                <a:ea typeface="HGPｺﾞｼｯｸE" panose="020B0900000000000000" pitchFamily="50" charset="-128"/>
+              </a:rPr>
+              <a:t>データマイニング</a:t>
+            </a:r>
             <a:r>
               <a:rPr lang="ja-JP" altLang="ja-JP" sz="6600" dirty="0">
                 <a:latin typeface="HGPｺﾞｼｯｸE" panose="020B0900000000000000" pitchFamily="50" charset="-128"/>
                 <a:ea typeface="HGPｺﾞｼｯｸE" panose="020B0900000000000000" pitchFamily="50" charset="-128"/>
               </a:rPr>
-              <a:t>⑤データマイニングを行った結果が有効か検討を</a:t>
+              <a:t>を行った</a:t>
+            </a:r>
+            <a:r>
+              <a:rPr lang="ja-JP" altLang="ja-JP" sz="6600" dirty="0" smtClean="0">
+                <a:latin typeface="HGPｺﾞｼｯｸE" panose="020B0900000000000000" pitchFamily="50" charset="-128"/>
+                <a:ea typeface="HGPｺﾞｼｯｸE" panose="020B0900000000000000" pitchFamily="50" charset="-128"/>
+              </a:rPr>
+              <a:t>結果</a:t>
+            </a:r>
+            <a:r>
+              <a:rPr lang="ja-JP" altLang="en-US" sz="6600" dirty="0" smtClean="0">
+                <a:latin typeface="HGPｺﾞｼｯｸE" panose="020B0900000000000000" pitchFamily="50" charset="-128"/>
+                <a:ea typeface="HGPｺﾞｼｯｸE" panose="020B0900000000000000" pitchFamily="50" charset="-128"/>
+              </a:rPr>
+              <a:t>からプロジェクトで活用</a:t>
             </a:r>
             <a:r>
               <a:rPr lang="ja-JP" altLang="ja-JP" sz="6600" dirty="0" smtClean="0">
@@ -6642,6 +7182,13 @@
                 <a:ea typeface="HGPｺﾞｼｯｸE" panose="020B0900000000000000" pitchFamily="50" charset="-128"/>
               </a:rPr>
               <a:t>する</a:t>
+            </a:r>
+            <a:r>
+              <a:rPr lang="ja-JP" altLang="en-US" sz="6600" dirty="0" smtClean="0">
+                <a:latin typeface="HGPｺﾞｼｯｸE" panose="020B0900000000000000" pitchFamily="50" charset="-128"/>
+                <a:ea typeface="HGPｺﾞｼｯｸE" panose="020B0900000000000000" pitchFamily="50" charset="-128"/>
+              </a:rPr>
+              <a:t>方法について考察をする</a:t>
             </a:r>
             <a:endParaRPr lang="en-US" altLang="ja-JP" sz="6600" dirty="0" smtClean="0">
               <a:latin typeface="HGPｺﾞｼｯｸE" panose="020B0900000000000000" pitchFamily="50" charset="-128"/>
@@ -6659,14 +7206,14 @@
           <p:nvPr>
             <p:extLst>
               <p:ext uri="{D42A27DB-BD31-4B8C-83A1-F6EECF244321}">
-                <p14:modId xmlns:p14="http://schemas.microsoft.com/office/powerpoint/2010/main" val="3792042030"/>
+                <p14:modId xmlns:p14="http://schemas.microsoft.com/office/powerpoint/2010/main" val="3807907995"/>
               </p:ext>
             </p:extLst>
           </p:nvPr>
         </p:nvGraphicFramePr>
         <p:xfrm>
-          <a:off x="396263" y="26380051"/>
-          <a:ext cx="19480712" cy="3017520"/>
+          <a:off x="396261" y="26380051"/>
+          <a:ext cx="20652152" cy="3017520"/>
         </p:xfrm>
         <a:graphic>
           <a:graphicData uri="http://schemas.openxmlformats.org/drawingml/2006/table">
@@ -6675,8 +7222,8 @@
                 <a:tableStyleId>{5940675A-B579-460E-94D1-54222C63F5DA}</a:tableStyleId>
               </a:tblPr>
               <a:tblGrid>
-                <a:gridCol w="9740356"/>
-                <a:gridCol w="9740356"/>
+                <a:gridCol w="8136899"/>
+                <a:gridCol w="12515253"/>
               </a:tblGrid>
               <a:tr h="936104">
                 <a:tc>
@@ -6748,12 +7295,28 @@
                         </a:spcAft>
                       </a:pPr>
                       <a:r>
-                        <a:rPr lang="en-US" sz="6600" kern="0" dirty="0">
+                        <a:rPr lang="en-US" sz="6600" kern="0" dirty="0" smtClean="0">
                           <a:effectLst/>
                           <a:latin typeface="HGPｺﾞｼｯｸE" panose="020B0900000000000000" pitchFamily="50" charset="-128"/>
                           <a:ea typeface="HGPｺﾞｼｯｸE" panose="020B0900000000000000" pitchFamily="50" charset="-128"/>
                         </a:rPr>
-                        <a:t>12/16~12/20</a:t>
+                        <a:t>12/16</a:t>
+                      </a:r>
+                      <a:r>
+                        <a:rPr lang="ja-JP" altLang="en-US" sz="6600" kern="0" dirty="0" smtClean="0">
+                          <a:effectLst/>
+                          <a:latin typeface="HGPｺﾞｼｯｸE" panose="020B0900000000000000" pitchFamily="50" charset="-128"/>
+                          <a:ea typeface="HGPｺﾞｼｯｸE" panose="020B0900000000000000" pitchFamily="50" charset="-128"/>
+                        </a:rPr>
+                        <a:t>～</a:t>
+                      </a:r>
+                      <a:r>
+                        <a:rPr lang="en-US" sz="6600" kern="0" dirty="0" smtClean="0">
+                          <a:effectLst/>
+                          <a:latin typeface="HGPｺﾞｼｯｸE" panose="020B0900000000000000" pitchFamily="50" charset="-128"/>
+                          <a:ea typeface="HGPｺﾞｼｯｸE" panose="020B0900000000000000" pitchFamily="50" charset="-128"/>
+                        </a:rPr>
+                        <a:t>12/20</a:t>
                       </a:r>
                       <a:endParaRPr lang="ja-JP" sz="6600" kern="100" dirty="0">
                         <a:effectLst/>
@@ -6781,7 +7344,7 @@
                           <a:latin typeface="HGPｺﾞｼｯｸE" panose="020B0900000000000000" pitchFamily="50" charset="-128"/>
                           <a:ea typeface="HGPｺﾞｼｯｸE" panose="020B0900000000000000" pitchFamily="50" charset="-128"/>
                         </a:rPr>
-                        <a:t>⑤</a:t>
+                        <a:t>④</a:t>
                       </a:r>
                       <a:r>
                         <a:rPr lang="ja-JP" sz="6600" kern="0" dirty="0" smtClean="0">
@@ -6822,7 +7385,7 @@
         </p:nvSpPr>
         <p:spPr>
           <a:xfrm>
-            <a:off x="572578" y="14419907"/>
+            <a:off x="540055" y="14131875"/>
             <a:ext cx="13285659" cy="2231350"/>
           </a:xfrm>
           <a:prstGeom prst="rect">
@@ -6858,11 +7421,18 @@
           <a:lstStyle/>
           <a:p>
             <a:r>
+              <a:rPr lang="en-US" altLang="ja-JP" sz="13900" dirty="0" smtClean="0">
+                <a:latin typeface="HGSｺﾞｼｯｸE" panose="020B0900000000000000" pitchFamily="50" charset="-128"/>
+                <a:ea typeface="HGSｺﾞｼｯｸE" panose="020B0900000000000000" pitchFamily="50" charset="-128"/>
+              </a:rPr>
+              <a:t>Current </a:t>
+            </a:r>
+            <a:r>
               <a:rPr lang="en-US" altLang="ja-JP" sz="13900" dirty="0">
                 <a:latin typeface="HGSｺﾞｼｯｸE" panose="020B0900000000000000" pitchFamily="50" charset="-128"/>
                 <a:ea typeface="HGSｺﾞｼｯｸE" panose="020B0900000000000000" pitchFamily="50" charset="-128"/>
               </a:rPr>
-              <a:t>Current situation</a:t>
+              <a:t>situation</a:t>
             </a:r>
             <a:endParaRPr lang="ja-JP" altLang="en-US" sz="13900" dirty="0">
               <a:latin typeface="HGSｺﾞｼｯｸE" panose="020B0900000000000000" pitchFamily="50" charset="-128"/>
@@ -6915,7 +7485,7 @@
           <a:lstStyle/>
           <a:p>
             <a:r>
-              <a:rPr lang="en-US" altLang="ja-JP" sz="13900" dirty="0">
+              <a:rPr lang="en-US" altLang="ja-JP" sz="13900" dirty="0" smtClean="0">
                 <a:latin typeface="HGSｺﾞｼｯｸE" panose="020B0900000000000000" pitchFamily="50" charset="-128"/>
                 <a:ea typeface="HGSｺﾞｼｯｸE" panose="020B0900000000000000" pitchFamily="50" charset="-128"/>
               </a:rPr>
@@ -6934,10 +7504,10 @@
           <p:cNvSpPr txBox="1"/>
           <p:nvPr/>
         </p:nvSpPr>
-        <p:spPr>
+        <p:spPr bwMode="auto">
           <a:xfrm>
-            <a:off x="356674" y="3140981"/>
-            <a:ext cx="20293414" cy="3139291"/>
+            <a:off x="356673" y="3402683"/>
+            <a:ext cx="20691741" cy="2123628"/>
           </a:xfrm>
           <a:prstGeom prst="rect">
             <a:avLst/>
@@ -6951,18 +7521,38 @@
           <a:lstStyle/>
           <a:p>
             <a:r>
+              <a:rPr lang="ja-JP" altLang="en-US" sz="6600" dirty="0" smtClean="0">
+                <a:latin typeface="HGPｺﾞｼｯｸE" panose="020B0900000000000000" pitchFamily="50" charset="-128"/>
+                <a:ea typeface="HGPｺﾞｼｯｸE" panose="020B0900000000000000" pitchFamily="50" charset="-128"/>
+              </a:rPr>
+              <a:t>ヒト・モノ・情報の調達を行うのにリーダーが</a:t>
+            </a:r>
+            <a:endParaRPr lang="en-US" altLang="ja-JP" sz="6600" dirty="0" smtClean="0">
+              <a:latin typeface="HGPｺﾞｼｯｸE" panose="020B0900000000000000" pitchFamily="50" charset="-128"/>
+              <a:ea typeface="HGPｺﾞｼｯｸE" panose="020B0900000000000000" pitchFamily="50" charset="-128"/>
+            </a:endParaRPr>
+          </a:p>
+          <a:p>
+            <a:r>
+              <a:rPr lang="ja-JP" altLang="en-US" sz="6600" dirty="0" smtClean="0">
+                <a:latin typeface="HGPｺﾞｼｯｸE" panose="020B0900000000000000" pitchFamily="50" charset="-128"/>
+                <a:ea typeface="HGPｺﾞｼｯｸE" panose="020B0900000000000000" pitchFamily="50" charset="-128"/>
+              </a:rPr>
+              <a:t>クラウドソーシングを</a:t>
+            </a:r>
+            <a:r>
               <a:rPr lang="ja-JP" altLang="en-US" sz="6600" dirty="0">
                 <a:latin typeface="HGPｺﾞｼｯｸE" panose="020B0900000000000000" pitchFamily="50" charset="-128"/>
                 <a:ea typeface="HGPｺﾞｼｯｸE" panose="020B0900000000000000" pitchFamily="50" charset="-128"/>
               </a:rPr>
-              <a:t>ヒト・</a:t>
+              <a:t>利用</a:t>
             </a:r>
             <a:r>
               <a:rPr lang="ja-JP" altLang="en-US" sz="6600" dirty="0" smtClean="0">
                 <a:latin typeface="HGPｺﾞｼｯｸE" panose="020B0900000000000000" pitchFamily="50" charset="-128"/>
                 <a:ea typeface="HGPｺﾞｼｯｸE" panose="020B0900000000000000" pitchFamily="50" charset="-128"/>
               </a:rPr>
-              <a:t>モノ・情報はプロジェクトを行っていくうえでとても大切であるが，これら調達する時にクラウドソーシングを使うと効率よく行うことができる．</a:t>
+              <a:t>するのはとても効率がいい．</a:t>
             </a:r>
             <a:endParaRPr kumimoji="1" lang="ja-JP" altLang="en-US" sz="6600" dirty="0">
               <a:latin typeface="HGPｺﾞｼｯｸE" panose="020B0900000000000000" pitchFamily="50" charset="-128"/>

--- a/課題研究/2013/渡辺雄大/ポスター.pptx
+++ b/課題研究/2013/渡辺雄大/ポスター.pptx
@@ -193,7 +193,7 @@
           <a:p>
             <a:fld id="{EBDABDDA-217B-40F7-B562-7EFC1E18F5FB}" type="datetimeFigureOut">
               <a:rPr kumimoji="1" lang="ja-JP" altLang="en-US" smtClean="0"/>
-              <a:t>2013/12/10</a:t>
+              <a:t>2013/12/11</a:t>
             </a:fld>
             <a:endParaRPr kumimoji="1" lang="ja-JP" altLang="en-US"/>
           </a:p>
@@ -759,7 +759,7 @@
             <a:fld id="{CD18CB5A-6947-405F-A94A-52FF85729738}" type="datetimeFigureOut">
               <a:rPr kumimoji="1" lang="ja-JP" altLang="en-US" smtClean="0"/>
               <a:pPr/>
-              <a:t>2013/12/10</a:t>
+              <a:t>2013/12/11</a:t>
             </a:fld>
             <a:endParaRPr kumimoji="1" lang="ja-JP" altLang="en-US"/>
           </a:p>
@@ -963,7 +963,7 @@
             <a:fld id="{CD18CB5A-6947-405F-A94A-52FF85729738}" type="datetimeFigureOut">
               <a:rPr kumimoji="1" lang="ja-JP" altLang="en-US" smtClean="0"/>
               <a:pPr/>
-              <a:t>2013/12/10</a:t>
+              <a:t>2013/12/11</a:t>
             </a:fld>
             <a:endParaRPr kumimoji="1" lang="ja-JP" altLang="en-US"/>
           </a:p>
@@ -1177,7 +1177,7 @@
             <a:fld id="{CD18CB5A-6947-405F-A94A-52FF85729738}" type="datetimeFigureOut">
               <a:rPr kumimoji="1" lang="ja-JP" altLang="en-US" smtClean="0"/>
               <a:pPr/>
-              <a:t>2013/12/10</a:t>
+              <a:t>2013/12/11</a:t>
             </a:fld>
             <a:endParaRPr kumimoji="1" lang="ja-JP" altLang="en-US"/>
           </a:p>
@@ -1381,7 +1381,7 @@
             <a:fld id="{CD18CB5A-6947-405F-A94A-52FF85729738}" type="datetimeFigureOut">
               <a:rPr kumimoji="1" lang="ja-JP" altLang="en-US" smtClean="0"/>
               <a:pPr/>
-              <a:t>2013/12/10</a:t>
+              <a:t>2013/12/11</a:t>
             </a:fld>
             <a:endParaRPr kumimoji="1" lang="ja-JP" altLang="en-US"/>
           </a:p>
@@ -1629,7 +1629,7 @@
             <a:fld id="{CD18CB5A-6947-405F-A94A-52FF85729738}" type="datetimeFigureOut">
               <a:rPr kumimoji="1" lang="ja-JP" altLang="en-US" smtClean="0"/>
               <a:pPr/>
-              <a:t>2013/12/10</a:t>
+              <a:t>2013/12/11</a:t>
             </a:fld>
             <a:endParaRPr kumimoji="1" lang="ja-JP" altLang="en-US"/>
           </a:p>
@@ -1983,7 +1983,7 @@
             <a:fld id="{CD18CB5A-6947-405F-A94A-52FF85729738}" type="datetimeFigureOut">
               <a:rPr kumimoji="1" lang="ja-JP" altLang="en-US" smtClean="0"/>
               <a:pPr/>
-              <a:t>2013/12/10</a:t>
+              <a:t>2013/12/11</a:t>
             </a:fld>
             <a:endParaRPr kumimoji="1" lang="ja-JP" altLang="en-US"/>
           </a:p>
@@ -2471,7 +2471,7 @@
             <a:fld id="{CD18CB5A-6947-405F-A94A-52FF85729738}" type="datetimeFigureOut">
               <a:rPr kumimoji="1" lang="ja-JP" altLang="en-US" smtClean="0"/>
               <a:pPr/>
-              <a:t>2013/12/10</a:t>
+              <a:t>2013/12/11</a:t>
             </a:fld>
             <a:endParaRPr kumimoji="1" lang="ja-JP" altLang="en-US"/>
           </a:p>
@@ -2591,7 +2591,7 @@
             <a:fld id="{CD18CB5A-6947-405F-A94A-52FF85729738}" type="datetimeFigureOut">
               <a:rPr kumimoji="1" lang="ja-JP" altLang="en-US" smtClean="0"/>
               <a:pPr/>
-              <a:t>2013/12/10</a:t>
+              <a:t>2013/12/11</a:t>
             </a:fld>
             <a:endParaRPr kumimoji="1" lang="ja-JP" altLang="en-US"/>
           </a:p>
@@ -2688,7 +2688,7 @@
             <a:fld id="{CD18CB5A-6947-405F-A94A-52FF85729738}" type="datetimeFigureOut">
               <a:rPr kumimoji="1" lang="ja-JP" altLang="en-US" smtClean="0"/>
               <a:pPr/>
-              <a:t>2013/12/10</a:t>
+              <a:t>2013/12/11</a:t>
             </a:fld>
             <a:endParaRPr kumimoji="1" lang="ja-JP" altLang="en-US"/>
           </a:p>
@@ -2999,7 +2999,7 @@
             <a:fld id="{CD18CB5A-6947-405F-A94A-52FF85729738}" type="datetimeFigureOut">
               <a:rPr kumimoji="1" lang="ja-JP" altLang="en-US" smtClean="0"/>
               <a:pPr/>
-              <a:t>2013/12/10</a:t>
+              <a:t>2013/12/11</a:t>
             </a:fld>
             <a:endParaRPr kumimoji="1" lang="ja-JP" altLang="en-US"/>
           </a:p>
@@ -3254,7 +3254,7 @@
             <a:fld id="{CD18CB5A-6947-405F-A94A-52FF85729738}" type="datetimeFigureOut">
               <a:rPr kumimoji="1" lang="ja-JP" altLang="en-US" smtClean="0"/>
               <a:pPr/>
-              <a:t>2013/12/10</a:t>
+              <a:t>2013/12/11</a:t>
             </a:fld>
             <a:endParaRPr kumimoji="1" lang="ja-JP" altLang="en-US"/>
           </a:p>
@@ -3501,7 +3501,7 @@
             <a:fld id="{CD18CB5A-6947-405F-A94A-52FF85729738}" type="datetimeFigureOut">
               <a:rPr kumimoji="1" lang="ja-JP" altLang="en-US" smtClean="0"/>
               <a:pPr/>
-              <a:t>2013/12/10</a:t>
+              <a:t>2013/12/11</a:t>
             </a:fld>
             <a:endParaRPr kumimoji="1" lang="ja-JP" altLang="en-US"/>
           </a:p>
@@ -4135,7 +4135,7 @@
               <a:avLst/>
             </a:prstGeom>
             <a:noFill/>
-            <a:ln>
+            <a:ln w="25400">
               <a:solidFill>
                 <a:schemeClr val="accent1"/>
               </a:solidFill>
@@ -5575,7 +5575,7 @@
         </p:nvSpPr>
         <p:spPr>
           <a:xfrm>
-            <a:off x="218675" y="13919189"/>
+            <a:off x="58328" y="13893726"/>
             <a:ext cx="12579288" cy="7349038"/>
           </a:xfrm>
           <a:prstGeom prst="rect">
@@ -5871,14 +5871,14 @@
         </p:blipFill>
         <p:spPr bwMode="auto">
           <a:xfrm>
-            <a:off x="12961440" y="14707939"/>
+            <a:off x="12853640" y="14707939"/>
             <a:ext cx="8317136" cy="5720613"/>
           </a:xfrm>
           <a:prstGeom prst="rect">
             <a:avLst/>
           </a:prstGeom>
           <a:noFill/>
-          <a:ln w="9525">
+          <a:ln w="25400">
             <a:solidFill>
               <a:schemeClr val="tx1">
                 <a:lumMod val="85000"/>
@@ -6991,6 +6991,11 @@
           <a:prstGeom prst="rect">
             <a:avLst/>
           </a:prstGeom>
+          <a:ln>
+            <a:solidFill>
+              <a:schemeClr val="tx1"/>
+            </a:solidFill>
+          </a:ln>
         </p:spPr>
         <p:style>
           <a:lnRef idx="2">
@@ -7513,6 +7518,11 @@
             <a:avLst/>
           </a:prstGeom>
           <a:noFill/>
+          <a:ln w="25400">
+            <a:solidFill>
+              <a:schemeClr val="tx1"/>
+            </a:solidFill>
+          </a:ln>
         </p:spPr>
         <p:txBody>
           <a:bodyPr wrap="square" lIns="91414" tIns="45705" rIns="91414" bIns="45705" rtlCol="0">

--- a/課題研究/2013/渡辺雄大/ポスター.pptx
+++ b/課題研究/2013/渡辺雄大/ポスター.pptx
@@ -4064,10 +4064,10 @@
         </p:nvGrpSpPr>
         <p:grpSpPr>
           <a:xfrm>
-            <a:off x="-1443891" y="7146121"/>
-            <a:ext cx="24266696" cy="6597168"/>
-            <a:chOff x="-1475952" y="6534176"/>
-            <a:chExt cx="24266696" cy="6597168"/>
+            <a:off x="58327" y="7146121"/>
+            <a:ext cx="21112449" cy="6597168"/>
+            <a:chOff x="26266" y="6534176"/>
+            <a:chExt cx="21112449" cy="6597168"/>
           </a:xfrm>
         </p:grpSpPr>
         <p:sp>
@@ -4078,8 +4078,8 @@
           </p:nvSpPr>
           <p:spPr>
             <a:xfrm>
-              <a:off x="-1475952" y="8251226"/>
-              <a:ext cx="24266696" cy="4675675"/>
+              <a:off x="26266" y="8048790"/>
+              <a:ext cx="21112449" cy="4878112"/>
             </a:xfrm>
             <a:prstGeom prst="ellipse">
               <a:avLst/>
@@ -5000,69 +5000,6 @@
           </a:p>
         </p:txBody>
       </p:sp>
-      <p:sp>
-        <p:nvSpPr>
-          <p:cNvPr id="7" name="テキスト ボックス 6"/>
-          <p:cNvSpPr txBox="1"/>
-          <p:nvPr/>
-        </p:nvSpPr>
-        <p:spPr>
-          <a:xfrm>
-            <a:off x="612281" y="27694958"/>
-            <a:ext cx="19154127" cy="1846629"/>
-          </a:xfrm>
-          <a:prstGeom prst="rect">
-            <a:avLst/>
-          </a:prstGeom>
-          <a:noFill/>
-        </p:spPr>
-        <p:txBody>
-          <a:bodyPr wrap="square" lIns="91414" tIns="45705" rIns="91414" bIns="45705" rtlCol="0">
-            <a:spAutoFit/>
-          </a:bodyPr>
-          <a:lstStyle/>
-          <a:p>
-            <a:r>
-              <a:rPr lang="ja-JP" altLang="en-US" sz="5400" dirty="0" smtClean="0">
-                <a:latin typeface="HGPｺﾞｼｯｸE" panose="020B0900000000000000" pitchFamily="50" charset="-128"/>
-                <a:ea typeface="HGPｺﾞｼｯｸE" panose="020B0900000000000000" pitchFamily="50" charset="-128"/>
-              </a:rPr>
-              <a:t>クラウドソーシングの活用事例を集めて解析し，</a:t>
-            </a:r>
-            <a:endParaRPr lang="en-US" altLang="ja-JP" sz="5400" dirty="0" smtClean="0">
-              <a:latin typeface="HGPｺﾞｼｯｸE" panose="020B0900000000000000" pitchFamily="50" charset="-128"/>
-              <a:ea typeface="HGPｺﾞｼｯｸE" panose="020B0900000000000000" pitchFamily="50" charset="-128"/>
-            </a:endParaRPr>
-          </a:p>
-          <a:p>
-            <a:r>
-              <a:rPr kumimoji="1" lang="ja-JP" altLang="en-US" sz="5400" dirty="0" smtClean="0">
-                <a:latin typeface="HGPｺﾞｼｯｸE" panose="020B0900000000000000" pitchFamily="50" charset="-128"/>
-                <a:ea typeface="HGPｺﾞｼｯｸE" panose="020B0900000000000000" pitchFamily="50" charset="-128"/>
-              </a:rPr>
-              <a:t>クラウドソーシングを</a:t>
-            </a:r>
-            <a:r>
-              <a:rPr kumimoji="1" lang="ja-JP" altLang="en-US" sz="6000" dirty="0" smtClean="0">
-                <a:latin typeface="HGPｺﾞｼｯｸE" panose="020B0900000000000000" pitchFamily="50" charset="-128"/>
-                <a:ea typeface="HGPｺﾞｼｯｸE" panose="020B0900000000000000" pitchFamily="50" charset="-128"/>
-              </a:rPr>
-              <a:t>プロジェクト</a:t>
-            </a:r>
-            <a:r>
-              <a:rPr kumimoji="1" lang="ja-JP" altLang="en-US" sz="5400" dirty="0" smtClean="0">
-                <a:latin typeface="HGPｺﾞｼｯｸE" panose="020B0900000000000000" pitchFamily="50" charset="-128"/>
-                <a:ea typeface="HGPｺﾞｼｯｸE" panose="020B0900000000000000" pitchFamily="50" charset="-128"/>
-              </a:rPr>
-              <a:t>活用する方法について考察する．</a:t>
-            </a:r>
-            <a:endParaRPr kumimoji="1" lang="ja-JP" altLang="en-US" sz="5400" dirty="0">
-              <a:latin typeface="HGPｺﾞｼｯｸE" panose="020B0900000000000000" pitchFamily="50" charset="-128"/>
-              <a:ea typeface="HGPｺﾞｼｯｸE" panose="020B0900000000000000" pitchFamily="50" charset="-128"/>
-            </a:endParaRPr>
-          </a:p>
-        </p:txBody>
-      </p:sp>
       <p:graphicFrame>
         <p:nvGraphicFramePr>
           <p:cNvPr id="4" name="表 3"/>
@@ -5072,7 +5009,7 @@
           <p:nvPr>
             <p:extLst>
               <p:ext uri="{D42A27DB-BD31-4B8C-83A1-F6EECF244321}">
-                <p14:modId xmlns:p14="http://schemas.microsoft.com/office/powerpoint/2010/main" val="1166541966"/>
+                <p14:modId xmlns:p14="http://schemas.microsoft.com/office/powerpoint/2010/main" val="3013579871"/>
               </p:ext>
             </p:extLst>
           </p:nvPr>
@@ -5304,7 +5241,35 @@
                         <a:rPr lang="ja-JP" sz="2800" kern="0" dirty="0">
                           <a:effectLst/>
                         </a:rPr>
-                        <a:t>科学的問題の解決，商品のデザイン，写真などの投稿等</a:t>
+                        <a:t>科学的問題の解決，商品のデザイン</a:t>
+                      </a:r>
+                      <a:r>
+                        <a:rPr lang="ja-JP" sz="2800" kern="0" dirty="0" smtClean="0">
+                          <a:effectLst/>
+                        </a:rPr>
+                        <a:t>，</a:t>
+                      </a:r>
+                      <a:endParaRPr lang="en-US" altLang="ja-JP" sz="2800" kern="0" dirty="0" smtClean="0">
+                        <a:effectLst/>
+                      </a:endParaRPr>
+                    </a:p>
+                    <a:p>
+                      <a:pPr algn="just">
+                        <a:spcAft>
+                          <a:spcPts val="0"/>
+                        </a:spcAft>
+                      </a:pPr>
+                      <a:r>
+                        <a:rPr lang="ja-JP" sz="2800" kern="0" dirty="0" smtClean="0">
+                          <a:effectLst/>
+                        </a:rPr>
+                        <a:t>写真</a:t>
+                      </a:r>
+                      <a:r>
+                        <a:rPr lang="ja-JP" sz="2800" kern="0" dirty="0">
+                          <a:effectLst/>
+                        </a:rPr>
+                        <a:t>などの投稿等</a:t>
                       </a:r>
                       <a:endParaRPr lang="ja-JP" sz="2800" kern="100" dirty="0">
                         <a:effectLst/>
@@ -5662,7 +5627,7 @@
         </p:nvGrpSpPr>
         <p:grpSpPr>
           <a:xfrm>
-            <a:off x="1652707" y="21533010"/>
+            <a:off x="1653813" y="21692715"/>
             <a:ext cx="18154614" cy="2736304"/>
             <a:chOff x="1683802" y="20252556"/>
             <a:chExt cx="18154614" cy="2736304"/>
@@ -6225,6 +6190,98 @@
           </a:ln>
         </p:spPr>
       </p:pic>
+      <p:sp>
+        <p:nvSpPr>
+          <p:cNvPr id="42" name="テキスト ボックス 41"/>
+          <p:cNvSpPr txBox="1"/>
+          <p:nvPr/>
+        </p:nvSpPr>
+        <p:spPr>
+          <a:xfrm>
+            <a:off x="520881" y="24737671"/>
+            <a:ext cx="6232042" cy="2231350"/>
+          </a:xfrm>
+          <a:prstGeom prst="rect">
+            <a:avLst/>
+          </a:prstGeom>
+          <a:solidFill>
+            <a:srgbClr val="B25444"/>
+          </a:solidFill>
+          <a:ln>
+            <a:solidFill>
+              <a:schemeClr val="tx1"/>
+            </a:solidFill>
+          </a:ln>
+        </p:spPr>
+        <p:style>
+          <a:lnRef idx="3">
+            <a:schemeClr val="lt1"/>
+          </a:lnRef>
+          <a:fillRef idx="1">
+            <a:schemeClr val="accent4"/>
+          </a:fillRef>
+          <a:effectRef idx="1">
+            <a:schemeClr val="accent4"/>
+          </a:effectRef>
+          <a:fontRef idx="minor">
+            <a:schemeClr val="lt1"/>
+          </a:fontRef>
+        </p:style>
+        <p:txBody>
+          <a:bodyPr wrap="square" lIns="91414" tIns="45705" rIns="91414" bIns="45705" rtlCol="0">
+            <a:spAutoFit/>
+          </a:bodyPr>
+          <a:lstStyle/>
+          <a:p>
+            <a:r>
+              <a:rPr lang="en-US" altLang="ja-JP" sz="13900" dirty="0" smtClean="0">
+                <a:latin typeface="HGSｺﾞｼｯｸE" panose="020B0900000000000000" pitchFamily="50" charset="-128"/>
+                <a:ea typeface="HGSｺﾞｼｯｸE" panose="020B0900000000000000" pitchFamily="50" charset="-128"/>
+              </a:rPr>
+              <a:t>Purpose</a:t>
+            </a:r>
+            <a:endParaRPr lang="ja-JP" altLang="en-US" sz="13900" dirty="0">
+              <a:latin typeface="HGSｺﾞｼｯｸE" panose="020B0900000000000000" pitchFamily="50" charset="-128"/>
+              <a:ea typeface="HGSｺﾞｼｯｸE" panose="020B0900000000000000" pitchFamily="50" charset="-128"/>
+            </a:endParaRPr>
+          </a:p>
+        </p:txBody>
+      </p:sp>
+      <p:sp>
+        <p:nvSpPr>
+          <p:cNvPr id="39" name="正方形/長方形 38"/>
+          <p:cNvSpPr/>
+          <p:nvPr/>
+        </p:nvSpPr>
+        <p:spPr>
+          <a:xfrm>
+            <a:off x="1101271" y="27111313"/>
+            <a:ext cx="18189734" cy="2862322"/>
+          </a:xfrm>
+          <a:prstGeom prst="rect">
+            <a:avLst/>
+          </a:prstGeom>
+        </p:spPr>
+        <p:txBody>
+          <a:bodyPr wrap="square">
+            <a:spAutoFit/>
+          </a:bodyPr>
+          <a:lstStyle/>
+          <a:p>
+            <a:r>
+              <a:rPr lang="ja-JP" altLang="en-US" sz="6000" dirty="0">
+                <a:latin typeface="HGPｺﾞｼｯｸE" panose="020B0900000000000000" pitchFamily="50" charset="-128"/>
+                <a:ea typeface="HGPｺﾞｼｯｸE" panose="020B0900000000000000" pitchFamily="50" charset="-128"/>
+              </a:rPr>
+              <a:t>これからクラウドソーシングをプロジェクトで活かしてもらうために，クラウドソーシングの事例のデータをマイニングし自己組織化マップの作図を行う．</a:t>
+            </a:r>
+            <a:endParaRPr lang="en-US" altLang="ja-JP" sz="6000" dirty="0">
+              <a:latin typeface="HGPｺﾞｼｯｸE" panose="020B0900000000000000" pitchFamily="50" charset="-128"/>
+              <a:ea typeface="HGPｺﾞｼｯｸE" panose="020B0900000000000000" pitchFamily="50" charset="-128"/>
+            </a:endParaRPr>
+          </a:p>
+        </p:txBody>
+      </p:sp>
     </p:spTree>
     <p:extLst>
       <p:ext uri="{BB962C8B-B14F-4D97-AF65-F5344CB8AC3E}">
@@ -6278,7 +6335,7 @@
         </p:nvSpPr>
         <p:spPr>
           <a:xfrm>
-            <a:off x="547534" y="6427917"/>
+            <a:off x="442534" y="6715051"/>
             <a:ext cx="8489682" cy="2231350"/>
           </a:xfrm>
           <a:prstGeom prst="rect">
@@ -6347,10 +6404,10 @@
         </p:nvGrpSpPr>
         <p:grpSpPr>
           <a:xfrm>
-            <a:off x="470956" y="16926189"/>
-            <a:ext cx="19874208" cy="6480718"/>
-            <a:chOff x="373020" y="6244682"/>
-            <a:chExt cx="19874208" cy="6480718"/>
+            <a:off x="279368" y="22413221"/>
+            <a:ext cx="20577458" cy="7274819"/>
+            <a:chOff x="317833" y="6187576"/>
+            <a:chExt cx="19874208" cy="6549460"/>
           </a:xfrm>
         </p:grpSpPr>
         <p:sp>
@@ -6361,7 +6418,7 @@
           </p:nvSpPr>
           <p:spPr>
             <a:xfrm>
-              <a:off x="373020" y="6244682"/>
+              <a:off x="317833" y="6187576"/>
               <a:ext cx="19874208" cy="6480718"/>
             </a:xfrm>
             <a:prstGeom prst="rect">
@@ -6414,9 +6471,9 @@
           <p:grpSpPr>
             <a:xfrm>
               <a:off x="1043557" y="6580936"/>
-              <a:ext cx="18343412" cy="5808207"/>
+              <a:ext cx="10034357" cy="6156100"/>
               <a:chOff x="813634" y="6594114"/>
-              <a:chExt cx="18343411" cy="5808205"/>
+              <a:chExt cx="10034356" cy="6156098"/>
             </a:xfrm>
           </p:grpSpPr>
           <p:sp>
@@ -6428,7 +6485,7 @@
             <p:spPr>
               <a:xfrm>
                 <a:off x="813634" y="7924501"/>
-                <a:ext cx="8941154" cy="4477818"/>
+                <a:ext cx="7672511" cy="4477818"/>
               </a:xfrm>
               <a:prstGeom prst="ellipse">
                 <a:avLst/>
@@ -6543,8 +6600,8 @@
             </p:nvSpPr>
             <p:spPr>
               <a:xfrm>
-                <a:off x="1507783" y="6594114"/>
-                <a:ext cx="7552854" cy="984885"/>
+                <a:off x="1507784" y="6594114"/>
+                <a:ext cx="6978362" cy="886684"/>
               </a:xfrm>
               <a:prstGeom prst="rect">
                 <a:avLst/>
@@ -6583,227 +6640,166 @@
               </a:p>
             </p:txBody>
           </p:sp>
-          <p:grpSp>
-            <p:nvGrpSpPr>
-              <p:cNvPr id="7" name="グループ化 6"/>
-              <p:cNvGrpSpPr/>
+          <p:sp>
+            <p:nvSpPr>
+              <p:cNvPr id="8" name="正方形/長方形 7"/>
+              <p:cNvSpPr/>
               <p:nvPr/>
-            </p:nvGrpSpPr>
-            <p:grpSpPr>
+            </p:nvSpPr>
+            <p:spPr>
               <a:xfrm>
-                <a:off x="1452424" y="8178251"/>
-                <a:ext cx="7833218" cy="3970317"/>
-                <a:chOff x="9757296" y="26036909"/>
-                <a:chExt cx="7833218" cy="3970317"/>
-              </a:xfrm>
-            </p:grpSpPr>
-            <p:sp>
-              <p:nvSpPr>
-                <p:cNvPr id="8" name="正方形/長方形 7"/>
-                <p:cNvSpPr/>
-                <p:nvPr/>
-              </p:nvSpPr>
-              <p:spPr>
-                <a:xfrm>
-                  <a:off x="9757296" y="26036909"/>
-                  <a:ext cx="4392489" cy="3970317"/>
-                </a:xfrm>
-                <a:prstGeom prst="rect">
-                  <a:avLst/>
-                </a:prstGeom>
-              </p:spPr>
-              <p:txBody>
-                <a:bodyPr wrap="square">
-                  <a:spAutoFit/>
-                </a:bodyPr>
-                <a:lstStyle/>
-                <a:p>
-                  <a:r>
-                    <a:rPr lang="ja-JP" altLang="en-US" sz="3600" dirty="0">
-                      <a:latin typeface="HGPｺﾞｼｯｸE" panose="020B0900000000000000" pitchFamily="50" charset="-128"/>
-                      <a:ea typeface="HGPｺﾞｼｯｸE" panose="020B0900000000000000" pitchFamily="50" charset="-128"/>
-                    </a:rPr>
-                    <a:t>・カテゴリ１</a:t>
-                  </a:r>
-                  <a:endParaRPr lang="en-US" altLang="ja-JP" sz="3600" dirty="0">
-                    <a:latin typeface="HGPｺﾞｼｯｸE" panose="020B0900000000000000" pitchFamily="50" charset="-128"/>
-                    <a:ea typeface="HGPｺﾞｼｯｸE" panose="020B0900000000000000" pitchFamily="50" charset="-128"/>
-                  </a:endParaRPr>
-                </a:p>
-                <a:p>
-                  <a:r>
-                    <a:rPr lang="ja-JP" altLang="en-US" sz="3600" dirty="0">
-                      <a:latin typeface="HGPｺﾞｼｯｸE" panose="020B0900000000000000" pitchFamily="50" charset="-128"/>
-                      <a:ea typeface="HGPｺﾞｼｯｸE" panose="020B0900000000000000" pitchFamily="50" charset="-128"/>
-                    </a:rPr>
-                    <a:t>・カテゴリ２</a:t>
-                  </a:r>
-                  <a:endParaRPr lang="en-US" altLang="ja-JP" sz="3600" dirty="0">
-                    <a:latin typeface="HGPｺﾞｼｯｸE" panose="020B0900000000000000" pitchFamily="50" charset="-128"/>
-                    <a:ea typeface="HGPｺﾞｼｯｸE" panose="020B0900000000000000" pitchFamily="50" charset="-128"/>
-                  </a:endParaRPr>
-                </a:p>
-                <a:p>
-                  <a:r>
-                    <a:rPr lang="ja-JP" altLang="en-US" sz="3600" dirty="0">
-                      <a:latin typeface="HGPｺﾞｼｯｸE" panose="020B0900000000000000" pitchFamily="50" charset="-128"/>
-                      <a:ea typeface="HGPｺﾞｼｯｸE" panose="020B0900000000000000" pitchFamily="50" charset="-128"/>
-                    </a:rPr>
-                    <a:t>・閲覧された回数</a:t>
-                  </a:r>
-                  <a:endParaRPr lang="en-US" altLang="ja-JP" sz="3600" dirty="0">
-                    <a:latin typeface="HGPｺﾞｼｯｸE" panose="020B0900000000000000" pitchFamily="50" charset="-128"/>
-                    <a:ea typeface="HGPｺﾞｼｯｸE" panose="020B0900000000000000" pitchFamily="50" charset="-128"/>
-                  </a:endParaRPr>
-                </a:p>
-                <a:p>
-                  <a:r>
-                    <a:rPr lang="ja-JP" altLang="en-US" sz="3600" dirty="0">
-                      <a:latin typeface="HGPｺﾞｼｯｸE" panose="020B0900000000000000" pitchFamily="50" charset="-128"/>
-                      <a:ea typeface="HGPｺﾞｼｯｸE" panose="020B0900000000000000" pitchFamily="50" charset="-128"/>
-                    </a:rPr>
-                    <a:t>・お気に入りの登録数</a:t>
-                  </a:r>
-                  <a:endParaRPr lang="en-US" altLang="ja-JP" sz="3600" dirty="0">
-                    <a:latin typeface="HGPｺﾞｼｯｸE" panose="020B0900000000000000" pitchFamily="50" charset="-128"/>
-                    <a:ea typeface="HGPｺﾞｼｯｸE" panose="020B0900000000000000" pitchFamily="50" charset="-128"/>
-                  </a:endParaRPr>
-                </a:p>
-                <a:p>
-                  <a:r>
-                    <a:rPr lang="ja-JP" altLang="en-US" sz="3600" dirty="0">
-                      <a:latin typeface="HGPｺﾞｼｯｸE" panose="020B0900000000000000" pitchFamily="50" charset="-128"/>
-                      <a:ea typeface="HGPｺﾞｼｯｸE" panose="020B0900000000000000" pitchFamily="50" charset="-128"/>
-                    </a:rPr>
-                    <a:t>・提案の人数</a:t>
-                  </a:r>
-                  <a:endParaRPr lang="en-US" altLang="ja-JP" sz="3600" dirty="0">
-                    <a:latin typeface="HGPｺﾞｼｯｸE" panose="020B0900000000000000" pitchFamily="50" charset="-128"/>
-                    <a:ea typeface="HGPｺﾞｼｯｸE" panose="020B0900000000000000" pitchFamily="50" charset="-128"/>
-                  </a:endParaRPr>
-                </a:p>
-                <a:p>
-                  <a:r>
-                    <a:rPr lang="ja-JP" altLang="en-US" sz="3600" dirty="0">
-                      <a:latin typeface="HGPｺﾞｼｯｸE" panose="020B0900000000000000" pitchFamily="50" charset="-128"/>
-                      <a:ea typeface="HGPｺﾞｼｯｸE" panose="020B0900000000000000" pitchFamily="50" charset="-128"/>
-                    </a:rPr>
-                    <a:t>・提案の件数</a:t>
-                  </a:r>
-                  <a:endParaRPr lang="en-US" altLang="ja-JP" sz="3600" dirty="0">
-                    <a:latin typeface="HGPｺﾞｼｯｸE" panose="020B0900000000000000" pitchFamily="50" charset="-128"/>
-                    <a:ea typeface="HGPｺﾞｼｯｸE" panose="020B0900000000000000" pitchFamily="50" charset="-128"/>
-                  </a:endParaRPr>
-                </a:p>
-                <a:p>
-                  <a:r>
-                    <a:rPr lang="ja-JP" altLang="en-US" sz="3600" dirty="0">
-                      <a:latin typeface="HGPｺﾞｼｯｸE" panose="020B0900000000000000" pitchFamily="50" charset="-128"/>
-                      <a:ea typeface="HGPｺﾞｼｯｸE" panose="020B0900000000000000" pitchFamily="50" charset="-128"/>
-                    </a:rPr>
-                    <a:t>・依頼方法</a:t>
-                  </a:r>
-                </a:p>
-              </p:txBody>
-            </p:sp>
-            <p:sp>
-              <p:nvSpPr>
-                <p:cNvPr id="9" name="テキスト ボックス 8"/>
-                <p:cNvSpPr txBox="1"/>
-                <p:nvPr/>
-              </p:nvSpPr>
-              <p:spPr>
-                <a:xfrm>
-                  <a:off x="14206140" y="26036909"/>
-                  <a:ext cx="3384374" cy="2092880"/>
-                </a:xfrm>
-                <a:prstGeom prst="rect">
-                  <a:avLst/>
-                </a:prstGeom>
-                <a:noFill/>
-              </p:spPr>
-              <p:txBody>
-                <a:bodyPr wrap="square" rtlCol="0">
-                  <a:spAutoFit/>
-                </a:bodyPr>
-                <a:lstStyle/>
-                <a:p>
-                  <a:r>
-                    <a:rPr lang="ja-JP" altLang="en-US" sz="3600" dirty="0">
-                      <a:latin typeface="HGPｺﾞｼｯｸE" panose="020B0900000000000000" pitchFamily="50" charset="-128"/>
-                      <a:ea typeface="HGPｺﾞｼｯｸE" panose="020B0900000000000000" pitchFamily="50" charset="-128"/>
-                    </a:rPr>
-                    <a:t>・募集期間（日）</a:t>
-                  </a:r>
-                  <a:endParaRPr lang="en-US" altLang="ja-JP" sz="3600" dirty="0">
-                    <a:latin typeface="HGPｺﾞｼｯｸE" panose="020B0900000000000000" pitchFamily="50" charset="-128"/>
-                    <a:ea typeface="HGPｺﾞｼｯｸE" panose="020B0900000000000000" pitchFamily="50" charset="-128"/>
-                  </a:endParaRPr>
-                </a:p>
-                <a:p>
-                  <a:r>
-                    <a:rPr lang="ja-JP" altLang="en-US" sz="3600" dirty="0">
-                      <a:latin typeface="HGPｺﾞｼｯｸE" panose="020B0900000000000000" pitchFamily="50" charset="-128"/>
-                      <a:ea typeface="HGPｺﾞｼｯｸE" panose="020B0900000000000000" pitchFamily="50" charset="-128"/>
-                    </a:rPr>
-                    <a:t>・依頼金額</a:t>
-                  </a:r>
-                </a:p>
-                <a:p>
-                  <a:endParaRPr kumimoji="1" lang="ja-JP" altLang="en-US" dirty="0"/>
-                </a:p>
-              </p:txBody>
-            </p:sp>
-          </p:grpSp>
-          <p:pic>
-            <p:nvPicPr>
-              <p:cNvPr id="10" name="Picture 4"/>
-              <p:cNvPicPr>
-                <a:picLocks noChangeAspect="1" noChangeArrowheads="1"/>
-              </p:cNvPicPr>
-              <p:nvPr/>
-            </p:nvPicPr>
-            <p:blipFill>
-              <a:blip r:embed="rId3">
-                <a:extLst>
-                  <a:ext uri="{28A0092B-C50C-407E-A947-70E740481C1C}">
-                    <a14:useLocalDpi xmlns:a14="http://schemas.microsoft.com/office/drawing/2010/main" val="0"/>
-                  </a:ext>
-                </a:extLst>
-              </a:blip>
-              <a:srcRect/>
-              <a:stretch>
-                <a:fillRect/>
-              </a:stretch>
-            </p:blipFill>
-            <p:spPr bwMode="auto">
-              <a:xfrm>
-                <a:off x="13379482" y="6747496"/>
-                <a:ext cx="5777563" cy="5654823"/>
+                <a:off x="1656175" y="8178250"/>
+                <a:ext cx="4392489" cy="4571962"/>
               </a:xfrm>
               <a:prstGeom prst="rect">
                 <a:avLst/>
               </a:prstGeom>
-              <a:noFill/>
-              <a:ln w="9525">
-                <a:solidFill>
-                  <a:schemeClr val="tx1"/>
-                </a:solidFill>
-                <a:miter lim="800000"/>
-                <a:headEnd/>
-                <a:tailEnd/>
-              </a:ln>
-              <a:extLst>
-                <a:ext uri="{909E8E84-426E-40DD-AFC4-6F175D3DCCD1}">
-                  <a14:hiddenFill xmlns:a14="http://schemas.microsoft.com/office/drawing/2010/main">
-                    <a:solidFill>
-                      <a:schemeClr val="accent1"/>
-                    </a:solidFill>
-                  </a14:hiddenFill>
-                </a:ext>
-              </a:extLst>
             </p:spPr>
-          </p:pic>
+            <p:txBody>
+              <a:bodyPr wrap="square">
+                <a:spAutoFit/>
+              </a:bodyPr>
+              <a:lstStyle/>
+              <a:p>
+                <a:r>
+                  <a:rPr lang="ja-JP" altLang="en-US" sz="3600" dirty="0" smtClean="0">
+                    <a:latin typeface="HGPｺﾞｼｯｸE" panose="020B0900000000000000" pitchFamily="50" charset="-128"/>
+                    <a:ea typeface="HGPｺﾞｼｯｸE" panose="020B0900000000000000" pitchFamily="50" charset="-128"/>
+                  </a:rPr>
+                  <a:t>・</a:t>
+                </a:r>
+                <a:r>
+                  <a:rPr lang="ja-JP" altLang="en-US" sz="3600" dirty="0">
+                    <a:latin typeface="HGPｺﾞｼｯｸE" panose="020B0900000000000000" pitchFamily="50" charset="-128"/>
+                    <a:ea typeface="HGPｺﾞｼｯｸE" panose="020B0900000000000000" pitchFamily="50" charset="-128"/>
+                  </a:rPr>
+                  <a:t>閲覧された回数</a:t>
+                </a:r>
+                <a:endParaRPr lang="en-US" altLang="ja-JP" sz="3600" dirty="0">
+                  <a:latin typeface="HGPｺﾞｼｯｸE" panose="020B0900000000000000" pitchFamily="50" charset="-128"/>
+                  <a:ea typeface="HGPｺﾞｼｯｸE" panose="020B0900000000000000" pitchFamily="50" charset="-128"/>
+                </a:endParaRPr>
+              </a:p>
+              <a:p>
+                <a:r>
+                  <a:rPr lang="ja-JP" altLang="en-US" sz="3600" dirty="0">
+                    <a:latin typeface="HGPｺﾞｼｯｸE" panose="020B0900000000000000" pitchFamily="50" charset="-128"/>
+                    <a:ea typeface="HGPｺﾞｼｯｸE" panose="020B0900000000000000" pitchFamily="50" charset="-128"/>
+                  </a:rPr>
+                  <a:t>・お気に入りの登録数</a:t>
+                </a:r>
+                <a:endParaRPr lang="en-US" altLang="ja-JP" sz="3600" dirty="0">
+                  <a:latin typeface="HGPｺﾞｼｯｸE" panose="020B0900000000000000" pitchFamily="50" charset="-128"/>
+                  <a:ea typeface="HGPｺﾞｼｯｸE" panose="020B0900000000000000" pitchFamily="50" charset="-128"/>
+                </a:endParaRPr>
+              </a:p>
+              <a:p>
+                <a:r>
+                  <a:rPr lang="ja-JP" altLang="en-US" sz="3600" dirty="0">
+                    <a:latin typeface="HGPｺﾞｼｯｸE" panose="020B0900000000000000" pitchFamily="50" charset="-128"/>
+                    <a:ea typeface="HGPｺﾞｼｯｸE" panose="020B0900000000000000" pitchFamily="50" charset="-128"/>
+                  </a:rPr>
+                  <a:t>・提案の人数</a:t>
+                </a:r>
+                <a:endParaRPr lang="en-US" altLang="ja-JP" sz="3600" dirty="0">
+                  <a:latin typeface="HGPｺﾞｼｯｸE" panose="020B0900000000000000" pitchFamily="50" charset="-128"/>
+                  <a:ea typeface="HGPｺﾞｼｯｸE" panose="020B0900000000000000" pitchFamily="50" charset="-128"/>
+                </a:endParaRPr>
+              </a:p>
+              <a:p>
+                <a:r>
+                  <a:rPr lang="ja-JP" altLang="en-US" sz="3600" dirty="0">
+                    <a:latin typeface="HGPｺﾞｼｯｸE" panose="020B0900000000000000" pitchFamily="50" charset="-128"/>
+                    <a:ea typeface="HGPｺﾞｼｯｸE" panose="020B0900000000000000" pitchFamily="50" charset="-128"/>
+                  </a:rPr>
+                  <a:t>・提案の件数</a:t>
+                </a:r>
+                <a:endParaRPr lang="en-US" altLang="ja-JP" sz="3600" dirty="0">
+                  <a:latin typeface="HGPｺﾞｼｯｸE" panose="020B0900000000000000" pitchFamily="50" charset="-128"/>
+                  <a:ea typeface="HGPｺﾞｼｯｸE" panose="020B0900000000000000" pitchFamily="50" charset="-128"/>
+                </a:endParaRPr>
+              </a:p>
+              <a:p>
+                <a:r>
+                  <a:rPr lang="ja-JP" altLang="en-US" sz="3600" dirty="0">
+                    <a:latin typeface="HGPｺﾞｼｯｸE" panose="020B0900000000000000" pitchFamily="50" charset="-128"/>
+                    <a:ea typeface="HGPｺﾞｼｯｸE" panose="020B0900000000000000" pitchFamily="50" charset="-128"/>
+                  </a:rPr>
+                  <a:t>・依頼</a:t>
+                </a:r>
+                <a:r>
+                  <a:rPr lang="ja-JP" altLang="en-US" sz="3600" dirty="0" smtClean="0">
+                    <a:latin typeface="HGPｺﾞｼｯｸE" panose="020B0900000000000000" pitchFamily="50" charset="-128"/>
+                    <a:ea typeface="HGPｺﾞｼｯｸE" panose="020B0900000000000000" pitchFamily="50" charset="-128"/>
+                  </a:rPr>
+                  <a:t>方法</a:t>
+                </a:r>
+                <a:endParaRPr lang="en-US" altLang="ja-JP" sz="3600" dirty="0" smtClean="0">
+                  <a:latin typeface="HGPｺﾞｼｯｸE" panose="020B0900000000000000" pitchFamily="50" charset="-128"/>
+                  <a:ea typeface="HGPｺﾞｼｯｸE" panose="020B0900000000000000" pitchFamily="50" charset="-128"/>
+                </a:endParaRPr>
+              </a:p>
+              <a:p>
+                <a:r>
+                  <a:rPr lang="ja-JP" altLang="en-US" sz="3600" dirty="0">
+                    <a:latin typeface="HGPｺﾞｼｯｸE" panose="020B0900000000000000" pitchFamily="50" charset="-128"/>
+                    <a:ea typeface="HGPｺﾞｼｯｸE" panose="020B0900000000000000" pitchFamily="50" charset="-128"/>
+                  </a:rPr>
+                  <a:t>・募集期間（日）</a:t>
+                </a:r>
+                <a:endParaRPr lang="en-US" altLang="ja-JP" sz="3600" dirty="0">
+                  <a:latin typeface="HGPｺﾞｼｯｸE" panose="020B0900000000000000" pitchFamily="50" charset="-128"/>
+                  <a:ea typeface="HGPｺﾞｼｯｸE" panose="020B0900000000000000" pitchFamily="50" charset="-128"/>
+                </a:endParaRPr>
+              </a:p>
+              <a:p>
+                <a:r>
+                  <a:rPr lang="ja-JP" altLang="en-US" sz="3600" dirty="0">
+                    <a:latin typeface="HGPｺﾞｼｯｸE" panose="020B0900000000000000" pitchFamily="50" charset="-128"/>
+                    <a:ea typeface="HGPｺﾞｼｯｸE" panose="020B0900000000000000" pitchFamily="50" charset="-128"/>
+                  </a:rPr>
+                  <a:t>・依頼</a:t>
+                </a:r>
+                <a:r>
+                  <a:rPr lang="ja-JP" altLang="en-US" sz="3600" dirty="0" smtClean="0">
+                    <a:latin typeface="HGPｺﾞｼｯｸE" panose="020B0900000000000000" pitchFamily="50" charset="-128"/>
+                    <a:ea typeface="HGPｺﾞｼｯｸE" panose="020B0900000000000000" pitchFamily="50" charset="-128"/>
+                  </a:rPr>
+                  <a:t>金額</a:t>
+                </a:r>
+                <a:endParaRPr lang="en-US" altLang="ja-JP" sz="3600" dirty="0" smtClean="0">
+                  <a:latin typeface="HGPｺﾞｼｯｸE" panose="020B0900000000000000" pitchFamily="50" charset="-128"/>
+                  <a:ea typeface="HGPｺﾞｼｯｸE" panose="020B0900000000000000" pitchFamily="50" charset="-128"/>
+                </a:endParaRPr>
+              </a:p>
+              <a:p>
+                <a:r>
+                  <a:rPr lang="ja-JP" altLang="en-US" sz="3600" dirty="0">
+                    <a:latin typeface="HGPｺﾞｼｯｸE" panose="020B0900000000000000" pitchFamily="50" charset="-128"/>
+                    <a:ea typeface="HGPｺﾞｼｯｸE" panose="020B0900000000000000" pitchFamily="50" charset="-128"/>
+                  </a:rPr>
+                  <a:t>　</a:t>
+                </a:r>
+                <a:r>
+                  <a:rPr lang="ja-JP" altLang="en-US" sz="3600" dirty="0" smtClean="0">
+                    <a:latin typeface="HGPｺﾞｼｯｸE" panose="020B0900000000000000" pitchFamily="50" charset="-128"/>
+                    <a:ea typeface="HGPｺﾞｼｯｸE" panose="020B0900000000000000" pitchFamily="50" charset="-128"/>
+                  </a:rPr>
+                  <a:t>　　　　　　（計５０件）</a:t>
+                </a:r>
+                <a:endParaRPr lang="ja-JP" altLang="en-US" sz="3600" dirty="0">
+                  <a:latin typeface="HGPｺﾞｼｯｸE" panose="020B0900000000000000" pitchFamily="50" charset="-128"/>
+                  <a:ea typeface="HGPｺﾞｼｯｸE" panose="020B0900000000000000" pitchFamily="50" charset="-128"/>
+                </a:endParaRPr>
+              </a:p>
+              <a:p>
+                <a:endParaRPr lang="ja-JP" altLang="en-US" sz="3600" dirty="0">
+                  <a:latin typeface="HGPｺﾞｼｯｸE" panose="020B0900000000000000" pitchFamily="50" charset="-128"/>
+                  <a:ea typeface="HGPｺﾞｼｯｸE" panose="020B0900000000000000" pitchFamily="50" charset="-128"/>
+                </a:endParaRPr>
+              </a:p>
+            </p:txBody>
+          </p:sp>
           <p:sp>
             <p:nvSpPr>
               <p:cNvPr id="11" name="右矢印 10"/>
@@ -6812,8 +6808,8 @@
             </p:nvSpPr>
             <p:spPr>
               <a:xfrm>
-                <a:off x="9983047" y="9046996"/>
-                <a:ext cx="3026476" cy="1224136"/>
+                <a:off x="8749975" y="9216271"/>
+                <a:ext cx="2098015" cy="1224136"/>
               </a:xfrm>
               <a:prstGeom prst="rightArrow">
                 <a:avLst/>
@@ -6896,7 +6892,7 @@
           </p:nvSpPr>
           <p:spPr>
             <a:xfrm>
-              <a:off x="12310986" y="6614711"/>
+              <a:off x="10217605" y="6610276"/>
               <a:ext cx="928407" cy="984855"/>
             </a:xfrm>
             <a:prstGeom prst="rect">
@@ -6920,63 +6916,63 @@
           </p:txBody>
         </p:sp>
       </p:grpSp>
-      <p:sp>
-        <p:nvSpPr>
-          <p:cNvPr id="16" name="テキスト ボックス 15"/>
-          <p:cNvSpPr txBox="1"/>
+      <p:pic>
+        <p:nvPicPr>
+          <p:cNvPr id="1026" name="Picture 2"/>
+          <p:cNvPicPr>
+            <a:picLocks noChangeAspect="1" noChangeArrowheads="1"/>
+          </p:cNvPicPr>
           <p:nvPr/>
-        </p:nvSpPr>
-        <p:spPr>
+        </p:nvPicPr>
+        <p:blipFill rotWithShape="1">
+          <a:blip r:embed="rId3">
+            <a:extLst>
+              <a:ext uri="{28A0092B-C50C-407E-A947-70E740481C1C}">
+                <a14:useLocalDpi xmlns:a14="http://schemas.microsoft.com/office/drawing/2010/main" val="0"/>
+              </a:ext>
+            </a:extLst>
+          </a:blip>
+          <a:srcRect t="8292" r="3052" b="-1096"/>
+          <a:stretch/>
+        </p:blipFill>
+        <p:spPr bwMode="auto">
           <a:xfrm>
-            <a:off x="356674" y="23780947"/>
-            <a:ext cx="16297043" cy="2231350"/>
+            <a:off x="11773520" y="22882735"/>
+            <a:ext cx="8712968" cy="5580062"/>
           </a:xfrm>
           <a:prstGeom prst="rect">
             <a:avLst/>
           </a:prstGeom>
-          <a:solidFill>
-            <a:srgbClr val="B25444"/>
-          </a:solidFill>
-          <a:ln>
+          <a:noFill/>
+          <a:ln w="9525">
             <a:solidFill>
               <a:schemeClr val="tx1"/>
             </a:solidFill>
+            <a:miter lim="800000"/>
+            <a:headEnd/>
+            <a:tailEnd/>
           </a:ln>
+          <a:effectLst/>
+          <a:extLst>
+            <a:ext uri="{909E8E84-426E-40DD-AFC4-6F175D3DCCD1}">
+              <a14:hiddenFill xmlns:a14="http://schemas.microsoft.com/office/drawing/2010/main">
+                <a:solidFill>
+                  <a:schemeClr val="accent1"/>
+                </a:solidFill>
+              </a14:hiddenFill>
+            </a:ext>
+            <a:ext uri="{AF507438-7753-43E0-B8FC-AC1667EBCBE1}">
+              <a14:hiddenEffects xmlns:a14="http://schemas.microsoft.com/office/drawing/2010/main">
+                <a:effectLst>
+                  <a:outerShdw dist="35921" dir="2700000" algn="ctr" rotWithShape="0">
+                    <a:schemeClr val="bg2"/>
+                  </a:outerShdw>
+                </a:effectLst>
+              </a14:hiddenEffects>
+            </a:ext>
+          </a:extLst>
         </p:spPr>
-        <p:style>
-          <a:lnRef idx="3">
-            <a:schemeClr val="lt1"/>
-          </a:lnRef>
-          <a:fillRef idx="1">
-            <a:schemeClr val="accent4"/>
-          </a:fillRef>
-          <a:effectRef idx="1">
-            <a:schemeClr val="accent4"/>
-          </a:effectRef>
-          <a:fontRef idx="minor">
-            <a:schemeClr val="lt1"/>
-          </a:fontRef>
-        </p:style>
-        <p:txBody>
-          <a:bodyPr wrap="square" lIns="91414" tIns="45705" rIns="91414" bIns="45705" rtlCol="0">
-            <a:spAutoFit/>
-          </a:bodyPr>
-          <a:lstStyle/>
-          <a:p>
-            <a:r>
-              <a:rPr lang="en-US" altLang="ja-JP" sz="13900" dirty="0">
-                <a:latin typeface="HGSｺﾞｼｯｸE" panose="020B0900000000000000" pitchFamily="50" charset="-128"/>
-                <a:ea typeface="HGSｺﾞｼｯｸE" panose="020B0900000000000000" pitchFamily="50" charset="-128"/>
-              </a:rPr>
-              <a:t>A plan for the future</a:t>
-            </a:r>
-            <a:endParaRPr lang="ja-JP" altLang="en-US" sz="13900" dirty="0">
-              <a:latin typeface="HGSｺﾞｼｯｸE" panose="020B0900000000000000" pitchFamily="50" charset="-128"/>
-              <a:ea typeface="HGSｺﾞｼｯｸE" panose="020B0900000000000000" pitchFamily="50" charset="-128"/>
-            </a:endParaRPr>
-          </a:p>
-        </p:txBody>
-      </p:sp>
+      </p:pic>
       <p:sp>
         <p:nvSpPr>
           <p:cNvPr id="17" name="テキスト ボックス 16"/>
@@ -6985,8 +6981,8 @@
         </p:nvSpPr>
         <p:spPr>
           <a:xfrm>
-            <a:off x="468264" y="8803283"/>
-            <a:ext cx="20643592" cy="5170646"/>
+            <a:off x="442534" y="9451355"/>
+            <a:ext cx="20643592" cy="3139321"/>
           </a:xfrm>
           <a:prstGeom prst="rect">
             <a:avLst/>
@@ -7117,83 +7113,28 @@
                 <a:latin typeface="HGPｺﾞｼｯｸE" panose="020B0900000000000000" pitchFamily="50" charset="-128"/>
                 <a:ea typeface="HGPｺﾞｼｯｸE" panose="020B0900000000000000" pitchFamily="50" charset="-128"/>
               </a:rPr>
-              <a:t>集めた</a:t>
-            </a:r>
-            <a:r>
-              <a:rPr lang="ja-JP" altLang="ja-JP" sz="6600" dirty="0">
+              <a:t>集めたデータ</a:t>
+            </a:r>
+            <a:r>
+              <a:rPr lang="ja-JP" altLang="en-US" sz="6600" dirty="0">
                 <a:latin typeface="HGPｺﾞｼｯｸE" panose="020B0900000000000000" pitchFamily="50" charset="-128"/>
                 <a:ea typeface="HGPｺﾞｼｯｸE" panose="020B0900000000000000" pitchFamily="50" charset="-128"/>
               </a:rPr>
-              <a:t>データから</a:t>
+              <a:t>を</a:t>
             </a:r>
             <a:r>
               <a:rPr lang="ja-JP" altLang="ja-JP" sz="6600" dirty="0" smtClean="0">
                 <a:latin typeface="HGPｺﾞｼｯｸE" panose="020B0900000000000000" pitchFamily="50" charset="-128"/>
                 <a:ea typeface="HGPｺﾞｼｯｸE" panose="020B0900000000000000" pitchFamily="50" charset="-128"/>
               </a:rPr>
-              <a:t>データマイニング</a:t>
+              <a:t>マイニング</a:t>
             </a:r>
             <a:r>
               <a:rPr lang="ja-JP" altLang="en-US" sz="6600" dirty="0" smtClean="0">
                 <a:latin typeface="HGPｺﾞｼｯｸE" panose="020B0900000000000000" pitchFamily="50" charset="-128"/>
                 <a:ea typeface="HGPｺﾞｼｯｸE" panose="020B0900000000000000" pitchFamily="50" charset="-128"/>
               </a:rPr>
-              <a:t>手法を適用する</a:t>
-            </a:r>
-            <a:endParaRPr lang="ja-JP" altLang="ja-JP" sz="6600" dirty="0">
-              <a:latin typeface="HGPｺﾞｼｯｸE" panose="020B0900000000000000" pitchFamily="50" charset="-128"/>
-              <a:ea typeface="HGPｺﾞｼｯｸE" panose="020B0900000000000000" pitchFamily="50" charset="-128"/>
-            </a:endParaRPr>
-          </a:p>
-          <a:p>
-            <a:r>
-              <a:rPr lang="ja-JP" altLang="en-US" sz="6600" dirty="0" smtClean="0">
-                <a:latin typeface="HGPｺﾞｼｯｸE" panose="020B0900000000000000" pitchFamily="50" charset="-128"/>
-                <a:ea typeface="HGPｺﾞｼｯｸE" panose="020B0900000000000000" pitchFamily="50" charset="-128"/>
-              </a:rPr>
-              <a:t>④</a:t>
-            </a:r>
-            <a:r>
-              <a:rPr lang="ja-JP" altLang="ja-JP" sz="6600" dirty="0" smtClean="0">
-                <a:latin typeface="HGPｺﾞｼｯｸE" panose="020B0900000000000000" pitchFamily="50" charset="-128"/>
-                <a:ea typeface="HGPｺﾞｼｯｸE" panose="020B0900000000000000" pitchFamily="50" charset="-128"/>
-              </a:rPr>
-              <a:t>データマイニング</a:t>
-            </a:r>
-            <a:r>
-              <a:rPr lang="ja-JP" altLang="ja-JP" sz="6600" dirty="0">
-                <a:latin typeface="HGPｺﾞｼｯｸE" panose="020B0900000000000000" pitchFamily="50" charset="-128"/>
-                <a:ea typeface="HGPｺﾞｼｯｸE" panose="020B0900000000000000" pitchFamily="50" charset="-128"/>
-              </a:rPr>
-              <a:t>を行った</a:t>
-            </a:r>
-            <a:r>
-              <a:rPr lang="ja-JP" altLang="ja-JP" sz="6600" dirty="0" smtClean="0">
-                <a:latin typeface="HGPｺﾞｼｯｸE" panose="020B0900000000000000" pitchFamily="50" charset="-128"/>
-                <a:ea typeface="HGPｺﾞｼｯｸE" panose="020B0900000000000000" pitchFamily="50" charset="-128"/>
-              </a:rPr>
-              <a:t>結果</a:t>
-            </a:r>
-            <a:r>
-              <a:rPr lang="ja-JP" altLang="en-US" sz="6600" dirty="0" smtClean="0">
-                <a:latin typeface="HGPｺﾞｼｯｸE" panose="020B0900000000000000" pitchFamily="50" charset="-128"/>
-                <a:ea typeface="HGPｺﾞｼｯｸE" panose="020B0900000000000000" pitchFamily="50" charset="-128"/>
-              </a:rPr>
-              <a:t>からプロジェクトで活用</a:t>
-            </a:r>
-            <a:r>
-              <a:rPr lang="ja-JP" altLang="ja-JP" sz="6600" dirty="0" smtClean="0">
-                <a:latin typeface="HGPｺﾞｼｯｸE" panose="020B0900000000000000" pitchFamily="50" charset="-128"/>
-                <a:ea typeface="HGPｺﾞｼｯｸE" panose="020B0900000000000000" pitchFamily="50" charset="-128"/>
-              </a:rPr>
               <a:t>する</a:t>
-            </a:r>
-            <a:r>
-              <a:rPr lang="ja-JP" altLang="en-US" sz="6600" dirty="0" smtClean="0">
-                <a:latin typeface="HGPｺﾞｼｯｸE" panose="020B0900000000000000" pitchFamily="50" charset="-128"/>
-                <a:ea typeface="HGPｺﾞｼｯｸE" panose="020B0900000000000000" pitchFamily="50" charset="-128"/>
-              </a:rPr>
-              <a:t>方法について考察をする</a:t>
             </a:r>
             <a:endParaRPr lang="en-US" altLang="ja-JP" sz="6600" dirty="0" smtClean="0">
               <a:latin typeface="HGPｺﾞｼｯｸE" panose="020B0900000000000000" pitchFamily="50" charset="-128"/>
@@ -7202,186 +7143,6 @@
           </a:p>
         </p:txBody>
       </p:sp>
-      <p:graphicFrame>
-        <p:nvGraphicFramePr>
-          <p:cNvPr id="20" name="表 19"/>
-          <p:cNvGraphicFramePr>
-            <a:graphicFrameLocks noGrp="1"/>
-          </p:cNvGraphicFramePr>
-          <p:nvPr>
-            <p:extLst>
-              <p:ext uri="{D42A27DB-BD31-4B8C-83A1-F6EECF244321}">
-                <p14:modId xmlns:p14="http://schemas.microsoft.com/office/powerpoint/2010/main" val="3807907995"/>
-              </p:ext>
-            </p:extLst>
-          </p:nvPr>
-        </p:nvGraphicFramePr>
-        <p:xfrm>
-          <a:off x="396261" y="26380051"/>
-          <a:ext cx="20652152" cy="3017520"/>
-        </p:xfrm>
-        <a:graphic>
-          <a:graphicData uri="http://schemas.openxmlformats.org/drawingml/2006/table">
-            <a:tbl>
-              <a:tblPr firstRow="1" firstCol="1" bandRow="1">
-                <a:tableStyleId>{5940675A-B579-460E-94D1-54222C63F5DA}</a:tableStyleId>
-              </a:tblPr>
-              <a:tblGrid>
-                <a:gridCol w="8136899"/>
-                <a:gridCol w="12515253"/>
-              </a:tblGrid>
-              <a:tr h="936104">
-                <a:tc>
-                  <a:txBody>
-                    <a:bodyPr/>
-                    <a:lstStyle/>
-                    <a:p>
-                      <a:pPr algn="just">
-                        <a:spcAft>
-                          <a:spcPts val="0"/>
-                        </a:spcAft>
-                      </a:pPr>
-                      <a:r>
-                        <a:rPr lang="ja-JP" sz="6600" kern="0" dirty="0">
-                          <a:effectLst/>
-                          <a:latin typeface="HGPｺﾞｼｯｸE" panose="020B0900000000000000" pitchFamily="50" charset="-128"/>
-                          <a:ea typeface="HGPｺﾞｼｯｸE" panose="020B0900000000000000" pitchFamily="50" charset="-128"/>
-                        </a:rPr>
-                        <a:t>日程</a:t>
-                      </a:r>
-                      <a:endParaRPr lang="ja-JP" sz="6600" kern="100" dirty="0">
-                        <a:effectLst/>
-                        <a:latin typeface="HGPｺﾞｼｯｸE" panose="020B0900000000000000" pitchFamily="50" charset="-128"/>
-                        <a:ea typeface="HGPｺﾞｼｯｸE" panose="020B0900000000000000" pitchFamily="50" charset="-128"/>
-                        <a:cs typeface="Times New Roman"/>
-                      </a:endParaRPr>
-                    </a:p>
-                  </a:txBody>
-                  <a:tcPr marL="68580" marR="68580" marT="0" marB="0"/>
-                </a:tc>
-                <a:tc>
-                  <a:txBody>
-                    <a:bodyPr/>
-                    <a:lstStyle/>
-                    <a:p>
-                      <a:pPr algn="just">
-                        <a:spcAft>
-                          <a:spcPts val="0"/>
-                        </a:spcAft>
-                      </a:pPr>
-                      <a:r>
-                        <a:rPr lang="ja-JP" sz="6600" kern="0" dirty="0">
-                          <a:effectLst/>
-                          <a:latin typeface="HGPｺﾞｼｯｸE" panose="020B0900000000000000" pitchFamily="50" charset="-128"/>
-                          <a:ea typeface="HGPｺﾞｼｯｸE" panose="020B0900000000000000" pitchFamily="50" charset="-128"/>
-                        </a:rPr>
-                        <a:t>研究内容</a:t>
-                      </a:r>
-                      <a:endParaRPr lang="ja-JP" sz="6600" kern="100" dirty="0">
-                        <a:effectLst/>
-                        <a:latin typeface="HGPｺﾞｼｯｸE" panose="020B0900000000000000" pitchFamily="50" charset="-128"/>
-                        <a:ea typeface="HGPｺﾞｼｯｸE" panose="020B0900000000000000" pitchFamily="50" charset="-128"/>
-                        <a:cs typeface="Times New Roman"/>
-                      </a:endParaRPr>
-                    </a:p>
-                  </a:txBody>
-                  <a:tcPr marL="68580" marR="68580" marT="0" marB="0"/>
-                </a:tc>
-              </a:tr>
-              <a:tr h="936104">
-                <a:tc>
-                  <a:txBody>
-                    <a:bodyPr/>
-                    <a:lstStyle/>
-                    <a:p>
-                      <a:pPr algn="just">
-                        <a:spcAft>
-                          <a:spcPts val="0"/>
-                        </a:spcAft>
-                      </a:pPr>
-                      <a:r>
-                        <a:rPr lang="en-US" sz="6600" kern="0" dirty="0" smtClean="0">
-                          <a:effectLst/>
-                          <a:latin typeface="HGPｺﾞｼｯｸE" panose="020B0900000000000000" pitchFamily="50" charset="-128"/>
-                          <a:ea typeface="HGPｺﾞｼｯｸE" panose="020B0900000000000000" pitchFamily="50" charset="-128"/>
-                        </a:rPr>
-                        <a:t>12/16</a:t>
-                      </a:r>
-                      <a:r>
-                        <a:rPr lang="ja-JP" altLang="en-US" sz="6600" kern="0" dirty="0" smtClean="0">
-                          <a:effectLst/>
-                          <a:latin typeface="HGPｺﾞｼｯｸE" panose="020B0900000000000000" pitchFamily="50" charset="-128"/>
-                          <a:ea typeface="HGPｺﾞｼｯｸE" panose="020B0900000000000000" pitchFamily="50" charset="-128"/>
-                        </a:rPr>
-                        <a:t>～</a:t>
-                      </a:r>
-                      <a:r>
-                        <a:rPr lang="en-US" sz="6600" kern="0" dirty="0" smtClean="0">
-                          <a:effectLst/>
-                          <a:latin typeface="HGPｺﾞｼｯｸE" panose="020B0900000000000000" pitchFamily="50" charset="-128"/>
-                          <a:ea typeface="HGPｺﾞｼｯｸE" panose="020B0900000000000000" pitchFamily="50" charset="-128"/>
-                        </a:rPr>
-                        <a:t>12/20</a:t>
-                      </a:r>
-                      <a:endParaRPr lang="ja-JP" sz="6600" kern="100" dirty="0">
-                        <a:effectLst/>
-                        <a:latin typeface="HGPｺﾞｼｯｸE" panose="020B0900000000000000" pitchFamily="50" charset="-128"/>
-                        <a:ea typeface="HGPｺﾞｼｯｸE" panose="020B0900000000000000" pitchFamily="50" charset="-128"/>
-                        <a:cs typeface="Times New Roman"/>
-                      </a:endParaRPr>
-                    </a:p>
-                  </a:txBody>
-                  <a:tcPr marL="68580" marR="68580" marT="0" marB="0"/>
-                </a:tc>
-                <a:tc>
-                  <a:txBody>
-                    <a:bodyPr/>
-                    <a:lstStyle/>
-                    <a:p>
-                      <a:pPr algn="just">
-                        <a:spcAft>
-                          <a:spcPts val="0"/>
-                        </a:spcAft>
-                      </a:pPr>
-                      <a:r>
-                        <a:rPr lang="ja-JP" altLang="en-US" sz="6600" kern="0" dirty="0" smtClean="0">
-                          <a:effectLst/>
-                          <a:latin typeface="HGPｺﾞｼｯｸE" panose="020B0900000000000000" pitchFamily="50" charset="-128"/>
-                          <a:ea typeface="HGPｺﾞｼｯｸE" panose="020B0900000000000000" pitchFamily="50" charset="-128"/>
-                        </a:rPr>
-                        <a:t>④</a:t>
-                      </a:r>
-                      <a:r>
-                        <a:rPr lang="ja-JP" sz="6600" kern="0" dirty="0" smtClean="0">
-                          <a:effectLst/>
-                          <a:latin typeface="HGPｺﾞｼｯｸE" panose="020B0900000000000000" pitchFamily="50" charset="-128"/>
-                          <a:ea typeface="HGPｺﾞｼｯｸE" panose="020B0900000000000000" pitchFamily="50" charset="-128"/>
-                        </a:rPr>
-                        <a:t>データマイニング</a:t>
-                      </a:r>
-                      <a:r>
-                        <a:rPr lang="ja-JP" sz="6600" kern="0" dirty="0">
-                          <a:effectLst/>
-                          <a:latin typeface="HGPｺﾞｼｯｸE" panose="020B0900000000000000" pitchFamily="50" charset="-128"/>
-                          <a:ea typeface="HGPｺﾞｼｯｸE" panose="020B0900000000000000" pitchFamily="50" charset="-128"/>
-                        </a:rPr>
-                        <a:t>を行った結果が有効か検討する</a:t>
-                      </a:r>
-                      <a:endParaRPr lang="ja-JP" sz="6600" kern="100" dirty="0">
-                        <a:effectLst/>
-                        <a:latin typeface="HGPｺﾞｼｯｸE" panose="020B0900000000000000" pitchFamily="50" charset="-128"/>
-                        <a:ea typeface="HGPｺﾞｼｯｸE" panose="020B0900000000000000" pitchFamily="50" charset="-128"/>
-                        <a:cs typeface="Times New Roman"/>
-                      </a:endParaRPr>
-                    </a:p>
-                  </a:txBody>
-                  <a:tcPr marL="68580" marR="68580" marT="0" marB="0"/>
-                </a:tc>
-              </a:tr>
-            </a:tbl>
-          </a:graphicData>
-        </a:graphic>
-      </p:graphicFrame>
       <p:sp>
         <p:nvSpPr>
           <p:cNvPr id="22" name="テキスト ボックス 21"/>
@@ -7390,7 +7151,7 @@
         </p:nvSpPr>
         <p:spPr>
           <a:xfrm>
-            <a:off x="540055" y="14131875"/>
+            <a:off x="415671" y="19677389"/>
             <a:ext cx="13285659" cy="2231350"/>
           </a:xfrm>
           <a:prstGeom prst="rect">
@@ -7454,7 +7215,7 @@
         </p:nvSpPr>
         <p:spPr>
           <a:xfrm>
-            <a:off x="356674" y="522363"/>
+            <a:off x="396256" y="379245"/>
             <a:ext cx="13232561" cy="2231350"/>
           </a:xfrm>
           <a:prstGeom prst="rect">
@@ -7505,69 +7266,550 @@
       </p:sp>
       <p:sp>
         <p:nvSpPr>
-          <p:cNvPr id="24" name="テキスト ボックス 23"/>
+          <p:cNvPr id="3" name="テキスト ボックス 2"/>
           <p:cNvSpPr txBox="1"/>
           <p:nvPr/>
         </p:nvSpPr>
-        <p:spPr bwMode="auto">
+        <p:spPr>
           <a:xfrm>
-            <a:off x="356673" y="3402683"/>
-            <a:ext cx="20691741" cy="2123628"/>
+            <a:off x="12782049" y="28716842"/>
+            <a:ext cx="6840760" cy="584775"/>
           </a:xfrm>
           <a:prstGeom prst="rect">
             <a:avLst/>
           </a:prstGeom>
           <a:noFill/>
-          <a:ln w="25400">
+        </p:spPr>
+        <p:txBody>
+          <a:bodyPr wrap="square" rtlCol="0">
+            <a:spAutoFit/>
+          </a:bodyPr>
+          <a:lstStyle/>
+          <a:p>
+            <a:pPr algn="ctr"/>
+            <a:r>
+              <a:rPr kumimoji="1" lang="ja-JP" altLang="en-US" sz="3200" dirty="0" smtClean="0"/>
+              <a:t>自己組織化マップ</a:t>
+            </a:r>
+            <a:endParaRPr kumimoji="1" lang="ja-JP" altLang="en-US" sz="3200" dirty="0"/>
+          </a:p>
+        </p:txBody>
+      </p:sp>
+      <p:sp>
+        <p:nvSpPr>
+          <p:cNvPr id="9" name="正方形/長方形 8"/>
+          <p:cNvSpPr/>
+          <p:nvPr/>
+        </p:nvSpPr>
+        <p:spPr>
+          <a:xfrm>
+            <a:off x="499524" y="13218998"/>
+            <a:ext cx="17970739" cy="984885"/>
+          </a:xfrm>
+          <a:prstGeom prst="rect">
+            <a:avLst/>
+          </a:prstGeom>
+        </p:spPr>
+        <p:txBody>
+          <a:bodyPr wrap="square">
+            <a:spAutoFit/>
+          </a:bodyPr>
+          <a:lstStyle/>
+          <a:p>
+            <a:r>
+              <a:rPr lang="ja-JP" altLang="en-US" dirty="0">
+                <a:latin typeface="HGPｺﾞｼｯｸE" panose="020B0900000000000000" pitchFamily="50" charset="-128"/>
+                <a:ea typeface="HGPｺﾞｼｯｸE" panose="020B0900000000000000" pitchFamily="50" charset="-128"/>
+              </a:rPr>
+              <a:t>自己組織化マップ（</a:t>
+            </a:r>
+            <a:r>
+              <a:rPr lang="en-US" altLang="ja-JP" dirty="0">
+                <a:latin typeface="HGPｺﾞｼｯｸE" panose="020B0900000000000000" pitchFamily="50" charset="-128"/>
+                <a:ea typeface="HGPｺﾞｼｯｸE" panose="020B0900000000000000" pitchFamily="50" charset="-128"/>
+              </a:rPr>
+              <a:t>SOM</a:t>
+            </a:r>
+            <a:r>
+              <a:rPr lang="ja-JP" altLang="en-US" dirty="0">
+                <a:latin typeface="HGPｺﾞｼｯｸE" panose="020B0900000000000000" pitchFamily="50" charset="-128"/>
+                <a:ea typeface="HGPｺﾞｼｯｸE" panose="020B0900000000000000" pitchFamily="50" charset="-128"/>
+              </a:rPr>
+              <a:t>： </a:t>
+            </a:r>
+            <a:r>
+              <a:rPr lang="en-US" altLang="ja-JP" dirty="0">
+                <a:latin typeface="HGPｺﾞｼｯｸE" panose="020B0900000000000000" pitchFamily="50" charset="-128"/>
+                <a:ea typeface="HGPｺﾞｼｯｸE" panose="020B0900000000000000" pitchFamily="50" charset="-128"/>
+              </a:rPr>
+              <a:t>Self-Organizing Maps</a:t>
+            </a:r>
+            <a:r>
+              <a:rPr lang="ja-JP" altLang="en-US" dirty="0" smtClean="0">
+                <a:latin typeface="HGPｺﾞｼｯｸE" panose="020B0900000000000000" pitchFamily="50" charset="-128"/>
+                <a:ea typeface="HGPｺﾞｼｯｸE" panose="020B0900000000000000" pitchFamily="50" charset="-128"/>
+              </a:rPr>
+              <a:t>）</a:t>
+            </a:r>
+            <a:r>
+              <a:rPr lang="ja-JP" altLang="en-US" dirty="0">
+                <a:latin typeface="HGPｺﾞｼｯｸE" panose="020B0900000000000000" pitchFamily="50" charset="-128"/>
+                <a:ea typeface="HGPｺﾞｼｯｸE" panose="020B0900000000000000" pitchFamily="50" charset="-128"/>
+              </a:rPr>
+              <a:t>　</a:t>
+            </a:r>
+            <a:r>
+              <a:rPr lang="ja-JP" altLang="en-US" dirty="0" smtClean="0">
+                <a:latin typeface="HGPｺﾞｼｯｸE" panose="020B0900000000000000" pitchFamily="50" charset="-128"/>
+                <a:ea typeface="HGPｺﾞｼｯｸE" panose="020B0900000000000000" pitchFamily="50" charset="-128"/>
+              </a:rPr>
+              <a:t>とは？</a:t>
+            </a:r>
+            <a:endParaRPr lang="en-US" altLang="ja-JP" dirty="0" smtClean="0">
+              <a:latin typeface="HGPｺﾞｼｯｸE" panose="020B0900000000000000" pitchFamily="50" charset="-128"/>
+              <a:ea typeface="HGPｺﾞｼｯｸE" panose="020B0900000000000000" pitchFamily="50" charset="-128"/>
+            </a:endParaRPr>
+          </a:p>
+        </p:txBody>
+      </p:sp>
+      <p:sp>
+        <p:nvSpPr>
+          <p:cNvPr id="10" name="角丸四角形 9"/>
+          <p:cNvSpPr/>
+          <p:nvPr/>
+        </p:nvSpPr>
+        <p:spPr>
+          <a:xfrm>
+            <a:off x="211148" y="15356011"/>
+            <a:ext cx="10122212" cy="3744416"/>
+          </a:xfrm>
+          <a:prstGeom prst="roundRect">
+            <a:avLst/>
+          </a:prstGeom>
+          <a:solidFill>
+            <a:schemeClr val="bg1"/>
+          </a:solidFill>
+          <a:ln>
             <a:solidFill>
               <a:schemeClr val="tx1"/>
             </a:solidFill>
           </a:ln>
         </p:spPr>
-        <p:txBody>
-          <a:bodyPr wrap="square" lIns="91414" tIns="45705" rIns="91414" bIns="45705" rtlCol="0">
+        <p:style>
+          <a:lnRef idx="2">
+            <a:schemeClr val="accent1">
+              <a:shade val="50000"/>
+            </a:schemeClr>
+          </a:lnRef>
+          <a:fillRef idx="1">
+            <a:schemeClr val="accent1"/>
+          </a:fillRef>
+          <a:effectRef idx="0">
+            <a:schemeClr val="accent1"/>
+          </a:effectRef>
+          <a:fontRef idx="minor">
+            <a:schemeClr val="lt1"/>
+          </a:fontRef>
+        </p:style>
+        <p:txBody>
+          <a:bodyPr rtlCol="0" anchor="ctr"/>
+          <a:lstStyle/>
+          <a:p>
+            <a:pPr algn="ctr"/>
+            <a:r>
+              <a:rPr lang="ja-JP" altLang="en-US" dirty="0">
+                <a:solidFill>
+                  <a:schemeClr val="tx1"/>
+                </a:solidFill>
+                <a:latin typeface="HGPｺﾞｼｯｸE" panose="020B0900000000000000" pitchFamily="50" charset="-128"/>
+                <a:ea typeface="HGPｺﾞｼｯｸE" panose="020B0900000000000000" pitchFamily="50" charset="-128"/>
+              </a:rPr>
+              <a:t>表</a:t>
+            </a:r>
+            <a:r>
+              <a:rPr lang="ja-JP" altLang="en-US" dirty="0" smtClean="0">
+                <a:solidFill>
+                  <a:schemeClr val="tx1"/>
+                </a:solidFill>
+                <a:latin typeface="HGPｺﾞｼｯｸE" panose="020B0900000000000000" pitchFamily="50" charset="-128"/>
+                <a:ea typeface="HGPｺﾞｼｯｸE" panose="020B0900000000000000" pitchFamily="50" charset="-128"/>
+              </a:rPr>
+              <a:t>だけ見ていても分かりにくい</a:t>
+            </a:r>
+            <a:endParaRPr lang="en-US" altLang="ja-JP" dirty="0" smtClean="0">
+              <a:solidFill>
+                <a:schemeClr val="tx1"/>
+              </a:solidFill>
+              <a:latin typeface="HGPｺﾞｼｯｸE" panose="020B0900000000000000" pitchFamily="50" charset="-128"/>
+              <a:ea typeface="HGPｺﾞｼｯｸE" panose="020B0900000000000000" pitchFamily="50" charset="-128"/>
+            </a:endParaRPr>
+          </a:p>
+          <a:p>
+            <a:pPr algn="ctr"/>
+            <a:r>
+              <a:rPr lang="ja-JP" altLang="en-US" dirty="0" smtClean="0">
+                <a:solidFill>
+                  <a:schemeClr val="tx1"/>
+                </a:solidFill>
+                <a:latin typeface="HGPｺﾞｼｯｸE" panose="020B0900000000000000" pitchFamily="50" charset="-128"/>
+                <a:ea typeface="HGPｺﾞｼｯｸE" panose="020B0900000000000000" pitchFamily="50" charset="-128"/>
+              </a:rPr>
+              <a:t>データ</a:t>
+            </a:r>
+            <a:endParaRPr kumimoji="1" lang="ja-JP" altLang="en-US" dirty="0">
+              <a:solidFill>
+                <a:schemeClr val="tx1"/>
+              </a:solidFill>
+              <a:latin typeface="HGPｺﾞｼｯｸE" panose="020B0900000000000000" pitchFamily="50" charset="-128"/>
+              <a:ea typeface="HGPｺﾞｼｯｸE" panose="020B0900000000000000" pitchFamily="50" charset="-128"/>
+            </a:endParaRPr>
+          </a:p>
+        </p:txBody>
+      </p:sp>
+      <p:sp>
+        <p:nvSpPr>
+          <p:cNvPr id="18" name="角丸四角形 17"/>
+          <p:cNvSpPr/>
+          <p:nvPr/>
+        </p:nvSpPr>
+        <p:spPr>
+          <a:xfrm>
+            <a:off x="12782049" y="15356011"/>
+            <a:ext cx="8434592" cy="3744416"/>
+          </a:xfrm>
+          <a:prstGeom prst="roundRect">
+            <a:avLst/>
+          </a:prstGeom>
+          <a:solidFill>
+            <a:schemeClr val="bg1"/>
+          </a:solidFill>
+          <a:ln>
+            <a:solidFill>
+              <a:schemeClr val="tx1"/>
+            </a:solidFill>
+          </a:ln>
+        </p:spPr>
+        <p:style>
+          <a:lnRef idx="2">
+            <a:schemeClr val="accent1">
+              <a:shade val="50000"/>
+            </a:schemeClr>
+          </a:lnRef>
+          <a:fillRef idx="1">
+            <a:schemeClr val="accent1"/>
+          </a:fillRef>
+          <a:effectRef idx="0">
+            <a:schemeClr val="accent1"/>
+          </a:effectRef>
+          <a:fontRef idx="minor">
+            <a:schemeClr val="lt1"/>
+          </a:fontRef>
+        </p:style>
+        <p:txBody>
+          <a:bodyPr rtlCol="0" anchor="ctr"/>
+          <a:lstStyle/>
+          <a:p>
+            <a:pPr algn="ctr"/>
+            <a:r>
+              <a:rPr kumimoji="1" lang="ja-JP" altLang="en-US" dirty="0" smtClean="0">
+                <a:solidFill>
+                  <a:schemeClr val="tx1"/>
+                </a:solidFill>
+                <a:latin typeface="HGPｺﾞｼｯｸE" panose="020B0900000000000000" pitchFamily="50" charset="-128"/>
+                <a:ea typeface="HGPｺﾞｼｯｸE" panose="020B0900000000000000" pitchFamily="50" charset="-128"/>
+              </a:rPr>
+              <a:t>視覚的にわかりやすい</a:t>
+            </a:r>
+            <a:endParaRPr kumimoji="1" lang="en-US" altLang="ja-JP" dirty="0" smtClean="0">
+              <a:solidFill>
+                <a:schemeClr val="tx1"/>
+              </a:solidFill>
+              <a:latin typeface="HGPｺﾞｼｯｸE" panose="020B0900000000000000" pitchFamily="50" charset="-128"/>
+              <a:ea typeface="HGPｺﾞｼｯｸE" panose="020B0900000000000000" pitchFamily="50" charset="-128"/>
+            </a:endParaRPr>
+          </a:p>
+          <a:p>
+            <a:pPr algn="ctr"/>
+            <a:r>
+              <a:rPr kumimoji="1" lang="ja-JP" altLang="en-US" dirty="0" smtClean="0">
+                <a:solidFill>
+                  <a:schemeClr val="tx1"/>
+                </a:solidFill>
+                <a:latin typeface="HGPｺﾞｼｯｸE" panose="020B0900000000000000" pitchFamily="50" charset="-128"/>
+                <a:ea typeface="HGPｺﾞｼｯｸE" panose="020B0900000000000000" pitchFamily="50" charset="-128"/>
+              </a:rPr>
+              <a:t>データ</a:t>
+            </a:r>
+            <a:endParaRPr kumimoji="1" lang="ja-JP" altLang="en-US" dirty="0">
+              <a:solidFill>
+                <a:schemeClr val="tx1"/>
+              </a:solidFill>
+              <a:latin typeface="HGPｺﾞｼｯｸE" panose="020B0900000000000000" pitchFamily="50" charset="-128"/>
+              <a:ea typeface="HGPｺﾞｼｯｸE" panose="020B0900000000000000" pitchFamily="50" charset="-128"/>
+            </a:endParaRPr>
+          </a:p>
+        </p:txBody>
+      </p:sp>
+      <p:sp>
+        <p:nvSpPr>
+          <p:cNvPr id="29" name="下カーブ矢印 28"/>
+          <p:cNvSpPr/>
+          <p:nvPr/>
+        </p:nvSpPr>
+        <p:spPr>
+          <a:xfrm>
+            <a:off x="9247941" y="14516305"/>
+            <a:ext cx="5549915" cy="1679411"/>
+          </a:xfrm>
+          <a:prstGeom prst="curvedDownArrow">
+            <a:avLst>
+              <a:gd name="adj1" fmla="val 25000"/>
+              <a:gd name="adj2" fmla="val 83753"/>
+              <a:gd name="adj3" fmla="val 25000"/>
+            </a:avLst>
+          </a:prstGeom>
+          <a:solidFill>
+            <a:srgbClr val="B25444"/>
+          </a:solidFill>
+          <a:ln>
+            <a:solidFill>
+              <a:schemeClr val="tx1"/>
+            </a:solidFill>
+          </a:ln>
+        </p:spPr>
+        <p:style>
+          <a:lnRef idx="2">
+            <a:schemeClr val="accent1">
+              <a:shade val="50000"/>
+            </a:schemeClr>
+          </a:lnRef>
+          <a:fillRef idx="1">
+            <a:schemeClr val="accent1"/>
+          </a:fillRef>
+          <a:effectRef idx="0">
+            <a:schemeClr val="accent1"/>
+          </a:effectRef>
+          <a:fontRef idx="minor">
+            <a:schemeClr val="lt1"/>
+          </a:fontRef>
+        </p:style>
+        <p:txBody>
+          <a:bodyPr rtlCol="0" anchor="ctr"/>
+          <a:lstStyle/>
+          <a:p>
+            <a:pPr algn="ctr"/>
+            <a:endParaRPr kumimoji="1" lang="ja-JP" altLang="en-US" dirty="0">
+              <a:solidFill>
+                <a:schemeClr val="tx1"/>
+              </a:solidFill>
+            </a:endParaRPr>
+          </a:p>
+        </p:txBody>
+      </p:sp>
+      <p:sp>
+        <p:nvSpPr>
+          <p:cNvPr id="2053" name="雲 2052"/>
+          <p:cNvSpPr/>
+          <p:nvPr/>
+        </p:nvSpPr>
+        <p:spPr>
+          <a:xfrm>
+            <a:off x="128284" y="2658212"/>
+            <a:ext cx="8405491" cy="4104456"/>
+          </a:xfrm>
+          <a:prstGeom prst="cloud">
+            <a:avLst/>
+          </a:prstGeom>
+          <a:solidFill>
+            <a:schemeClr val="accent4">
+              <a:lumMod val="20000"/>
+              <a:lumOff val="80000"/>
+            </a:schemeClr>
+          </a:solidFill>
+          <a:ln>
+            <a:solidFill>
+              <a:schemeClr val="tx1"/>
+            </a:solidFill>
+          </a:ln>
+        </p:spPr>
+        <p:style>
+          <a:lnRef idx="2">
+            <a:schemeClr val="accent1">
+              <a:shade val="50000"/>
+            </a:schemeClr>
+          </a:lnRef>
+          <a:fillRef idx="1">
+            <a:schemeClr val="accent1"/>
+          </a:fillRef>
+          <a:effectRef idx="0">
+            <a:schemeClr val="accent1"/>
+          </a:effectRef>
+          <a:fontRef idx="minor">
+            <a:schemeClr val="lt1"/>
+          </a:fontRef>
+        </p:style>
+        <p:txBody>
+          <a:bodyPr rtlCol="0" anchor="ctr"/>
+          <a:lstStyle/>
+          <a:p>
+            <a:pPr algn="ctr"/>
+            <a:endParaRPr kumimoji="1" lang="ja-JP" altLang="en-US" dirty="0">
+              <a:solidFill>
+                <a:schemeClr val="tx1"/>
+              </a:solidFill>
+            </a:endParaRPr>
+          </a:p>
+        </p:txBody>
+      </p:sp>
+      <p:sp>
+        <p:nvSpPr>
+          <p:cNvPr id="36" name="円/楕円 35"/>
+          <p:cNvSpPr/>
+          <p:nvPr/>
+        </p:nvSpPr>
+        <p:spPr>
+          <a:xfrm>
+            <a:off x="13320159" y="1602483"/>
+            <a:ext cx="7358372" cy="6391964"/>
+          </a:xfrm>
+          <a:prstGeom prst="ellipse">
+            <a:avLst/>
+          </a:prstGeom>
+          <a:solidFill>
+            <a:schemeClr val="bg1">
+              <a:lumMod val="85000"/>
+            </a:schemeClr>
+          </a:solidFill>
+          <a:ln>
+            <a:solidFill>
+              <a:schemeClr val="tx1"/>
+            </a:solidFill>
+          </a:ln>
+        </p:spPr>
+        <p:style>
+          <a:lnRef idx="2">
+            <a:schemeClr val="accent1">
+              <a:shade val="50000"/>
+            </a:schemeClr>
+          </a:lnRef>
+          <a:fillRef idx="1">
+            <a:schemeClr val="accent1"/>
+          </a:fillRef>
+          <a:effectRef idx="0">
+            <a:schemeClr val="accent1"/>
+          </a:effectRef>
+          <a:fontRef idx="minor">
+            <a:schemeClr val="lt1"/>
+          </a:fontRef>
+        </p:style>
+        <p:txBody>
+          <a:bodyPr rtlCol="0" anchor="ctr"/>
+          <a:lstStyle/>
+          <a:p>
+            <a:pPr algn="ctr"/>
+            <a:r>
+              <a:rPr lang="ja-JP" altLang="en-US" dirty="0">
+                <a:solidFill>
+                  <a:schemeClr val="tx1"/>
+                </a:solidFill>
+              </a:rPr>
+              <a:t>プロジェクト</a:t>
+            </a:r>
+            <a:endParaRPr kumimoji="1" lang="ja-JP" altLang="en-US" dirty="0">
+              <a:solidFill>
+                <a:schemeClr val="tx1"/>
+              </a:solidFill>
+            </a:endParaRPr>
+          </a:p>
+        </p:txBody>
+      </p:sp>
+      <p:sp>
+        <p:nvSpPr>
+          <p:cNvPr id="2052" name="左矢印 2051"/>
+          <p:cNvSpPr/>
+          <p:nvPr/>
+        </p:nvSpPr>
+        <p:spPr>
+          <a:xfrm>
+            <a:off x="7521291" y="3186659"/>
+            <a:ext cx="6570806" cy="3024336"/>
+          </a:xfrm>
+          <a:prstGeom prst="leftArrow">
+            <a:avLst/>
+          </a:prstGeom>
+          <a:solidFill>
+            <a:schemeClr val="bg1"/>
+          </a:solidFill>
+          <a:ln>
+            <a:solidFill>
+              <a:schemeClr val="tx1"/>
+            </a:solidFill>
+          </a:ln>
+        </p:spPr>
+        <p:style>
+          <a:lnRef idx="2">
+            <a:schemeClr val="accent1">
+              <a:shade val="50000"/>
+            </a:schemeClr>
+          </a:lnRef>
+          <a:fillRef idx="1">
+            <a:schemeClr val="accent1"/>
+          </a:fillRef>
+          <a:effectRef idx="0">
+            <a:schemeClr val="accent1"/>
+          </a:effectRef>
+          <a:fontRef idx="minor">
+            <a:schemeClr val="lt1"/>
+          </a:fontRef>
+        </p:style>
+        <p:txBody>
+          <a:bodyPr rtlCol="0" anchor="ctr"/>
+          <a:lstStyle/>
+          <a:p>
+            <a:pPr algn="ctr"/>
+            <a:r>
+              <a:rPr lang="ja-JP" altLang="en-US" dirty="0" smtClean="0">
+                <a:solidFill>
+                  <a:schemeClr val="tx1"/>
+                </a:solidFill>
+              </a:rPr>
+              <a:t>ヒト・モノ・情報の調達</a:t>
+            </a:r>
+            <a:endParaRPr kumimoji="1" lang="ja-JP" altLang="en-US" dirty="0">
+              <a:solidFill>
+                <a:schemeClr val="tx1"/>
+              </a:solidFill>
+            </a:endParaRPr>
+          </a:p>
+        </p:txBody>
+      </p:sp>
+      <p:sp>
+        <p:nvSpPr>
+          <p:cNvPr id="2054" name="テキスト ボックス 2053"/>
+          <p:cNvSpPr txBox="1"/>
+          <p:nvPr/>
+        </p:nvSpPr>
+        <p:spPr>
+          <a:xfrm>
+            <a:off x="1578826" y="4217998"/>
+            <a:ext cx="5912199" cy="984885"/>
+          </a:xfrm>
+          <a:prstGeom prst="rect">
+            <a:avLst/>
+          </a:prstGeom>
+          <a:noFill/>
+        </p:spPr>
+        <p:txBody>
+          <a:bodyPr wrap="square" rtlCol="0">
             <a:spAutoFit/>
           </a:bodyPr>
           <a:lstStyle/>
           <a:p>
             <a:r>
-              <a:rPr lang="ja-JP" altLang="en-US" sz="6600" dirty="0" smtClean="0">
-                <a:latin typeface="HGPｺﾞｼｯｸE" panose="020B0900000000000000" pitchFamily="50" charset="-128"/>
-                <a:ea typeface="HGPｺﾞｼｯｸE" panose="020B0900000000000000" pitchFamily="50" charset="-128"/>
-              </a:rPr>
-              <a:t>ヒト・モノ・情報の調達を行うのにリーダーが</a:t>
-            </a:r>
-            <a:endParaRPr lang="en-US" altLang="ja-JP" sz="6600" dirty="0" smtClean="0">
-              <a:latin typeface="HGPｺﾞｼｯｸE" panose="020B0900000000000000" pitchFamily="50" charset="-128"/>
-              <a:ea typeface="HGPｺﾞｼｯｸE" panose="020B0900000000000000" pitchFamily="50" charset="-128"/>
-            </a:endParaRPr>
-          </a:p>
-          <a:p>
-            <a:r>
-              <a:rPr lang="ja-JP" altLang="en-US" sz="6600" dirty="0" smtClean="0">
-                <a:latin typeface="HGPｺﾞｼｯｸE" panose="020B0900000000000000" pitchFamily="50" charset="-128"/>
-                <a:ea typeface="HGPｺﾞｼｯｸE" panose="020B0900000000000000" pitchFamily="50" charset="-128"/>
-              </a:rPr>
-              <a:t>クラウドソーシングを</a:t>
-            </a:r>
-            <a:r>
-              <a:rPr lang="ja-JP" altLang="en-US" sz="6600" dirty="0">
-                <a:latin typeface="HGPｺﾞｼｯｸE" panose="020B0900000000000000" pitchFamily="50" charset="-128"/>
-                <a:ea typeface="HGPｺﾞｼｯｸE" panose="020B0900000000000000" pitchFamily="50" charset="-128"/>
-              </a:rPr>
-              <a:t>利用</a:t>
-            </a:r>
-            <a:r>
-              <a:rPr lang="ja-JP" altLang="en-US" sz="6600" dirty="0" smtClean="0">
-                <a:latin typeface="HGPｺﾞｼｯｸE" panose="020B0900000000000000" pitchFamily="50" charset="-128"/>
-                <a:ea typeface="HGPｺﾞｼｯｸE" panose="020B0900000000000000" pitchFamily="50" charset="-128"/>
-              </a:rPr>
-              <a:t>するのはとても効率がいい．</a:t>
-            </a:r>
-            <a:endParaRPr kumimoji="1" lang="ja-JP" altLang="en-US" sz="6600" dirty="0">
-              <a:latin typeface="HGPｺﾞｼｯｸE" panose="020B0900000000000000" pitchFamily="50" charset="-128"/>
-              <a:ea typeface="HGPｺﾞｼｯｸE" panose="020B0900000000000000" pitchFamily="50" charset="-128"/>
-            </a:endParaRPr>
+              <a:rPr kumimoji="1" lang="ja-JP" altLang="en-US" dirty="0" smtClean="0"/>
+              <a:t>クラウドソーシング</a:t>
+            </a:r>
+            <a:endParaRPr kumimoji="1" lang="ja-JP" altLang="en-US" dirty="0"/>
           </a:p>
         </p:txBody>
       </p:sp>

--- a/課題研究/2013/渡辺雄大/ポスター.pptx
+++ b/課題研究/2013/渡辺雄大/ポスター.pptx
@@ -193,7 +193,7 @@
           <a:p>
             <a:fld id="{EBDABDDA-217B-40F7-B562-7EFC1E18F5FB}" type="datetimeFigureOut">
               <a:rPr kumimoji="1" lang="ja-JP" altLang="en-US" smtClean="0"/>
-              <a:t>2013/12/11</a:t>
+              <a:t>2013/12/12</a:t>
             </a:fld>
             <a:endParaRPr kumimoji="1" lang="ja-JP" altLang="en-US"/>
           </a:p>
@@ -759,7 +759,7 @@
             <a:fld id="{CD18CB5A-6947-405F-A94A-52FF85729738}" type="datetimeFigureOut">
               <a:rPr kumimoji="1" lang="ja-JP" altLang="en-US" smtClean="0"/>
               <a:pPr/>
-              <a:t>2013/12/11</a:t>
+              <a:t>2013/12/12</a:t>
             </a:fld>
             <a:endParaRPr kumimoji="1" lang="ja-JP" altLang="en-US"/>
           </a:p>
@@ -963,7 +963,7 @@
             <a:fld id="{CD18CB5A-6947-405F-A94A-52FF85729738}" type="datetimeFigureOut">
               <a:rPr kumimoji="1" lang="ja-JP" altLang="en-US" smtClean="0"/>
               <a:pPr/>
-              <a:t>2013/12/11</a:t>
+              <a:t>2013/12/12</a:t>
             </a:fld>
             <a:endParaRPr kumimoji="1" lang="ja-JP" altLang="en-US"/>
           </a:p>
@@ -1177,7 +1177,7 @@
             <a:fld id="{CD18CB5A-6947-405F-A94A-52FF85729738}" type="datetimeFigureOut">
               <a:rPr kumimoji="1" lang="ja-JP" altLang="en-US" smtClean="0"/>
               <a:pPr/>
-              <a:t>2013/12/11</a:t>
+              <a:t>2013/12/12</a:t>
             </a:fld>
             <a:endParaRPr kumimoji="1" lang="ja-JP" altLang="en-US"/>
           </a:p>
@@ -1381,7 +1381,7 @@
             <a:fld id="{CD18CB5A-6947-405F-A94A-52FF85729738}" type="datetimeFigureOut">
               <a:rPr kumimoji="1" lang="ja-JP" altLang="en-US" smtClean="0"/>
               <a:pPr/>
-              <a:t>2013/12/11</a:t>
+              <a:t>2013/12/12</a:t>
             </a:fld>
             <a:endParaRPr kumimoji="1" lang="ja-JP" altLang="en-US"/>
           </a:p>
@@ -1629,7 +1629,7 @@
             <a:fld id="{CD18CB5A-6947-405F-A94A-52FF85729738}" type="datetimeFigureOut">
               <a:rPr kumimoji="1" lang="ja-JP" altLang="en-US" smtClean="0"/>
               <a:pPr/>
-              <a:t>2013/12/11</a:t>
+              <a:t>2013/12/12</a:t>
             </a:fld>
             <a:endParaRPr kumimoji="1" lang="ja-JP" altLang="en-US"/>
           </a:p>
@@ -1983,7 +1983,7 @@
             <a:fld id="{CD18CB5A-6947-405F-A94A-52FF85729738}" type="datetimeFigureOut">
               <a:rPr kumimoji="1" lang="ja-JP" altLang="en-US" smtClean="0"/>
               <a:pPr/>
-              <a:t>2013/12/11</a:t>
+              <a:t>2013/12/12</a:t>
             </a:fld>
             <a:endParaRPr kumimoji="1" lang="ja-JP" altLang="en-US"/>
           </a:p>
@@ -2471,7 +2471,7 @@
             <a:fld id="{CD18CB5A-6947-405F-A94A-52FF85729738}" type="datetimeFigureOut">
               <a:rPr kumimoji="1" lang="ja-JP" altLang="en-US" smtClean="0"/>
               <a:pPr/>
-              <a:t>2013/12/11</a:t>
+              <a:t>2013/12/12</a:t>
             </a:fld>
             <a:endParaRPr kumimoji="1" lang="ja-JP" altLang="en-US"/>
           </a:p>
@@ -2591,7 +2591,7 @@
             <a:fld id="{CD18CB5A-6947-405F-A94A-52FF85729738}" type="datetimeFigureOut">
               <a:rPr kumimoji="1" lang="ja-JP" altLang="en-US" smtClean="0"/>
               <a:pPr/>
-              <a:t>2013/12/11</a:t>
+              <a:t>2013/12/12</a:t>
             </a:fld>
             <a:endParaRPr kumimoji="1" lang="ja-JP" altLang="en-US"/>
           </a:p>
@@ -2688,7 +2688,7 @@
             <a:fld id="{CD18CB5A-6947-405F-A94A-52FF85729738}" type="datetimeFigureOut">
               <a:rPr kumimoji="1" lang="ja-JP" altLang="en-US" smtClean="0"/>
               <a:pPr/>
-              <a:t>2013/12/11</a:t>
+              <a:t>2013/12/12</a:t>
             </a:fld>
             <a:endParaRPr kumimoji="1" lang="ja-JP" altLang="en-US"/>
           </a:p>
@@ -2999,7 +2999,7 @@
             <a:fld id="{CD18CB5A-6947-405F-A94A-52FF85729738}" type="datetimeFigureOut">
               <a:rPr kumimoji="1" lang="ja-JP" altLang="en-US" smtClean="0"/>
               <a:pPr/>
-              <a:t>2013/12/11</a:t>
+              <a:t>2013/12/12</a:t>
             </a:fld>
             <a:endParaRPr kumimoji="1" lang="ja-JP" altLang="en-US"/>
           </a:p>
@@ -3254,7 +3254,7 @@
             <a:fld id="{CD18CB5A-6947-405F-A94A-52FF85729738}" type="datetimeFigureOut">
               <a:rPr kumimoji="1" lang="ja-JP" altLang="en-US" smtClean="0"/>
               <a:pPr/>
-              <a:t>2013/12/11</a:t>
+              <a:t>2013/12/12</a:t>
             </a:fld>
             <a:endParaRPr kumimoji="1" lang="ja-JP" altLang="en-US"/>
           </a:p>
@@ -3501,7 +3501,7 @@
             <a:fld id="{CD18CB5A-6947-405F-A94A-52FF85729738}" type="datetimeFigureOut">
               <a:rPr kumimoji="1" lang="ja-JP" altLang="en-US" smtClean="0"/>
               <a:pPr/>
-              <a:t>2013/12/11</a:t>
+              <a:t>2013/12/12</a:t>
             </a:fld>
             <a:endParaRPr kumimoji="1" lang="ja-JP" altLang="en-US"/>
           </a:p>
@@ -5540,7 +5540,7 @@
         </p:nvSpPr>
         <p:spPr>
           <a:xfrm>
-            <a:off x="58328" y="13893726"/>
+            <a:off x="58328" y="14059867"/>
             <a:ext cx="12579288" cy="7349038"/>
           </a:xfrm>
           <a:prstGeom prst="rect">
@@ -7028,21 +7028,14 @@
               <a:t>クラウドソーシング</a:t>
             </a:r>
             <a:r>
-              <a:rPr lang="ja-JP" altLang="ja-JP" sz="6600" dirty="0">
+              <a:rPr lang="ja-JP" altLang="en-US" sz="6600" dirty="0">
                 <a:latin typeface="HGPｺﾞｼｯｸE" panose="020B0900000000000000" pitchFamily="50" charset="-128"/>
                 <a:ea typeface="HGPｺﾞｼｯｸE" panose="020B0900000000000000" pitchFamily="50" charset="-128"/>
               </a:rPr>
-              <a:t>の利用されて</a:t>
-            </a:r>
-            <a:r>
-              <a:rPr lang="ja-JP" altLang="ja-JP" sz="6600" dirty="0" smtClean="0">
-                <a:latin typeface="HGPｺﾞｼｯｸE" panose="020B0900000000000000" pitchFamily="50" charset="-128"/>
-                <a:ea typeface="HGPｺﾞｼｯｸE" panose="020B0900000000000000" pitchFamily="50" charset="-128"/>
-              </a:rPr>
-              <a:t>いる</a:t>
-            </a:r>
-            <a:r>
-              <a:rPr lang="ja-JP" altLang="en-US" sz="6600" dirty="0">
+              <a:t>についての</a:t>
+            </a:r>
+            <a:r>
+              <a:rPr lang="ja-JP" altLang="en-US" sz="6600" dirty="0" smtClean="0">
                 <a:latin typeface="HGPｺﾞｼｯｸE" panose="020B0900000000000000" pitchFamily="50" charset="-128"/>
                 <a:ea typeface="HGPｺﾞｼｯｸE" panose="020B0900000000000000" pitchFamily="50" charset="-128"/>
               </a:rPr>

--- a/課題研究/2013/渡辺雄大/ポスター.pptx
+++ b/課題研究/2013/渡辺雄大/ポスター.pptx
@@ -3913,7 +3913,15 @@
                   <a:schemeClr val="bg1"/>
                 </a:solidFill>
               </a:rPr>
-              <a:t>クライドソーシングの</a:t>
+              <a:t>クラウドソーシング</a:t>
+            </a:r>
+            <a:r>
+              <a:rPr lang="ja-JP" altLang="en-US" sz="9600" b="1" dirty="0" smtClean="0">
+                <a:solidFill>
+                  <a:schemeClr val="bg1"/>
+                </a:solidFill>
+              </a:rPr>
+              <a:t>の</a:t>
             </a:r>
             <a:endParaRPr lang="en-US" altLang="ja-JP" sz="9600" b="1" dirty="0" smtClean="0">
               <a:solidFill>
@@ -6405,7 +6413,7 @@
         <p:grpSpPr>
           <a:xfrm>
             <a:off x="279368" y="22413221"/>
-            <a:ext cx="20577458" cy="7274819"/>
+            <a:ext cx="20577458" cy="7866754"/>
             <a:chOff x="317833" y="6187576"/>
             <a:chExt cx="19874208" cy="6549460"/>
           </a:xfrm>
@@ -6938,7 +6946,7 @@
         <p:spPr bwMode="auto">
           <a:xfrm>
             <a:off x="11773520" y="22882735"/>
-            <a:ext cx="8712968" cy="5580062"/>
+            <a:ext cx="8712968" cy="6154796"/>
           </a:xfrm>
           <a:prstGeom prst="rect">
             <a:avLst/>
@@ -7265,7 +7273,7 @@
         </p:nvSpPr>
         <p:spPr>
           <a:xfrm>
-            <a:off x="12782049" y="28716842"/>
+            <a:off x="12785835" y="29301617"/>
             <a:ext cx="6840760" cy="584775"/>
           </a:xfrm>
           <a:prstGeom prst="rect">

--- a/課題研究/2013/渡辺雄大/ポスター.pptx
+++ b/課題研究/2013/渡辺雄大/ポスター.pptx
@@ -5017,13 +5017,13 @@
           <p:nvPr>
             <p:extLst>
               <p:ext uri="{D42A27DB-BD31-4B8C-83A1-F6EECF244321}">
-                <p14:modId xmlns:p14="http://schemas.microsoft.com/office/powerpoint/2010/main" val="3013579871"/>
+                <p14:modId xmlns:p14="http://schemas.microsoft.com/office/powerpoint/2010/main" val="370920539"/>
               </p:ext>
             </p:extLst>
           </p:nvPr>
         </p:nvGraphicFramePr>
         <p:xfrm>
-          <a:off x="615778" y="15007431"/>
+          <a:off x="396256" y="15007431"/>
           <a:ext cx="11824706" cy="6260796"/>
         </p:xfrm>
         <a:graphic>
@@ -5966,7 +5966,7 @@
         </p:blipFill>
         <p:spPr>
           <a:xfrm>
-            <a:off x="9857664" y="15788059"/>
+            <a:off x="10073688" y="15716051"/>
             <a:ext cx="1614015" cy="655694"/>
           </a:xfrm>
           <a:prstGeom prst="rect">
@@ -6010,7 +6010,7 @@
         </p:blipFill>
         <p:spPr>
           <a:xfrm>
-            <a:off x="9857663" y="16495775"/>
+            <a:off x="10045328" y="16436131"/>
             <a:ext cx="1614016" cy="607876"/>
           </a:xfrm>
           <a:prstGeom prst="rect">
@@ -6045,7 +6045,7 @@
         </p:blipFill>
         <p:spPr>
           <a:xfrm>
-            <a:off x="9857663" y="17153492"/>
+            <a:off x="9973320" y="17084203"/>
             <a:ext cx="1915857" cy="506775"/>
           </a:xfrm>
           <a:prstGeom prst="rect">
@@ -6080,7 +6080,7 @@
         </p:blipFill>
         <p:spPr>
           <a:xfrm>
-            <a:off x="9808810" y="18524363"/>
+            <a:off x="10045328" y="18593652"/>
             <a:ext cx="1915857" cy="506775"/>
           </a:xfrm>
           <a:prstGeom prst="rect">
@@ -6115,7 +6115,7 @@
         </p:blipFill>
         <p:spPr>
           <a:xfrm>
-            <a:off x="9857664" y="17948299"/>
+            <a:off x="10261352" y="17948299"/>
             <a:ext cx="1266825" cy="523875"/>
           </a:xfrm>
           <a:prstGeom prst="rect">
@@ -6150,7 +6150,7 @@
         </p:blipFill>
         <p:spPr>
           <a:xfrm>
-            <a:off x="9891814" y="19460467"/>
+            <a:off x="10169128" y="19500080"/>
             <a:ext cx="1676400" cy="752475"/>
           </a:xfrm>
           <a:prstGeom prst="rect">
@@ -6185,7 +6185,7 @@
         </p:blipFill>
         <p:spPr>
           <a:xfrm>
-            <a:off x="9874886" y="20390886"/>
+            <a:off x="10073687" y="20390886"/>
             <a:ext cx="1915857" cy="506775"/>
           </a:xfrm>
           <a:prstGeom prst="rect">
@@ -6263,7 +6263,7 @@
         </p:nvSpPr>
         <p:spPr>
           <a:xfrm>
-            <a:off x="1101271" y="27111313"/>
+            <a:off x="1101271" y="27183321"/>
             <a:ext cx="18189734" cy="2862322"/>
           </a:xfrm>
           <a:prstGeom prst="rect">
@@ -6277,11 +6277,11 @@
           <a:lstStyle/>
           <a:p>
             <a:r>
-              <a:rPr lang="ja-JP" altLang="en-US" sz="6000" dirty="0">
+              <a:rPr lang="ja-JP" altLang="en-US" sz="6000" dirty="0" smtClean="0">
                 <a:latin typeface="HGPｺﾞｼｯｸE" panose="020B0900000000000000" pitchFamily="50" charset="-128"/>
                 <a:ea typeface="HGPｺﾞｼｯｸE" panose="020B0900000000000000" pitchFamily="50" charset="-128"/>
               </a:rPr>
-              <a:t>これからクラウドソーシングをプロジェクトで活かしてもらうために，クラウドソーシングの事例のデータをマイニングし自己組織化マップの作図を行う．</a:t>
+              <a:t>クラウドソーシングの事例をマイニングすることによって，プロジェクトでクラウドソーシングを活用する際に有用な知識の発見を目指す．</a:t>
             </a:r>
             <a:endParaRPr lang="en-US" altLang="ja-JP" sz="6000" dirty="0">
               <a:latin typeface="HGPｺﾞｼｯｸE" panose="020B0900000000000000" pitchFamily="50" charset="-128"/>
@@ -6989,8 +6989,8 @@
         </p:nvSpPr>
         <p:spPr>
           <a:xfrm>
-            <a:off x="442534" y="9451355"/>
-            <a:ext cx="20643592" cy="3139321"/>
+            <a:off x="499524" y="9379347"/>
+            <a:ext cx="20643592" cy="4154984"/>
           </a:xfrm>
           <a:prstGeom prst="rect">
             <a:avLst/>
@@ -7117,7 +7117,7 @@
               <a:t>集めたデータ</a:t>
             </a:r>
             <a:r>
-              <a:rPr lang="ja-JP" altLang="en-US" sz="6600" dirty="0">
+              <a:rPr lang="ja-JP" altLang="en-US" sz="6600" dirty="0" smtClean="0">
                 <a:latin typeface="HGPｺﾞｼｯｸE" panose="020B0900000000000000" pitchFamily="50" charset="-128"/>
                 <a:ea typeface="HGPｺﾞｼｯｸE" panose="020B0900000000000000" pitchFamily="50" charset="-128"/>
               </a:rPr>
@@ -7142,6 +7142,12 @@
               <a:ea typeface="HGPｺﾞｼｯｸE" panose="020B0900000000000000" pitchFamily="50" charset="-128"/>
             </a:endParaRPr>
           </a:p>
+          <a:p>
+            <a:endParaRPr lang="en-US" altLang="ja-JP" sz="6600" dirty="0" smtClean="0">
+              <a:latin typeface="HGPｺﾞｼｯｸE" panose="020B0900000000000000" pitchFamily="50" charset="-128"/>
+              <a:ea typeface="HGPｺﾞｼｯｸE" panose="020B0900000000000000" pitchFamily="50" charset="-128"/>
+            </a:endParaRPr>
+          </a:p>
         </p:txBody>
       </p:sp>
       <p:sp>
@@ -7152,7 +7158,7 @@
         </p:nvSpPr>
         <p:spPr>
           <a:xfrm>
-            <a:off x="415671" y="19677389"/>
+            <a:off x="415671" y="19893413"/>
             <a:ext cx="13285659" cy="2231350"/>
           </a:xfrm>
           <a:prstGeom prst="rect">
@@ -7304,7 +7310,7 @@
         </p:nvSpPr>
         <p:spPr>
           <a:xfrm>
-            <a:off x="499524" y="13218998"/>
+            <a:off x="499524" y="13795062"/>
             <a:ext cx="17970739" cy="984885"/>
           </a:xfrm>
           <a:prstGeom prst="rect">
@@ -7381,7 +7387,7 @@
         </p:nvSpPr>
         <p:spPr>
           <a:xfrm>
-            <a:off x="211148" y="15356011"/>
+            <a:off x="211148" y="15788059"/>
             <a:ext cx="10122212" cy="3744416"/>
           </a:xfrm>
           <a:prstGeom prst="roundRect">
@@ -7475,7 +7481,7 @@
         </p:nvSpPr>
         <p:spPr>
           <a:xfrm>
-            <a:off x="12782049" y="15356011"/>
+            <a:off x="12782049" y="15788059"/>
             <a:ext cx="8434592" cy="3744416"/>
           </a:xfrm>
           <a:prstGeom prst="roundRect">
@@ -7559,7 +7565,7 @@
         </p:nvSpPr>
         <p:spPr>
           <a:xfrm>
-            <a:off x="9247941" y="14516305"/>
+            <a:off x="9247941" y="14948353"/>
             <a:ext cx="5549915" cy="1679411"/>
           </a:xfrm>
           <a:prstGeom prst="curvedDownArrow">
@@ -7811,6 +7817,41 @@
               <a:t>クラウドソーシング</a:t>
             </a:r>
             <a:endParaRPr kumimoji="1" lang="ja-JP" altLang="en-US" dirty="0"/>
+          </a:p>
+        </p:txBody>
+      </p:sp>
+      <p:sp>
+        <p:nvSpPr>
+          <p:cNvPr id="7" name="正方形/長方形 6"/>
+          <p:cNvSpPr/>
+          <p:nvPr/>
+        </p:nvSpPr>
+        <p:spPr>
+          <a:xfrm>
+            <a:off x="1044328" y="12691715"/>
+            <a:ext cx="19478616" cy="584775"/>
+          </a:xfrm>
+          <a:prstGeom prst="rect">
+            <a:avLst/>
+          </a:prstGeom>
+        </p:spPr>
+        <p:txBody>
+          <a:bodyPr wrap="square">
+            <a:spAutoFit/>
+          </a:bodyPr>
+          <a:lstStyle/>
+          <a:p>
+            <a:r>
+              <a:rPr lang="ja-JP" altLang="en-US" sz="3200" dirty="0">
+                <a:latin typeface="HGPｺﾞｼｯｸE" panose="020B0900000000000000" pitchFamily="50" charset="-128"/>
+                <a:ea typeface="HGPｺﾞｼｯｸE" panose="020B0900000000000000" pitchFamily="50" charset="-128"/>
+              </a:rPr>
+              <a:t>（収集したクラウドソーシングのデータを教師無し学習アルゴリズム，本研究では自己組織化マップで解析した．）</a:t>
+            </a:r>
+            <a:endParaRPr lang="en-US" altLang="ja-JP" sz="3200" dirty="0">
+              <a:latin typeface="HGPｺﾞｼｯｸE" panose="020B0900000000000000" pitchFamily="50" charset="-128"/>
+              <a:ea typeface="HGPｺﾞｼｯｸE" panose="020B0900000000000000" pitchFamily="50" charset="-128"/>
+            </a:endParaRPr>
           </a:p>
         </p:txBody>
       </p:sp>

--- a/課題研究/2013/渡辺雄大/ポスター.pptx
+++ b/課題研究/2013/渡辺雄大/ポスター.pptx
@@ -3913,15 +3913,7 @@
                   <a:schemeClr val="bg1"/>
                 </a:solidFill>
               </a:rPr>
-              <a:t>クラウドソーシング</a:t>
-            </a:r>
-            <a:r>
-              <a:rPr lang="ja-JP" altLang="en-US" sz="9600" b="1" dirty="0" smtClean="0">
-                <a:solidFill>
-                  <a:schemeClr val="bg1"/>
-                </a:solidFill>
-              </a:rPr>
-              <a:t>の</a:t>
+              <a:t>クラウドソーシングの</a:t>
             </a:r>
             <a:endParaRPr lang="en-US" altLang="ja-JP" sz="9600" b="1" dirty="0" smtClean="0">
               <a:solidFill>
@@ -6989,7 +6981,7 @@
         </p:nvSpPr>
         <p:spPr>
           <a:xfrm>
-            <a:off x="499524" y="9379347"/>
+            <a:off x="418960" y="9379347"/>
             <a:ext cx="20643592" cy="4154984"/>
           </a:xfrm>
           <a:prstGeom prst="rect">
@@ -7842,11 +7834,81 @@
           <a:lstStyle/>
           <a:p>
             <a:r>
+              <a:rPr lang="ja-JP" altLang="en-US" sz="3200" dirty="0" smtClean="0">
+                <a:latin typeface="HGPｺﾞｼｯｸE" panose="020B0900000000000000" pitchFamily="50" charset="-128"/>
+                <a:ea typeface="HGPｺﾞｼｯｸE" panose="020B0900000000000000" pitchFamily="50" charset="-128"/>
+              </a:rPr>
+              <a:t>収集</a:t>
+            </a:r>
+            <a:r>
               <a:rPr lang="ja-JP" altLang="en-US" sz="3200" dirty="0">
                 <a:latin typeface="HGPｺﾞｼｯｸE" panose="020B0900000000000000" pitchFamily="50" charset="-128"/>
                 <a:ea typeface="HGPｺﾞｼｯｸE" panose="020B0900000000000000" pitchFamily="50" charset="-128"/>
               </a:rPr>
-              <a:t>（収集したクラウドソーシングのデータを教師無し学習アルゴリズム，本研究では自己組織化マップで解析した．）</a:t>
+              <a:t>したクラウドソーシングのデータを教師無し学習</a:t>
+            </a:r>
+            <a:r>
+              <a:rPr lang="ja-JP" altLang="en-US" sz="3200" dirty="0" smtClean="0">
+                <a:latin typeface="HGPｺﾞｼｯｸE" panose="020B0900000000000000" pitchFamily="50" charset="-128"/>
+                <a:ea typeface="HGPｺﾞｼｯｸE" panose="020B0900000000000000" pitchFamily="50" charset="-128"/>
+              </a:rPr>
+              <a:t>アルゴリズム</a:t>
+            </a:r>
+            <a:r>
+              <a:rPr lang="en-US" altLang="ja-JP" sz="3200" dirty="0" smtClean="0">
+                <a:latin typeface="HGPｺﾞｼｯｸE" panose="020B0900000000000000" pitchFamily="50" charset="-128"/>
+                <a:ea typeface="HGPｺﾞｼｯｸE" panose="020B0900000000000000" pitchFamily="50" charset="-128"/>
+              </a:rPr>
+              <a:t>(</a:t>
+            </a:r>
+            <a:r>
+              <a:rPr lang="ja-JP" altLang="en-US" sz="3200" dirty="0" smtClean="0">
+                <a:latin typeface="HGPｺﾞｼｯｸE" panose="020B0900000000000000" pitchFamily="50" charset="-128"/>
+                <a:ea typeface="HGPｺﾞｼｯｸE" panose="020B0900000000000000" pitchFamily="50" charset="-128"/>
+              </a:rPr>
+              <a:t>本研究</a:t>
+            </a:r>
+            <a:r>
+              <a:rPr lang="ja-JP" altLang="en-US" sz="3200" dirty="0">
+                <a:latin typeface="HGPｺﾞｼｯｸE" panose="020B0900000000000000" pitchFamily="50" charset="-128"/>
+                <a:ea typeface="HGPｺﾞｼｯｸE" panose="020B0900000000000000" pitchFamily="50" charset="-128"/>
+              </a:rPr>
+              <a:t>では自己組織化</a:t>
+            </a:r>
+            <a:r>
+              <a:rPr lang="ja-JP" altLang="en-US" sz="3200" dirty="0" smtClean="0">
+                <a:latin typeface="HGPｺﾞｼｯｸE" panose="020B0900000000000000" pitchFamily="50" charset="-128"/>
+                <a:ea typeface="HGPｺﾞｼｯｸE" panose="020B0900000000000000" pitchFamily="50" charset="-128"/>
+              </a:rPr>
+              <a:t>マップ</a:t>
+            </a:r>
+            <a:r>
+              <a:rPr lang="en-US" altLang="ja-JP" sz="3200" dirty="0" smtClean="0">
+                <a:latin typeface="HGPｺﾞｼｯｸE" panose="020B0900000000000000" pitchFamily="50" charset="-128"/>
+                <a:ea typeface="HGPｺﾞｼｯｸE" panose="020B0900000000000000" pitchFamily="50" charset="-128"/>
+              </a:rPr>
+              <a:t>)</a:t>
+            </a:r>
+            <a:r>
+              <a:rPr lang="ja-JP" altLang="en-US" sz="3200" dirty="0" smtClean="0">
+                <a:latin typeface="HGPｺﾞｼｯｸE" panose="020B0900000000000000" pitchFamily="50" charset="-128"/>
+                <a:ea typeface="HGPｺﾞｼｯｸE" panose="020B0900000000000000" pitchFamily="50" charset="-128"/>
+              </a:rPr>
+              <a:t>で</a:t>
+            </a:r>
+            <a:r>
+              <a:rPr lang="ja-JP" altLang="en-US" sz="3200" dirty="0">
+                <a:latin typeface="HGPｺﾞｼｯｸE" panose="020B0900000000000000" pitchFamily="50" charset="-128"/>
+                <a:ea typeface="HGPｺﾞｼｯｸE" panose="020B0900000000000000" pitchFamily="50" charset="-128"/>
+              </a:rPr>
+              <a:t>解析した</a:t>
+            </a:r>
+            <a:r>
+              <a:rPr lang="ja-JP" altLang="en-US" sz="3200" dirty="0" smtClean="0">
+                <a:latin typeface="HGPｺﾞｼｯｸE" panose="020B0900000000000000" pitchFamily="50" charset="-128"/>
+                <a:ea typeface="HGPｺﾞｼｯｸE" panose="020B0900000000000000" pitchFamily="50" charset="-128"/>
+              </a:rPr>
+              <a:t>．</a:t>
             </a:r>
             <a:endParaRPr lang="en-US" altLang="ja-JP" sz="3200" dirty="0">
               <a:latin typeface="HGPｺﾞｼｯｸE" panose="020B0900000000000000" pitchFamily="50" charset="-128"/>

--- a/課題研究/2013/渡辺雄大/ポスター.pptx
+++ b/課題研究/2013/渡辺雄大/ポスター.pptx
@@ -193,7 +193,7 @@
           <a:p>
             <a:fld id="{EBDABDDA-217B-40F7-B562-7EFC1E18F5FB}" type="datetimeFigureOut">
               <a:rPr kumimoji="1" lang="ja-JP" altLang="en-US" smtClean="0"/>
-              <a:t>2013/12/11</a:t>
+              <a:t>2013/12/12</a:t>
             </a:fld>
             <a:endParaRPr kumimoji="1" lang="ja-JP" altLang="en-US"/>
           </a:p>
@@ -759,7 +759,7 @@
             <a:fld id="{CD18CB5A-6947-405F-A94A-52FF85729738}" type="datetimeFigureOut">
               <a:rPr kumimoji="1" lang="ja-JP" altLang="en-US" smtClean="0"/>
               <a:pPr/>
-              <a:t>2013/12/11</a:t>
+              <a:t>2013/12/12</a:t>
             </a:fld>
             <a:endParaRPr kumimoji="1" lang="ja-JP" altLang="en-US"/>
           </a:p>
@@ -963,7 +963,7 @@
             <a:fld id="{CD18CB5A-6947-405F-A94A-52FF85729738}" type="datetimeFigureOut">
               <a:rPr kumimoji="1" lang="ja-JP" altLang="en-US" smtClean="0"/>
               <a:pPr/>
-              <a:t>2013/12/11</a:t>
+              <a:t>2013/12/12</a:t>
             </a:fld>
             <a:endParaRPr kumimoji="1" lang="ja-JP" altLang="en-US"/>
           </a:p>
@@ -1177,7 +1177,7 @@
             <a:fld id="{CD18CB5A-6947-405F-A94A-52FF85729738}" type="datetimeFigureOut">
               <a:rPr kumimoji="1" lang="ja-JP" altLang="en-US" smtClean="0"/>
               <a:pPr/>
-              <a:t>2013/12/11</a:t>
+              <a:t>2013/12/12</a:t>
             </a:fld>
             <a:endParaRPr kumimoji="1" lang="ja-JP" altLang="en-US"/>
           </a:p>
@@ -1381,7 +1381,7 @@
             <a:fld id="{CD18CB5A-6947-405F-A94A-52FF85729738}" type="datetimeFigureOut">
               <a:rPr kumimoji="1" lang="ja-JP" altLang="en-US" smtClean="0"/>
               <a:pPr/>
-              <a:t>2013/12/11</a:t>
+              <a:t>2013/12/12</a:t>
             </a:fld>
             <a:endParaRPr kumimoji="1" lang="ja-JP" altLang="en-US"/>
           </a:p>
@@ -1629,7 +1629,7 @@
             <a:fld id="{CD18CB5A-6947-405F-A94A-52FF85729738}" type="datetimeFigureOut">
               <a:rPr kumimoji="1" lang="ja-JP" altLang="en-US" smtClean="0"/>
               <a:pPr/>
-              <a:t>2013/12/11</a:t>
+              <a:t>2013/12/12</a:t>
             </a:fld>
             <a:endParaRPr kumimoji="1" lang="ja-JP" altLang="en-US"/>
           </a:p>
@@ -1983,7 +1983,7 @@
             <a:fld id="{CD18CB5A-6947-405F-A94A-52FF85729738}" type="datetimeFigureOut">
               <a:rPr kumimoji="1" lang="ja-JP" altLang="en-US" smtClean="0"/>
               <a:pPr/>
-              <a:t>2013/12/11</a:t>
+              <a:t>2013/12/12</a:t>
             </a:fld>
             <a:endParaRPr kumimoji="1" lang="ja-JP" altLang="en-US"/>
           </a:p>
@@ -2471,7 +2471,7 @@
             <a:fld id="{CD18CB5A-6947-405F-A94A-52FF85729738}" type="datetimeFigureOut">
               <a:rPr kumimoji="1" lang="ja-JP" altLang="en-US" smtClean="0"/>
               <a:pPr/>
-              <a:t>2013/12/11</a:t>
+              <a:t>2013/12/12</a:t>
             </a:fld>
             <a:endParaRPr kumimoji="1" lang="ja-JP" altLang="en-US"/>
           </a:p>
@@ -2591,7 +2591,7 @@
             <a:fld id="{CD18CB5A-6947-405F-A94A-52FF85729738}" type="datetimeFigureOut">
               <a:rPr kumimoji="1" lang="ja-JP" altLang="en-US" smtClean="0"/>
               <a:pPr/>
-              <a:t>2013/12/11</a:t>
+              <a:t>2013/12/12</a:t>
             </a:fld>
             <a:endParaRPr kumimoji="1" lang="ja-JP" altLang="en-US"/>
           </a:p>
@@ -2688,7 +2688,7 @@
             <a:fld id="{CD18CB5A-6947-405F-A94A-52FF85729738}" type="datetimeFigureOut">
               <a:rPr kumimoji="1" lang="ja-JP" altLang="en-US" smtClean="0"/>
               <a:pPr/>
-              <a:t>2013/12/11</a:t>
+              <a:t>2013/12/12</a:t>
             </a:fld>
             <a:endParaRPr kumimoji="1" lang="ja-JP" altLang="en-US"/>
           </a:p>
@@ -2999,7 +2999,7 @@
             <a:fld id="{CD18CB5A-6947-405F-A94A-52FF85729738}" type="datetimeFigureOut">
               <a:rPr kumimoji="1" lang="ja-JP" altLang="en-US" smtClean="0"/>
               <a:pPr/>
-              <a:t>2013/12/11</a:t>
+              <a:t>2013/12/12</a:t>
             </a:fld>
             <a:endParaRPr kumimoji="1" lang="ja-JP" altLang="en-US"/>
           </a:p>
@@ -3254,7 +3254,7 @@
             <a:fld id="{CD18CB5A-6947-405F-A94A-52FF85729738}" type="datetimeFigureOut">
               <a:rPr kumimoji="1" lang="ja-JP" altLang="en-US" smtClean="0"/>
               <a:pPr/>
-              <a:t>2013/12/11</a:t>
+              <a:t>2013/12/12</a:t>
             </a:fld>
             <a:endParaRPr kumimoji="1" lang="ja-JP" altLang="en-US"/>
           </a:p>
@@ -3501,7 +3501,7 @@
             <a:fld id="{CD18CB5A-6947-405F-A94A-52FF85729738}" type="datetimeFigureOut">
               <a:rPr kumimoji="1" lang="ja-JP" altLang="en-US" smtClean="0"/>
               <a:pPr/>
-              <a:t>2013/12/11</a:t>
+              <a:t>2013/12/12</a:t>
             </a:fld>
             <a:endParaRPr kumimoji="1" lang="ja-JP" altLang="en-US"/>
           </a:p>
@@ -3913,7 +3913,7 @@
                   <a:schemeClr val="bg1"/>
                 </a:solidFill>
               </a:rPr>
-              <a:t>クライドソーシングの</a:t>
+              <a:t>クラウドソーシングの</a:t>
             </a:r>
             <a:endParaRPr lang="en-US" altLang="ja-JP" sz="9600" b="1" dirty="0" smtClean="0">
               <a:solidFill>
@@ -5009,13 +5009,13 @@
           <p:nvPr>
             <p:extLst>
               <p:ext uri="{D42A27DB-BD31-4B8C-83A1-F6EECF244321}">
-                <p14:modId xmlns:p14="http://schemas.microsoft.com/office/powerpoint/2010/main" val="3013579871"/>
+                <p14:modId xmlns:p14="http://schemas.microsoft.com/office/powerpoint/2010/main" val="370920539"/>
               </p:ext>
             </p:extLst>
           </p:nvPr>
         </p:nvGraphicFramePr>
         <p:xfrm>
-          <a:off x="615778" y="15007431"/>
+          <a:off x="396256" y="15007431"/>
           <a:ext cx="11824706" cy="6260796"/>
         </p:xfrm>
         <a:graphic>
@@ -5540,7 +5540,7 @@
         </p:nvSpPr>
         <p:spPr>
           <a:xfrm>
-            <a:off x="58328" y="13893726"/>
+            <a:off x="58328" y="14059867"/>
             <a:ext cx="12579288" cy="7349038"/>
           </a:xfrm>
           <a:prstGeom prst="rect">
@@ -5958,7 +5958,7 @@
         </p:blipFill>
         <p:spPr>
           <a:xfrm>
-            <a:off x="9857664" y="15788059"/>
+            <a:off x="10073688" y="15716051"/>
             <a:ext cx="1614015" cy="655694"/>
           </a:xfrm>
           <a:prstGeom prst="rect">
@@ -6002,7 +6002,7 @@
         </p:blipFill>
         <p:spPr>
           <a:xfrm>
-            <a:off x="9857663" y="16495775"/>
+            <a:off x="10045328" y="16436131"/>
             <a:ext cx="1614016" cy="607876"/>
           </a:xfrm>
           <a:prstGeom prst="rect">
@@ -6037,7 +6037,7 @@
         </p:blipFill>
         <p:spPr>
           <a:xfrm>
-            <a:off x="9857663" y="17153492"/>
+            <a:off x="9973320" y="17084203"/>
             <a:ext cx="1915857" cy="506775"/>
           </a:xfrm>
           <a:prstGeom prst="rect">
@@ -6072,7 +6072,7 @@
         </p:blipFill>
         <p:spPr>
           <a:xfrm>
-            <a:off x="9808810" y="18524363"/>
+            <a:off x="10045328" y="18593652"/>
             <a:ext cx="1915857" cy="506775"/>
           </a:xfrm>
           <a:prstGeom prst="rect">
@@ -6107,7 +6107,7 @@
         </p:blipFill>
         <p:spPr>
           <a:xfrm>
-            <a:off x="9857664" y="17948299"/>
+            <a:off x="10261352" y="17948299"/>
             <a:ext cx="1266825" cy="523875"/>
           </a:xfrm>
           <a:prstGeom prst="rect">
@@ -6142,7 +6142,7 @@
         </p:blipFill>
         <p:spPr>
           <a:xfrm>
-            <a:off x="9891814" y="19460467"/>
+            <a:off x="10169128" y="19500080"/>
             <a:ext cx="1676400" cy="752475"/>
           </a:xfrm>
           <a:prstGeom prst="rect">
@@ -6177,7 +6177,7 @@
         </p:blipFill>
         <p:spPr>
           <a:xfrm>
-            <a:off x="9874886" y="20390886"/>
+            <a:off x="10073687" y="20390886"/>
             <a:ext cx="1915857" cy="506775"/>
           </a:xfrm>
           <a:prstGeom prst="rect">
@@ -6255,7 +6255,7 @@
         </p:nvSpPr>
         <p:spPr>
           <a:xfrm>
-            <a:off x="1101271" y="27111313"/>
+            <a:off x="1101271" y="27183321"/>
             <a:ext cx="18189734" cy="2862322"/>
           </a:xfrm>
           <a:prstGeom prst="rect">
@@ -6269,11 +6269,11 @@
           <a:lstStyle/>
           <a:p>
             <a:r>
-              <a:rPr lang="ja-JP" altLang="en-US" sz="6000" dirty="0">
+              <a:rPr lang="ja-JP" altLang="en-US" sz="6000" dirty="0" smtClean="0">
                 <a:latin typeface="HGPｺﾞｼｯｸE" panose="020B0900000000000000" pitchFamily="50" charset="-128"/>
                 <a:ea typeface="HGPｺﾞｼｯｸE" panose="020B0900000000000000" pitchFamily="50" charset="-128"/>
               </a:rPr>
-              <a:t>これからクラウドソーシングをプロジェクトで活かしてもらうために，クラウドソーシングの事例のデータをマイニングし自己組織化マップの作図を行う．</a:t>
+              <a:t>クラウドソーシングの事例をマイニングすることによって，プロジェクトでクラウドソーシングを活用する際に有用な知識の発見を目指す．</a:t>
             </a:r>
             <a:endParaRPr lang="en-US" altLang="ja-JP" sz="6000" dirty="0">
               <a:latin typeface="HGPｺﾞｼｯｸE" panose="020B0900000000000000" pitchFamily="50" charset="-128"/>
@@ -6405,7 +6405,7 @@
         <p:grpSpPr>
           <a:xfrm>
             <a:off x="279368" y="22413221"/>
-            <a:ext cx="20577458" cy="7274819"/>
+            <a:ext cx="20577458" cy="7866754"/>
             <a:chOff x="317833" y="6187576"/>
             <a:chExt cx="19874208" cy="6549460"/>
           </a:xfrm>
@@ -6938,7 +6938,7 @@
         <p:spPr bwMode="auto">
           <a:xfrm>
             <a:off x="11773520" y="22882735"/>
-            <a:ext cx="8712968" cy="5580062"/>
+            <a:ext cx="8712968" cy="6154796"/>
           </a:xfrm>
           <a:prstGeom prst="rect">
             <a:avLst/>
@@ -6981,8 +6981,8 @@
         </p:nvSpPr>
         <p:spPr>
           <a:xfrm>
-            <a:off x="442534" y="9451355"/>
-            <a:ext cx="20643592" cy="3139321"/>
+            <a:off x="418960" y="9379347"/>
+            <a:ext cx="20643592" cy="4154984"/>
           </a:xfrm>
           <a:prstGeom prst="rect">
             <a:avLst/>
@@ -7028,21 +7028,14 @@
               <a:t>クラウドソーシング</a:t>
             </a:r>
             <a:r>
-              <a:rPr lang="ja-JP" altLang="ja-JP" sz="6600" dirty="0">
+              <a:rPr lang="ja-JP" altLang="en-US" sz="6600" dirty="0">
                 <a:latin typeface="HGPｺﾞｼｯｸE" panose="020B0900000000000000" pitchFamily="50" charset="-128"/>
                 <a:ea typeface="HGPｺﾞｼｯｸE" panose="020B0900000000000000" pitchFamily="50" charset="-128"/>
               </a:rPr>
-              <a:t>の利用されて</a:t>
-            </a:r>
-            <a:r>
-              <a:rPr lang="ja-JP" altLang="ja-JP" sz="6600" dirty="0" smtClean="0">
-                <a:latin typeface="HGPｺﾞｼｯｸE" panose="020B0900000000000000" pitchFamily="50" charset="-128"/>
-                <a:ea typeface="HGPｺﾞｼｯｸE" panose="020B0900000000000000" pitchFamily="50" charset="-128"/>
-              </a:rPr>
-              <a:t>いる</a:t>
-            </a:r>
-            <a:r>
-              <a:rPr lang="ja-JP" altLang="en-US" sz="6600" dirty="0">
+              <a:t>についての</a:t>
+            </a:r>
+            <a:r>
+              <a:rPr lang="ja-JP" altLang="en-US" sz="6600" dirty="0" smtClean="0">
                 <a:latin typeface="HGPｺﾞｼｯｸE" panose="020B0900000000000000" pitchFamily="50" charset="-128"/>
                 <a:ea typeface="HGPｺﾞｼｯｸE" panose="020B0900000000000000" pitchFamily="50" charset="-128"/>
               </a:rPr>
@@ -7116,7 +7109,7 @@
               <a:t>集めたデータ</a:t>
             </a:r>
             <a:r>
-              <a:rPr lang="ja-JP" altLang="en-US" sz="6600" dirty="0">
+              <a:rPr lang="ja-JP" altLang="en-US" sz="6600" dirty="0" smtClean="0">
                 <a:latin typeface="HGPｺﾞｼｯｸE" panose="020B0900000000000000" pitchFamily="50" charset="-128"/>
                 <a:ea typeface="HGPｺﾞｼｯｸE" panose="020B0900000000000000" pitchFamily="50" charset="-128"/>
               </a:rPr>
@@ -7141,6 +7134,12 @@
               <a:ea typeface="HGPｺﾞｼｯｸE" panose="020B0900000000000000" pitchFamily="50" charset="-128"/>
             </a:endParaRPr>
           </a:p>
+          <a:p>
+            <a:endParaRPr lang="en-US" altLang="ja-JP" sz="6600" dirty="0" smtClean="0">
+              <a:latin typeface="HGPｺﾞｼｯｸE" panose="020B0900000000000000" pitchFamily="50" charset="-128"/>
+              <a:ea typeface="HGPｺﾞｼｯｸE" panose="020B0900000000000000" pitchFamily="50" charset="-128"/>
+            </a:endParaRPr>
+          </a:p>
         </p:txBody>
       </p:sp>
       <p:sp>
@@ -7151,7 +7150,7 @@
         </p:nvSpPr>
         <p:spPr>
           <a:xfrm>
-            <a:off x="415671" y="19677389"/>
+            <a:off x="415671" y="19893413"/>
             <a:ext cx="13285659" cy="2231350"/>
           </a:xfrm>
           <a:prstGeom prst="rect">
@@ -7272,7 +7271,7 @@
         </p:nvSpPr>
         <p:spPr>
           <a:xfrm>
-            <a:off x="12782049" y="28716842"/>
+            <a:off x="12785835" y="29301617"/>
             <a:ext cx="6840760" cy="584775"/>
           </a:xfrm>
           <a:prstGeom prst="rect">
@@ -7303,7 +7302,7 @@
         </p:nvSpPr>
         <p:spPr>
           <a:xfrm>
-            <a:off x="499524" y="13218998"/>
+            <a:off x="499524" y="13795062"/>
             <a:ext cx="17970739" cy="984885"/>
           </a:xfrm>
           <a:prstGeom prst="rect">
@@ -7380,7 +7379,7 @@
         </p:nvSpPr>
         <p:spPr>
           <a:xfrm>
-            <a:off x="211148" y="15356011"/>
+            <a:off x="211148" y="15788059"/>
             <a:ext cx="10122212" cy="3744416"/>
           </a:xfrm>
           <a:prstGeom prst="roundRect">
@@ -7474,7 +7473,7 @@
         </p:nvSpPr>
         <p:spPr>
           <a:xfrm>
-            <a:off x="12782049" y="15356011"/>
+            <a:off x="12782049" y="15788059"/>
             <a:ext cx="8434592" cy="3744416"/>
           </a:xfrm>
           <a:prstGeom prst="roundRect">
@@ -7558,7 +7557,7 @@
         </p:nvSpPr>
         <p:spPr>
           <a:xfrm>
-            <a:off x="9247941" y="14516305"/>
+            <a:off x="9247941" y="14948353"/>
             <a:ext cx="5549915" cy="1679411"/>
           </a:xfrm>
           <a:prstGeom prst="curvedDownArrow">
@@ -7810,6 +7809,111 @@
               <a:t>クラウドソーシング</a:t>
             </a:r>
             <a:endParaRPr kumimoji="1" lang="ja-JP" altLang="en-US" dirty="0"/>
+          </a:p>
+        </p:txBody>
+      </p:sp>
+      <p:sp>
+        <p:nvSpPr>
+          <p:cNvPr id="7" name="正方形/長方形 6"/>
+          <p:cNvSpPr/>
+          <p:nvPr/>
+        </p:nvSpPr>
+        <p:spPr>
+          <a:xfrm>
+            <a:off x="1044328" y="12691715"/>
+            <a:ext cx="19478616" cy="584775"/>
+          </a:xfrm>
+          <a:prstGeom prst="rect">
+            <a:avLst/>
+          </a:prstGeom>
+        </p:spPr>
+        <p:txBody>
+          <a:bodyPr wrap="square">
+            <a:spAutoFit/>
+          </a:bodyPr>
+          <a:lstStyle/>
+          <a:p>
+            <a:r>
+              <a:rPr lang="ja-JP" altLang="en-US" sz="3200" dirty="0" smtClean="0">
+                <a:latin typeface="HGPｺﾞｼｯｸE" panose="020B0900000000000000" pitchFamily="50" charset="-128"/>
+                <a:ea typeface="HGPｺﾞｼｯｸE" panose="020B0900000000000000" pitchFamily="50" charset="-128"/>
+              </a:rPr>
+              <a:t>収集</a:t>
+            </a:r>
+            <a:r>
+              <a:rPr lang="ja-JP" altLang="en-US" sz="3200" dirty="0">
+                <a:latin typeface="HGPｺﾞｼｯｸE" panose="020B0900000000000000" pitchFamily="50" charset="-128"/>
+                <a:ea typeface="HGPｺﾞｼｯｸE" panose="020B0900000000000000" pitchFamily="50" charset="-128"/>
+              </a:rPr>
+              <a:t>したクラウドソーシングのデータを教師無し学習</a:t>
+            </a:r>
+            <a:r>
+              <a:rPr lang="ja-JP" altLang="en-US" sz="3200" dirty="0" smtClean="0">
+                <a:latin typeface="HGPｺﾞｼｯｸE" panose="020B0900000000000000" pitchFamily="50" charset="-128"/>
+                <a:ea typeface="HGPｺﾞｼｯｸE" panose="020B0900000000000000" pitchFamily="50" charset="-128"/>
+              </a:rPr>
+              <a:t>アルゴリズム</a:t>
+            </a:r>
+            <a:r>
+              <a:rPr lang="en-US" altLang="ja-JP" sz="3200" dirty="0" smtClean="0">
+                <a:latin typeface="HGPｺﾞｼｯｸE" panose="020B0900000000000000" pitchFamily="50" charset="-128"/>
+                <a:ea typeface="HGPｺﾞｼｯｸE" panose="020B0900000000000000" pitchFamily="50" charset="-128"/>
+              </a:rPr>
+              <a:t>(</a:t>
+            </a:r>
+            <a:r>
+              <a:rPr lang="ja-JP" altLang="en-US" sz="3200" dirty="0" smtClean="0">
+                <a:latin typeface="HGPｺﾞｼｯｸE" panose="020B0900000000000000" pitchFamily="50" charset="-128"/>
+                <a:ea typeface="HGPｺﾞｼｯｸE" panose="020B0900000000000000" pitchFamily="50" charset="-128"/>
+              </a:rPr>
+              <a:t>本研究</a:t>
+            </a:r>
+            <a:r>
+              <a:rPr lang="ja-JP" altLang="en-US" sz="3200" dirty="0">
+                <a:latin typeface="HGPｺﾞｼｯｸE" panose="020B0900000000000000" pitchFamily="50" charset="-128"/>
+                <a:ea typeface="HGPｺﾞｼｯｸE" panose="020B0900000000000000" pitchFamily="50" charset="-128"/>
+              </a:rPr>
+              <a:t>では自己組織化</a:t>
+            </a:r>
+            <a:r>
+              <a:rPr lang="ja-JP" altLang="en-US" sz="3200" dirty="0" smtClean="0">
+                <a:latin typeface="HGPｺﾞｼｯｸE" panose="020B0900000000000000" pitchFamily="50" charset="-128"/>
+                <a:ea typeface="HGPｺﾞｼｯｸE" panose="020B0900000000000000" pitchFamily="50" charset="-128"/>
+              </a:rPr>
+              <a:t>マップ</a:t>
+            </a:r>
+            <a:r>
+              <a:rPr lang="en-US" altLang="ja-JP" sz="3200" dirty="0" smtClean="0">
+                <a:latin typeface="HGPｺﾞｼｯｸE" panose="020B0900000000000000" pitchFamily="50" charset="-128"/>
+                <a:ea typeface="HGPｺﾞｼｯｸE" panose="020B0900000000000000" pitchFamily="50" charset="-128"/>
+              </a:rPr>
+              <a:t>)</a:t>
+            </a:r>
+            <a:r>
+              <a:rPr lang="ja-JP" altLang="en-US" sz="3200" dirty="0" smtClean="0">
+                <a:latin typeface="HGPｺﾞｼｯｸE" panose="020B0900000000000000" pitchFamily="50" charset="-128"/>
+                <a:ea typeface="HGPｺﾞｼｯｸE" panose="020B0900000000000000" pitchFamily="50" charset="-128"/>
+              </a:rPr>
+              <a:t>で</a:t>
+            </a:r>
+            <a:r>
+              <a:rPr lang="ja-JP" altLang="en-US" sz="3200" dirty="0">
+                <a:latin typeface="HGPｺﾞｼｯｸE" panose="020B0900000000000000" pitchFamily="50" charset="-128"/>
+                <a:ea typeface="HGPｺﾞｼｯｸE" panose="020B0900000000000000" pitchFamily="50" charset="-128"/>
+              </a:rPr>
+              <a:t>解析した</a:t>
+            </a:r>
+            <a:r>
+              <a:rPr lang="ja-JP" altLang="en-US" sz="3200" dirty="0" smtClean="0">
+                <a:latin typeface="HGPｺﾞｼｯｸE" panose="020B0900000000000000" pitchFamily="50" charset="-128"/>
+                <a:ea typeface="HGPｺﾞｼｯｸE" panose="020B0900000000000000" pitchFamily="50" charset="-128"/>
+              </a:rPr>
+              <a:t>．</a:t>
+            </a:r>
+            <a:endParaRPr lang="en-US" altLang="ja-JP" sz="3200" dirty="0">
+              <a:latin typeface="HGPｺﾞｼｯｸE" panose="020B0900000000000000" pitchFamily="50" charset="-128"/>
+              <a:ea typeface="HGPｺﾞｼｯｸE" panose="020B0900000000000000" pitchFamily="50" charset="-128"/>
+            </a:endParaRPr>
           </a:p>
         </p:txBody>
       </p:sp>

--- a/課題研究/2013/渡辺雄大/ポスター.pptx
+++ b/課題研究/2013/渡辺雄大/ポスター.pptx
@@ -193,7 +193,7 @@
           <a:p>
             <a:fld id="{EBDABDDA-217B-40F7-B562-7EFC1E18F5FB}" type="datetimeFigureOut">
               <a:rPr kumimoji="1" lang="ja-JP" altLang="en-US" smtClean="0"/>
-              <a:t>2013/12/12</a:t>
+              <a:t>2013/12/20</a:t>
             </a:fld>
             <a:endParaRPr kumimoji="1" lang="ja-JP" altLang="en-US"/>
           </a:p>
@@ -759,7 +759,7 @@
             <a:fld id="{CD18CB5A-6947-405F-A94A-52FF85729738}" type="datetimeFigureOut">
               <a:rPr kumimoji="1" lang="ja-JP" altLang="en-US" smtClean="0"/>
               <a:pPr/>
-              <a:t>2013/12/12</a:t>
+              <a:t>2013/12/20</a:t>
             </a:fld>
             <a:endParaRPr kumimoji="1" lang="ja-JP" altLang="en-US"/>
           </a:p>
@@ -963,7 +963,7 @@
             <a:fld id="{CD18CB5A-6947-405F-A94A-52FF85729738}" type="datetimeFigureOut">
               <a:rPr kumimoji="1" lang="ja-JP" altLang="en-US" smtClean="0"/>
               <a:pPr/>
-              <a:t>2013/12/12</a:t>
+              <a:t>2013/12/20</a:t>
             </a:fld>
             <a:endParaRPr kumimoji="1" lang="ja-JP" altLang="en-US"/>
           </a:p>
@@ -1177,7 +1177,7 @@
             <a:fld id="{CD18CB5A-6947-405F-A94A-52FF85729738}" type="datetimeFigureOut">
               <a:rPr kumimoji="1" lang="ja-JP" altLang="en-US" smtClean="0"/>
               <a:pPr/>
-              <a:t>2013/12/12</a:t>
+              <a:t>2013/12/20</a:t>
             </a:fld>
             <a:endParaRPr kumimoji="1" lang="ja-JP" altLang="en-US"/>
           </a:p>
@@ -1381,7 +1381,7 @@
             <a:fld id="{CD18CB5A-6947-405F-A94A-52FF85729738}" type="datetimeFigureOut">
               <a:rPr kumimoji="1" lang="ja-JP" altLang="en-US" smtClean="0"/>
               <a:pPr/>
-              <a:t>2013/12/12</a:t>
+              <a:t>2013/12/20</a:t>
             </a:fld>
             <a:endParaRPr kumimoji="1" lang="ja-JP" altLang="en-US"/>
           </a:p>
@@ -1629,7 +1629,7 @@
             <a:fld id="{CD18CB5A-6947-405F-A94A-52FF85729738}" type="datetimeFigureOut">
               <a:rPr kumimoji="1" lang="ja-JP" altLang="en-US" smtClean="0"/>
               <a:pPr/>
-              <a:t>2013/12/12</a:t>
+              <a:t>2013/12/20</a:t>
             </a:fld>
             <a:endParaRPr kumimoji="1" lang="ja-JP" altLang="en-US"/>
           </a:p>
@@ -1983,7 +1983,7 @@
             <a:fld id="{CD18CB5A-6947-405F-A94A-52FF85729738}" type="datetimeFigureOut">
               <a:rPr kumimoji="1" lang="ja-JP" altLang="en-US" smtClean="0"/>
               <a:pPr/>
-              <a:t>2013/12/12</a:t>
+              <a:t>2013/12/20</a:t>
             </a:fld>
             <a:endParaRPr kumimoji="1" lang="ja-JP" altLang="en-US"/>
           </a:p>
@@ -2471,7 +2471,7 @@
             <a:fld id="{CD18CB5A-6947-405F-A94A-52FF85729738}" type="datetimeFigureOut">
               <a:rPr kumimoji="1" lang="ja-JP" altLang="en-US" smtClean="0"/>
               <a:pPr/>
-              <a:t>2013/12/12</a:t>
+              <a:t>2013/12/20</a:t>
             </a:fld>
             <a:endParaRPr kumimoji="1" lang="ja-JP" altLang="en-US"/>
           </a:p>
@@ -2591,7 +2591,7 @@
             <a:fld id="{CD18CB5A-6947-405F-A94A-52FF85729738}" type="datetimeFigureOut">
               <a:rPr kumimoji="1" lang="ja-JP" altLang="en-US" smtClean="0"/>
               <a:pPr/>
-              <a:t>2013/12/12</a:t>
+              <a:t>2013/12/20</a:t>
             </a:fld>
             <a:endParaRPr kumimoji="1" lang="ja-JP" altLang="en-US"/>
           </a:p>
@@ -2688,7 +2688,7 @@
             <a:fld id="{CD18CB5A-6947-405F-A94A-52FF85729738}" type="datetimeFigureOut">
               <a:rPr kumimoji="1" lang="ja-JP" altLang="en-US" smtClean="0"/>
               <a:pPr/>
-              <a:t>2013/12/12</a:t>
+              <a:t>2013/12/20</a:t>
             </a:fld>
             <a:endParaRPr kumimoji="1" lang="ja-JP" altLang="en-US"/>
           </a:p>
@@ -2999,7 +2999,7 @@
             <a:fld id="{CD18CB5A-6947-405F-A94A-52FF85729738}" type="datetimeFigureOut">
               <a:rPr kumimoji="1" lang="ja-JP" altLang="en-US" smtClean="0"/>
               <a:pPr/>
-              <a:t>2013/12/12</a:t>
+              <a:t>2013/12/20</a:t>
             </a:fld>
             <a:endParaRPr kumimoji="1" lang="ja-JP" altLang="en-US"/>
           </a:p>
@@ -3254,7 +3254,7 @@
             <a:fld id="{CD18CB5A-6947-405F-A94A-52FF85729738}" type="datetimeFigureOut">
               <a:rPr kumimoji="1" lang="ja-JP" altLang="en-US" smtClean="0"/>
               <a:pPr/>
-              <a:t>2013/12/12</a:t>
+              <a:t>2013/12/20</a:t>
             </a:fld>
             <a:endParaRPr kumimoji="1" lang="ja-JP" altLang="en-US"/>
           </a:p>
@@ -3501,7 +3501,7 @@
             <a:fld id="{CD18CB5A-6947-405F-A94A-52FF85729738}" type="datetimeFigureOut">
               <a:rPr kumimoji="1" lang="ja-JP" altLang="en-US" smtClean="0"/>
               <a:pPr/>
-              <a:t>2013/12/12</a:t>
+              <a:t>2013/12/20</a:t>
             </a:fld>
             <a:endParaRPr kumimoji="1" lang="ja-JP" altLang="en-US"/>
           </a:p>
@@ -6916,63 +6916,6 @@
           </p:txBody>
         </p:sp>
       </p:grpSp>
-      <p:pic>
-        <p:nvPicPr>
-          <p:cNvPr id="1026" name="Picture 2"/>
-          <p:cNvPicPr>
-            <a:picLocks noChangeAspect="1" noChangeArrowheads="1"/>
-          </p:cNvPicPr>
-          <p:nvPr/>
-        </p:nvPicPr>
-        <p:blipFill rotWithShape="1">
-          <a:blip r:embed="rId3">
-            <a:extLst>
-              <a:ext uri="{28A0092B-C50C-407E-A947-70E740481C1C}">
-                <a14:useLocalDpi xmlns:a14="http://schemas.microsoft.com/office/drawing/2010/main" val="0"/>
-              </a:ext>
-            </a:extLst>
-          </a:blip>
-          <a:srcRect t="8292" r="3052" b="-1096"/>
-          <a:stretch/>
-        </p:blipFill>
-        <p:spPr bwMode="auto">
-          <a:xfrm>
-            <a:off x="11773520" y="22882735"/>
-            <a:ext cx="8712968" cy="6154796"/>
-          </a:xfrm>
-          <a:prstGeom prst="rect">
-            <a:avLst/>
-          </a:prstGeom>
-          <a:noFill/>
-          <a:ln w="9525">
-            <a:solidFill>
-              <a:schemeClr val="tx1"/>
-            </a:solidFill>
-            <a:miter lim="800000"/>
-            <a:headEnd/>
-            <a:tailEnd/>
-          </a:ln>
-          <a:effectLst/>
-          <a:extLst>
-            <a:ext uri="{909E8E84-426E-40DD-AFC4-6F175D3DCCD1}">
-              <a14:hiddenFill xmlns:a14="http://schemas.microsoft.com/office/drawing/2010/main">
-                <a:solidFill>
-                  <a:schemeClr val="accent1"/>
-                </a:solidFill>
-              </a14:hiddenFill>
-            </a:ext>
-            <a:ext uri="{AF507438-7753-43E0-B8FC-AC1667EBCBE1}">
-              <a14:hiddenEffects xmlns:a14="http://schemas.microsoft.com/office/drawing/2010/main">
-                <a:effectLst>
-                  <a:outerShdw dist="35921" dir="2700000" algn="ctr" rotWithShape="0">
-                    <a:schemeClr val="bg2"/>
-                  </a:outerShdw>
-                </a:effectLst>
-              </a14:hiddenEffects>
-            </a:ext>
-          </a:extLst>
-        </p:spPr>
-      </p:pic>
       <p:sp>
         <p:nvSpPr>
           <p:cNvPr id="17" name="テキスト ボックス 16"/>
@@ -7917,6 +7860,70 @@
           </a:p>
         </p:txBody>
       </p:sp>
+      <p:pic>
+        <p:nvPicPr>
+          <p:cNvPr id="16" name="Picture 2"/>
+          <p:cNvPicPr>
+            <a:picLocks noChangeAspect="1" noChangeArrowheads="1"/>
+          </p:cNvPicPr>
+          <p:nvPr/>
+        </p:nvPicPr>
+        <p:blipFill>
+          <a:blip r:embed="rId3">
+            <a:extLst>
+              <a:ext uri="{28A0092B-C50C-407E-A947-70E740481C1C}">
+                <a14:useLocalDpi xmlns:a14="http://schemas.microsoft.com/office/drawing/2010/main" val="0"/>
+              </a:ext>
+            </a:extLst>
+          </a:blip>
+          <a:srcRect/>
+          <a:stretch>
+            <a:fillRect/>
+          </a:stretch>
+        </p:blipFill>
+        <p:spPr bwMode="auto">
+          <a:xfrm>
+            <a:off x="11791400" y="22920939"/>
+            <a:ext cx="8731543" cy="6476197"/>
+          </a:xfrm>
+          <a:prstGeom prst="rect">
+            <a:avLst/>
+          </a:prstGeom>
+          <a:noFill/>
+          <a:ln>
+            <a:noFill/>
+          </a:ln>
+          <a:effectLst/>
+          <a:extLst>
+            <a:ext uri="{909E8E84-426E-40DD-AFC4-6F175D3DCCD1}">
+              <a14:hiddenFill xmlns:a14="http://schemas.microsoft.com/office/drawing/2010/main">
+                <a:solidFill>
+                  <a:schemeClr val="accent1"/>
+                </a:solidFill>
+              </a14:hiddenFill>
+            </a:ext>
+            <a:ext uri="{91240B29-F687-4F45-9708-019B960494DF}">
+              <a14:hiddenLine xmlns:a14="http://schemas.microsoft.com/office/drawing/2010/main" w="9525">
+                <a:solidFill>
+                  <a:schemeClr val="tx1"/>
+                </a:solidFill>
+                <a:miter lim="800000"/>
+                <a:headEnd/>
+                <a:tailEnd/>
+              </a14:hiddenLine>
+            </a:ext>
+            <a:ext uri="{AF507438-7753-43E0-B8FC-AC1667EBCBE1}">
+              <a14:hiddenEffects xmlns:a14="http://schemas.microsoft.com/office/drawing/2010/main">
+                <a:effectLst>
+                  <a:outerShdw dist="35921" dir="2700000" algn="ctr" rotWithShape="0">
+                    <a:schemeClr val="bg2"/>
+                  </a:outerShdw>
+                </a:effectLst>
+              </a14:hiddenEffects>
+            </a:ext>
+          </a:extLst>
+        </p:spPr>
+      </p:pic>
     </p:spTree>
     <p:extLst>
       <p:ext uri="{BB962C8B-B14F-4D97-AF65-F5344CB8AC3E}">
